--- a/trunk/Final Year Porject (QYA2).pptx
+++ b/trunk/Final Year Porject (QYA2).pptx
@@ -146,8 +146,8 @@
         <c:manualLayout>
           <c:xMode val="edge"/>
           <c:yMode val="edge"/>
-          <c:x val="0.35798814556478548"/>
-          <c:y val="2.8554565638964614E-2"/>
+          <c:x val="0.35798814556478564"/>
+          <c:y val="2.8554565638964607E-2"/>
         </c:manualLayout>
       </c:layout>
     </c:title>
@@ -155,7 +155,17 @@
       <c:rAngAx val="1"/>
     </c:view3D>
     <c:plotArea>
-      <c:layout/>
+      <c:layout>
+        <c:manualLayout>
+          <c:layoutTarget val="inner"/>
+          <c:xMode val="edge"/>
+          <c:yMode val="edge"/>
+          <c:x val="0.12753136585970651"/>
+          <c:y val="0.21452835314727903"/>
+          <c:w val="0.82167533885527122"/>
+          <c:h val="0.54425264420149333"/>
+        </c:manualLayout>
+      </c:layout>
       <c:bar3DChart>
         <c:barDir val="col"/>
         <c:grouping val="clustered"/>
@@ -232,7 +242,7 @@
                   <c:v>0.05</c:v>
                 </c:pt>
                 <c:pt idx="5">
-                  <c:v>0.15000000000000022</c:v>
+                  <c:v>0.15000000000000024</c:v>
                 </c:pt>
                 <c:pt idx="6">
                   <c:v>0.22</c:v>
@@ -259,12 +269,12 @@
         <c:gapWidth val="22"/>
         <c:gapDepth val="145"/>
         <c:shape val="box"/>
-        <c:axId val="126559360"/>
-        <c:axId val="126561664"/>
+        <c:axId val="68212608"/>
+        <c:axId val="68268032"/>
         <c:axId val="0"/>
       </c:bar3DChart>
       <c:catAx>
-        <c:axId val="126559360"/>
+        <c:axId val="68212608"/>
         <c:scaling>
           <c:orientation val="minMax"/>
         </c:scaling>
@@ -289,14 +299,14 @@
         </c:title>
         <c:numFmt formatCode="General" sourceLinked="1"/>
         <c:tickLblPos val="nextTo"/>
-        <c:crossAx val="126561664"/>
+        <c:crossAx val="68268032"/>
         <c:crosses val="autoZero"/>
         <c:auto val="1"/>
         <c:lblAlgn val="ctr"/>
         <c:lblOffset val="100"/>
       </c:catAx>
       <c:valAx>
-        <c:axId val="126561664"/>
+        <c:axId val="68268032"/>
         <c:scaling>
           <c:orientation val="minMax"/>
         </c:scaling>
@@ -322,7 +332,7 @@
         </c:title>
         <c:numFmt formatCode="General" sourceLinked="0"/>
         <c:tickLblPos val="nextTo"/>
-        <c:crossAx val="126559360"/>
+        <c:crossAx val="68212608"/>
         <c:crosses val="autoZero"/>
         <c:crossBetween val="between"/>
       </c:valAx>
@@ -402,7 +412,7 @@
                   <c:v>0</c:v>
                 </c:pt>
                 <c:pt idx="1">
-                  <c:v>0.60000000000000042</c:v>
+                  <c:v>0.60000000000000064</c:v>
                 </c:pt>
                 <c:pt idx="2">
                   <c:v>0.8</c:v>
@@ -450,7 +460,7 @@
                 <c:formatCode>0%</c:formatCode>
                 <c:ptCount val="3"/>
                 <c:pt idx="0">
-                  <c:v>2.0000000000000018E-3</c:v>
+                  <c:v>2.0000000000000026E-3</c:v>
                 </c:pt>
                 <c:pt idx="1">
                   <c:v>0.8</c:v>
@@ -463,11 +473,11 @@
           </c:val>
         </c:ser>
         <c:marker val="1"/>
-        <c:axId val="116197632"/>
-        <c:axId val="117756288"/>
+        <c:axId val="84257024"/>
+        <c:axId val="76620160"/>
       </c:lineChart>
       <c:catAx>
-        <c:axId val="116197632"/>
+        <c:axId val="84257024"/>
         <c:scaling>
           <c:orientation val="minMax"/>
         </c:scaling>
@@ -498,14 +508,14 @@
         <c:numFmt formatCode="General" sourceLinked="1"/>
         <c:majorTickMark val="none"/>
         <c:tickLblPos val="nextTo"/>
-        <c:crossAx val="117756288"/>
+        <c:crossAx val="76620160"/>
         <c:crosses val="autoZero"/>
         <c:auto val="1"/>
         <c:lblAlgn val="ctr"/>
         <c:lblOffset val="100"/>
       </c:catAx>
       <c:valAx>
-        <c:axId val="117756288"/>
+        <c:axId val="76620160"/>
         <c:scaling>
           <c:orientation val="minMax"/>
         </c:scaling>
@@ -533,7 +543,7 @@
         <c:numFmt formatCode="0%" sourceLinked="1"/>
         <c:majorTickMark val="none"/>
         <c:tickLblPos val="nextTo"/>
-        <c:crossAx val="116197632"/>
+        <c:crossAx val="84257024"/>
         <c:crosses val="autoZero"/>
         <c:crossBetween val="between"/>
       </c:valAx>
@@ -630,7 +640,8 @@
           <a:p>
             <a:fld id="{136F87E7-E42E-472B-8B25-3DDDC8A33BF1}" type="datetimeFigureOut">
               <a:rPr lang="zh-TW" altLang="en-US" smtClean="0"/>
-              <a:t>2010/4/14</a:t>
+              <a:pPr/>
+              <a:t>2010/4/15</a:t>
             </a:fld>
             <a:endParaRPr lang="zh-TW" altLang="en-US"/>
           </a:p>
@@ -791,6 +802,7 @@
           <a:p>
             <a:fld id="{FD6287B0-92FF-4806-9C28-ED7A7D7AD106}" type="slidenum">
               <a:rPr lang="zh-TW" altLang="en-US" smtClean="0"/>
+              <a:pPr/>
               <a:t>‹#›</a:t>
             </a:fld>
             <a:endParaRPr lang="zh-TW" altLang="en-US"/>
@@ -962,6 +974,7 @@
           <a:p>
             <a:fld id="{FD6287B0-92FF-4806-9C28-ED7A7D7AD106}" type="slidenum">
               <a:rPr lang="zh-TW" altLang="en-US" smtClean="0"/>
+              <a:pPr/>
               <a:t>6</a:t>
             </a:fld>
             <a:endParaRPr lang="zh-TW" altLang="en-US"/>
@@ -1157,7 +1170,8 @@
           <a:p>
             <a:fld id="{9092F7A6-0F4D-4FA1-8F8D-30494372DEBD}" type="datetimeFigureOut">
               <a:rPr lang="zh-TW" altLang="en-US" smtClean="0"/>
-              <a:t>2010/4/14</a:t>
+              <a:pPr/>
+              <a:t>2010/4/15</a:t>
             </a:fld>
             <a:endParaRPr lang="zh-TW" altLang="en-US"/>
           </a:p>
@@ -1199,6 +1213,7 @@
           <a:p>
             <a:fld id="{B523725E-FDDB-480E-8C18-9D919B659407}" type="slidenum">
               <a:rPr lang="zh-TW" altLang="en-US" smtClean="0"/>
+              <a:pPr/>
               <a:t>‹#›</a:t>
             </a:fld>
             <a:endParaRPr lang="zh-TW" altLang="en-US"/>
@@ -1322,7 +1337,8 @@
           <a:p>
             <a:fld id="{9092F7A6-0F4D-4FA1-8F8D-30494372DEBD}" type="datetimeFigureOut">
               <a:rPr lang="zh-TW" altLang="en-US" smtClean="0"/>
-              <a:t>2010/4/14</a:t>
+              <a:pPr/>
+              <a:t>2010/4/15</a:t>
             </a:fld>
             <a:endParaRPr lang="zh-TW" altLang="en-US"/>
           </a:p>
@@ -1364,6 +1380,7 @@
           <a:p>
             <a:fld id="{B523725E-FDDB-480E-8C18-9D919B659407}" type="slidenum">
               <a:rPr lang="zh-TW" altLang="en-US" smtClean="0"/>
+              <a:pPr/>
               <a:t>‹#›</a:t>
             </a:fld>
             <a:endParaRPr lang="zh-TW" altLang="en-US"/>
@@ -1497,7 +1514,8 @@
           <a:p>
             <a:fld id="{9092F7A6-0F4D-4FA1-8F8D-30494372DEBD}" type="datetimeFigureOut">
               <a:rPr lang="zh-TW" altLang="en-US" smtClean="0"/>
-              <a:t>2010/4/14</a:t>
+              <a:pPr/>
+              <a:t>2010/4/15</a:t>
             </a:fld>
             <a:endParaRPr lang="zh-TW" altLang="en-US"/>
           </a:p>
@@ -1539,6 +1557,7 @@
           <a:p>
             <a:fld id="{B523725E-FDDB-480E-8C18-9D919B659407}" type="slidenum">
               <a:rPr lang="zh-TW" altLang="en-US" smtClean="0"/>
+              <a:pPr/>
               <a:t>‹#›</a:t>
             </a:fld>
             <a:endParaRPr lang="zh-TW" altLang="en-US"/>
@@ -1662,7 +1681,8 @@
           <a:p>
             <a:fld id="{9092F7A6-0F4D-4FA1-8F8D-30494372DEBD}" type="datetimeFigureOut">
               <a:rPr lang="zh-TW" altLang="en-US" smtClean="0"/>
-              <a:t>2010/4/14</a:t>
+              <a:pPr/>
+              <a:t>2010/4/15</a:t>
             </a:fld>
             <a:endParaRPr lang="zh-TW" altLang="en-US"/>
           </a:p>
@@ -1704,6 +1724,7 @@
           <a:p>
             <a:fld id="{B523725E-FDDB-480E-8C18-9D919B659407}" type="slidenum">
               <a:rPr lang="zh-TW" altLang="en-US" smtClean="0"/>
+              <a:pPr/>
               <a:t>‹#›</a:t>
             </a:fld>
             <a:endParaRPr lang="zh-TW" altLang="en-US"/>
@@ -1903,7 +1924,8 @@
           <a:p>
             <a:fld id="{9092F7A6-0F4D-4FA1-8F8D-30494372DEBD}" type="datetimeFigureOut">
               <a:rPr lang="zh-TW" altLang="en-US" smtClean="0"/>
-              <a:t>2010/4/14</a:t>
+              <a:pPr/>
+              <a:t>2010/4/15</a:t>
             </a:fld>
             <a:endParaRPr lang="zh-TW" altLang="en-US"/>
           </a:p>
@@ -1945,6 +1967,7 @@
           <a:p>
             <a:fld id="{B523725E-FDDB-480E-8C18-9D919B659407}" type="slidenum">
               <a:rPr lang="zh-TW" altLang="en-US" smtClean="0"/>
+              <a:pPr/>
               <a:t>‹#›</a:t>
             </a:fld>
             <a:endParaRPr lang="zh-TW" altLang="en-US"/>
@@ -2186,7 +2209,8 @@
           <a:p>
             <a:fld id="{9092F7A6-0F4D-4FA1-8F8D-30494372DEBD}" type="datetimeFigureOut">
               <a:rPr lang="zh-TW" altLang="en-US" smtClean="0"/>
-              <a:t>2010/4/14</a:t>
+              <a:pPr/>
+              <a:t>2010/4/15</a:t>
             </a:fld>
             <a:endParaRPr lang="zh-TW" altLang="en-US"/>
           </a:p>
@@ -2228,6 +2252,7 @@
           <a:p>
             <a:fld id="{B523725E-FDDB-480E-8C18-9D919B659407}" type="slidenum">
               <a:rPr lang="zh-TW" altLang="en-US" smtClean="0"/>
+              <a:pPr/>
               <a:t>‹#›</a:t>
             </a:fld>
             <a:endParaRPr lang="zh-TW" altLang="en-US"/>
@@ -2603,7 +2628,8 @@
           <a:p>
             <a:fld id="{9092F7A6-0F4D-4FA1-8F8D-30494372DEBD}" type="datetimeFigureOut">
               <a:rPr lang="zh-TW" altLang="en-US" smtClean="0"/>
-              <a:t>2010/4/14</a:t>
+              <a:pPr/>
+              <a:t>2010/4/15</a:t>
             </a:fld>
             <a:endParaRPr lang="zh-TW" altLang="en-US"/>
           </a:p>
@@ -2645,6 +2671,7 @@
           <a:p>
             <a:fld id="{B523725E-FDDB-480E-8C18-9D919B659407}" type="slidenum">
               <a:rPr lang="zh-TW" altLang="en-US" smtClean="0"/>
+              <a:pPr/>
               <a:t>‹#›</a:t>
             </a:fld>
             <a:endParaRPr lang="zh-TW" altLang="en-US"/>
@@ -2716,7 +2743,8 @@
           <a:p>
             <a:fld id="{9092F7A6-0F4D-4FA1-8F8D-30494372DEBD}" type="datetimeFigureOut">
               <a:rPr lang="zh-TW" altLang="en-US" smtClean="0"/>
-              <a:t>2010/4/14</a:t>
+              <a:pPr/>
+              <a:t>2010/4/15</a:t>
             </a:fld>
             <a:endParaRPr lang="zh-TW" altLang="en-US"/>
           </a:p>
@@ -2758,6 +2786,7 @@
           <a:p>
             <a:fld id="{B523725E-FDDB-480E-8C18-9D919B659407}" type="slidenum">
               <a:rPr lang="zh-TW" altLang="en-US" smtClean="0"/>
+              <a:pPr/>
               <a:t>‹#›</a:t>
             </a:fld>
             <a:endParaRPr lang="zh-TW" altLang="en-US"/>
@@ -2806,7 +2835,8 @@
           <a:p>
             <a:fld id="{9092F7A6-0F4D-4FA1-8F8D-30494372DEBD}" type="datetimeFigureOut">
               <a:rPr lang="zh-TW" altLang="en-US" smtClean="0"/>
-              <a:t>2010/4/14</a:t>
+              <a:pPr/>
+              <a:t>2010/4/15</a:t>
             </a:fld>
             <a:endParaRPr lang="zh-TW" altLang="en-US"/>
           </a:p>
@@ -2848,6 +2878,7 @@
           <a:p>
             <a:fld id="{B523725E-FDDB-480E-8C18-9D919B659407}" type="slidenum">
               <a:rPr lang="zh-TW" altLang="en-US" smtClean="0"/>
+              <a:pPr/>
               <a:t>‹#›</a:t>
             </a:fld>
             <a:endParaRPr lang="zh-TW" altLang="en-US"/>
@@ -3078,7 +3109,8 @@
           <a:p>
             <a:fld id="{9092F7A6-0F4D-4FA1-8F8D-30494372DEBD}" type="datetimeFigureOut">
               <a:rPr lang="zh-TW" altLang="en-US" smtClean="0"/>
-              <a:t>2010/4/14</a:t>
+              <a:pPr/>
+              <a:t>2010/4/15</a:t>
             </a:fld>
             <a:endParaRPr lang="zh-TW" altLang="en-US"/>
           </a:p>
@@ -3120,6 +3152,7 @@
           <a:p>
             <a:fld id="{B523725E-FDDB-480E-8C18-9D919B659407}" type="slidenum">
               <a:rPr lang="zh-TW" altLang="en-US" smtClean="0"/>
+              <a:pPr/>
               <a:t>‹#›</a:t>
             </a:fld>
             <a:endParaRPr lang="zh-TW" altLang="en-US"/>
@@ -3326,7 +3359,8 @@
           <a:p>
             <a:fld id="{9092F7A6-0F4D-4FA1-8F8D-30494372DEBD}" type="datetimeFigureOut">
               <a:rPr lang="zh-TW" altLang="en-US" smtClean="0"/>
-              <a:t>2010/4/14</a:t>
+              <a:pPr/>
+              <a:t>2010/4/15</a:t>
             </a:fld>
             <a:endParaRPr lang="zh-TW" altLang="en-US"/>
           </a:p>
@@ -3368,6 +3402,7 @@
           <a:p>
             <a:fld id="{B523725E-FDDB-480E-8C18-9D919B659407}" type="slidenum">
               <a:rPr lang="zh-TW" altLang="en-US" smtClean="0"/>
+              <a:pPr/>
               <a:t>‹#›</a:t>
             </a:fld>
             <a:endParaRPr lang="zh-TW" altLang="en-US"/>
@@ -3537,7 +3572,8 @@
           <a:p>
             <a:fld id="{9092F7A6-0F4D-4FA1-8F8D-30494372DEBD}" type="datetimeFigureOut">
               <a:rPr lang="zh-TW" altLang="en-US" smtClean="0"/>
-              <a:t>2010/4/14</a:t>
+              <a:pPr/>
+              <a:t>2010/4/15</a:t>
             </a:fld>
             <a:endParaRPr lang="zh-TW" altLang="en-US"/>
           </a:p>
@@ -3615,6 +3651,7 @@
           <a:p>
             <a:fld id="{B523725E-FDDB-480E-8C18-9D919B659407}" type="slidenum">
               <a:rPr lang="zh-TW" altLang="en-US" smtClean="0"/>
+              <a:pPr/>
               <a:t>‹#›</a:t>
             </a:fld>
             <a:endParaRPr lang="zh-TW" altLang="en-US"/>
@@ -3959,11 +3996,7 @@
             </a:br>
             <a:r>
               <a:rPr lang="en-US" altLang="zh-TW" dirty="0" smtClean="0"/>
-              <a:t>Lego Robot Guided by Wi-Fi </a:t>
-            </a:r>
-            <a:r>
-              <a:rPr lang="en-US" altLang="zh-TW" dirty="0" smtClean="0"/>
-              <a:t>(QYA2)</a:t>
+              <a:t>Lego Robot Guided by Wi-Fi (QYA2)</a:t>
             </a:r>
             <a:endParaRPr lang="zh-TW" altLang="en-US" dirty="0"/>
           </a:p>
@@ -4103,19 +4136,22 @@
         </p:nvSpPr>
         <p:spPr>
           <a:xfrm>
-            <a:off x="500034" y="1500175"/>
-            <a:ext cx="8215370" cy="4500594"/>
+            <a:off x="857224" y="1571612"/>
+            <a:ext cx="5000660" cy="4500594"/>
           </a:xfrm>
+          <a:ln>
+            <a:noFill/>
+          </a:ln>
         </p:spPr>
         <p:style>
-          <a:lnRef idx="1">
-            <a:schemeClr val="dk1"/>
+          <a:lnRef idx="2">
+            <a:schemeClr val="accent1"/>
           </a:lnRef>
-          <a:fillRef idx="2">
-            <a:schemeClr val="dk1"/>
+          <a:fillRef idx="1">
+            <a:schemeClr val="lt1"/>
           </a:fillRef>
-          <a:effectRef idx="1">
-            <a:schemeClr val="dk1"/>
+          <a:effectRef idx="0">
+            <a:schemeClr val="accent1"/>
           </a:effectRef>
           <a:fontRef idx="minor">
             <a:schemeClr val="dk1"/>
@@ -4132,7 +4168,7 @@
               <a:buAutoNum type="arabicPeriod"/>
             </a:pPr>
             <a:r>
-              <a:rPr lang="en-US" altLang="zh-TW" dirty="0" smtClean="0"/>
+              <a:rPr lang="en-US" altLang="zh-TW" b="1" dirty="0" smtClean="0"/>
               <a:t>Introduction</a:t>
             </a:r>
           </a:p>
@@ -4142,7 +4178,7 @@
               <a:buAutoNum type="arabicPeriod"/>
             </a:pPr>
             <a:r>
-              <a:rPr lang="en-US" altLang="zh-TW" dirty="0" smtClean="0"/>
+              <a:rPr lang="en-US" altLang="zh-TW" b="1" dirty="0" smtClean="0"/>
               <a:t>Video Demo</a:t>
             </a:r>
           </a:p>
@@ -4152,38 +4188,66 @@
               <a:buAutoNum type="arabicPeriod"/>
             </a:pPr>
             <a:r>
+              <a:rPr lang="en-US" altLang="zh-TW" b="1" dirty="0" smtClean="0"/>
+              <a:t>System Functions</a:t>
+            </a:r>
+            <a:r>
               <a:rPr lang="en-US" altLang="zh-TW" dirty="0" smtClean="0"/>
-              <a:t>System Functions</a:t>
+              <a:t/>
             </a:r>
             <a:br>
               <a:rPr lang="en-US" altLang="zh-TW" dirty="0" smtClean="0"/>
             </a:br>
             <a:r>
               <a:rPr lang="en-US" altLang="zh-TW" dirty="0" smtClean="0"/>
-              <a:t>&gt; Localization</a:t>
+              <a:t>	</a:t>
+            </a:r>
+            <a:r>
+              <a:rPr lang="en-US" altLang="zh-TW" sz="2500" dirty="0" smtClean="0"/>
+              <a:t>- Localization</a:t>
             </a:r>
             <a:br>
-              <a:rPr lang="en-US" altLang="zh-TW" dirty="0" smtClean="0"/>
+              <a:rPr lang="en-US" altLang="zh-TW" sz="2500" dirty="0" smtClean="0"/>
             </a:br>
             <a:r>
-              <a:rPr lang="en-US" altLang="zh-TW" dirty="0" smtClean="0"/>
-              <a:t>&gt; Self-Guiding</a:t>
+              <a:rPr lang="en-US" altLang="zh-TW" sz="2500" dirty="0" smtClean="0"/>
+              <a:t>	</a:t>
+            </a:r>
+            <a:r>
+              <a:rPr lang="en-US" altLang="zh-TW" sz="2500" smtClean="0"/>
+              <a:t>- </a:t>
+            </a:r>
+            <a:r>
+              <a:rPr lang="en-US" altLang="zh-TW" sz="2500" smtClean="0"/>
+              <a:t>Self-Guiding</a:t>
+            </a:r>
+            <a:r>
+              <a:rPr lang="en-US" altLang="zh-TW" sz="2500" dirty="0" smtClean="0"/>
+              <a:t/>
             </a:r>
             <a:br>
-              <a:rPr lang="en-US" altLang="zh-TW" dirty="0" smtClean="0"/>
+              <a:rPr lang="en-US" altLang="zh-TW" sz="2500" dirty="0" smtClean="0"/>
             </a:br>
             <a:r>
-              <a:rPr lang="en-US" altLang="zh-TW" dirty="0" smtClean="0"/>
-              <a:t>&gt; Auto Data Collection </a:t>
+              <a:rPr lang="en-US" altLang="zh-TW" sz="2500" dirty="0" smtClean="0"/>
+              <a:t>	- </a:t>
+            </a:r>
+            <a:r>
+              <a:rPr lang="en-US" altLang="zh-TW" sz="2500" smtClean="0"/>
+              <a:t>Obstacles </a:t>
+            </a:r>
+            <a:r>
+              <a:rPr lang="en-US" altLang="zh-TW" sz="2500" smtClean="0"/>
+              <a:t>Detection</a:t>
             </a:r>
             <a:br>
-              <a:rPr lang="en-US" altLang="zh-TW" dirty="0" smtClean="0"/>
+              <a:rPr lang="en-US" altLang="zh-TW" sz="2500" smtClean="0"/>
             </a:br>
             <a:r>
-              <a:rPr lang="en-US" altLang="zh-TW" dirty="0" smtClean="0"/>
-              <a:t>&gt; Obstacles Detection</a:t>
-            </a:r>
-            <a:endParaRPr lang="en-US" altLang="zh-TW" dirty="0"/>
+              <a:rPr lang="en-US" altLang="zh-TW" sz="2500" smtClean="0"/>
+              <a:t>	- Auto Data Collection </a:t>
+            </a:r>
+            <a:endParaRPr lang="en-US" altLang="zh-TW" sz="2500" dirty="0"/>
           </a:p>
           <a:p>
             <a:pPr marL="514350" indent="-514350">
@@ -4191,7 +4255,7 @@
               <a:buAutoNum type="arabicPeriod"/>
             </a:pPr>
             <a:r>
-              <a:rPr lang="en-US" altLang="zh-TW" dirty="0" smtClean="0"/>
+              <a:rPr lang="en-US" altLang="zh-TW" b="1" dirty="0" smtClean="0"/>
               <a:t>Conclusion</a:t>
             </a:r>
           </a:p>
@@ -4201,13 +4265,86 @@
               <a:buAutoNum type="arabicPeriod"/>
             </a:pPr>
             <a:r>
-              <a:rPr lang="en-US" altLang="zh-TW" dirty="0" smtClean="0"/>
+              <a:rPr lang="en-US" altLang="zh-TW" b="1" dirty="0" smtClean="0"/>
               <a:t>Q&amp;A</a:t>
             </a:r>
-            <a:endParaRPr lang="zh-TW" altLang="en-US" dirty="0"/>
-          </a:p>
-        </p:txBody>
-      </p:sp>
+            <a:endParaRPr lang="zh-TW" altLang="en-US" b="1" dirty="0"/>
+          </a:p>
+        </p:txBody>
+      </p:sp>
+      <p:pic>
+        <p:nvPicPr>
+          <p:cNvPr id="2051" name="Picture 3"/>
+          <p:cNvPicPr>
+            <a:picLocks noChangeAspect="1" noChangeArrowheads="1"/>
+          </p:cNvPicPr>
+          <p:nvPr/>
+        </p:nvPicPr>
+        <p:blipFill>
+          <a:blip r:embed="rId2" cstate="print"/>
+          <a:srcRect/>
+          <a:stretch>
+            <a:fillRect/>
+          </a:stretch>
+        </p:blipFill>
+        <p:spPr bwMode="auto">
+          <a:xfrm>
+            <a:off x="4929190" y="3714752"/>
+            <a:ext cx="3786214" cy="2733006"/>
+          </a:xfrm>
+          <a:prstGeom prst="rect">
+            <a:avLst/>
+          </a:prstGeom>
+          <a:ln w="127000" cap="rnd">
+            <a:solidFill>
+              <a:srgbClr val="FFFFFF"/>
+            </a:solidFill>
+          </a:ln>
+          <a:effectLst>
+            <a:outerShdw blurRad="76200" dist="95250" dir="10500000" sx="97000" sy="23000" kx="900000" algn="br" rotWithShape="0">
+              <a:srgbClr val="000000">
+                <a:alpha val="20000"/>
+              </a:srgbClr>
+            </a:outerShdw>
+          </a:effectLst>
+          <a:scene3d>
+            <a:camera prst="orthographicFront"/>
+            <a:lightRig rig="twoPt" dir="t">
+              <a:rot lat="0" lon="0" rev="7800000"/>
+            </a:lightRig>
+          </a:scene3d>
+          <a:sp3d contourW="6350">
+            <a:bevelT w="50800" h="16510"/>
+            <a:contourClr>
+              <a:srgbClr val="C0C0C0"/>
+            </a:contourClr>
+          </a:sp3d>
+        </p:spPr>
+      </p:pic>
+      <p:pic>
+        <p:nvPicPr>
+          <p:cNvPr id="6" name="圖片 5" descr="robot.png"/>
+          <p:cNvPicPr>
+            <a:picLocks noChangeAspect="1"/>
+          </p:cNvPicPr>
+          <p:nvPr/>
+        </p:nvPicPr>
+        <p:blipFill>
+          <a:blip r:embed="rId3" cstate="print"/>
+          <a:stretch>
+            <a:fillRect/>
+          </a:stretch>
+        </p:blipFill>
+        <p:spPr>
+          <a:xfrm>
+            <a:off x="5500694" y="1428736"/>
+            <a:ext cx="2286016" cy="2093914"/>
+          </a:xfrm>
+          <a:prstGeom prst="rect">
+            <a:avLst/>
+          </a:prstGeom>
+        </p:spPr>
+      </p:pic>
     </p:spTree>
   </p:cSld>
   <p:clrMapOvr>
@@ -4391,6 +4528,48 @@
               <a:t>    automatically</a:t>
             </a:r>
             <a:endParaRPr lang="zh-TW" altLang="en-US" sz="3000" dirty="0"/>
+          </a:p>
+        </p:txBody>
+      </p:sp>
+      <p:sp>
+        <p:nvSpPr>
+          <p:cNvPr id="7" name="文字方塊 6"/>
+          <p:cNvSpPr txBox="1"/>
+          <p:nvPr/>
+        </p:nvSpPr>
+        <p:spPr>
+          <a:xfrm>
+            <a:off x="1500166" y="5715016"/>
+            <a:ext cx="2786082" cy="646331"/>
+          </a:xfrm>
+          <a:prstGeom prst="rect">
+            <a:avLst/>
+          </a:prstGeom>
+          <a:solidFill>
+            <a:schemeClr val="accent1">
+              <a:lumMod val="20000"/>
+              <a:lumOff val="80000"/>
+            </a:schemeClr>
+          </a:solidFill>
+          <a:effectLst>
+            <a:outerShdw blurRad="50800" dist="38100" dir="10800000" algn="r" rotWithShape="0">
+              <a:prstClr val="black">
+                <a:alpha val="40000"/>
+              </a:prstClr>
+            </a:outerShdw>
+          </a:effectLst>
+        </p:spPr>
+        <p:txBody>
+          <a:bodyPr wrap="square" rtlCol="0">
+            <a:spAutoFit/>
+          </a:bodyPr>
+          <a:lstStyle/>
+          <a:p>
+            <a:r>
+              <a:rPr lang="en-US" altLang="zh-TW" dirty="0" smtClean="0"/>
+              <a:t>Figure 1. The client-server architecture.</a:t>
+            </a:r>
+            <a:endParaRPr lang="zh-TW" altLang="en-US" dirty="0"/>
           </a:p>
         </p:txBody>
       </p:sp>
@@ -4903,6 +5082,90 @@
           </a:p>
         </p:txBody>
       </p:sp>
+      <p:sp>
+        <p:nvSpPr>
+          <p:cNvPr id="11" name="文字方塊 10"/>
+          <p:cNvSpPr txBox="1"/>
+          <p:nvPr/>
+        </p:nvSpPr>
+        <p:spPr>
+          <a:xfrm>
+            <a:off x="285720" y="5857892"/>
+            <a:ext cx="3000396" cy="646331"/>
+          </a:xfrm>
+          <a:prstGeom prst="rect">
+            <a:avLst/>
+          </a:prstGeom>
+          <a:solidFill>
+            <a:schemeClr val="accent3">
+              <a:lumMod val="20000"/>
+              <a:lumOff val="80000"/>
+            </a:schemeClr>
+          </a:solidFill>
+          <a:effectLst>
+            <a:outerShdw blurRad="50800" dist="38100" dir="8100000" algn="tr" rotWithShape="0">
+              <a:prstClr val="black">
+                <a:alpha val="40000"/>
+              </a:prstClr>
+            </a:outerShdw>
+          </a:effectLst>
+        </p:spPr>
+        <p:txBody>
+          <a:bodyPr wrap="square" rtlCol="0">
+            <a:spAutoFit/>
+          </a:bodyPr>
+          <a:lstStyle/>
+          <a:p>
+            <a:r>
+              <a:rPr lang="en-US" altLang="zh-TW" dirty="0" smtClean="0"/>
+              <a:t>Figure 2. Records in training database.</a:t>
+            </a:r>
+            <a:endParaRPr lang="zh-TW" altLang="en-US" dirty="0"/>
+          </a:p>
+        </p:txBody>
+      </p:sp>
+      <p:sp>
+        <p:nvSpPr>
+          <p:cNvPr id="14" name="文字方塊 13"/>
+          <p:cNvSpPr txBox="1"/>
+          <p:nvPr/>
+        </p:nvSpPr>
+        <p:spPr>
+          <a:xfrm>
+            <a:off x="5786446" y="3071810"/>
+            <a:ext cx="2714644" cy="923330"/>
+          </a:xfrm>
+          <a:prstGeom prst="rect">
+            <a:avLst/>
+          </a:prstGeom>
+          <a:solidFill>
+            <a:schemeClr val="accent2">
+              <a:lumMod val="20000"/>
+              <a:lumOff val="80000"/>
+            </a:schemeClr>
+          </a:solidFill>
+          <a:effectLst>
+            <a:outerShdw blurRad="50800" dist="38100" dir="8100000" algn="tr" rotWithShape="0">
+              <a:prstClr val="black">
+                <a:alpha val="40000"/>
+              </a:prstClr>
+            </a:outerShdw>
+          </a:effectLst>
+        </p:spPr>
+        <p:txBody>
+          <a:bodyPr wrap="square" rtlCol="0">
+            <a:spAutoFit/>
+          </a:bodyPr>
+          <a:lstStyle/>
+          <a:p>
+            <a:r>
+              <a:rPr lang="en-US" altLang="zh-TW" dirty="0" smtClean="0"/>
+              <a:t>Figure 3. Record received at a grid cell during online phrase.</a:t>
+            </a:r>
+            <a:endParaRPr lang="zh-TW" altLang="en-US" dirty="0"/>
+          </a:p>
+        </p:txBody>
+      </p:sp>
     </p:spTree>
   </p:cSld>
   <p:clrMapOvr>
@@ -4993,8 +5256,8 @@
         </p:blipFill>
         <p:spPr>
           <a:xfrm>
-            <a:off x="1857356" y="2857496"/>
-            <a:ext cx="1428548" cy="1308502"/>
+            <a:off x="1643042" y="2500306"/>
+            <a:ext cx="1403918" cy="1285942"/>
           </a:xfrm>
         </p:spPr>
       </p:pic>
@@ -5044,8 +5307,8 @@
         </p:nvGrpSpPr>
         <p:grpSpPr>
           <a:xfrm>
-            <a:off x="285720" y="1577421"/>
-            <a:ext cx="4143404" cy="4214248"/>
+            <a:off x="285720" y="1357298"/>
+            <a:ext cx="3929090" cy="3791428"/>
             <a:chOff x="3714744" y="1928802"/>
             <a:chExt cx="4500000" cy="4500000"/>
           </a:xfrm>
@@ -5187,10 +5450,10 @@
         </p:nvGrpSpPr>
         <p:grpSpPr>
           <a:xfrm>
-            <a:off x="857224" y="1995871"/>
-            <a:ext cx="2467931" cy="3010574"/>
+            <a:off x="857224" y="1714488"/>
+            <a:ext cx="2340279" cy="2812525"/>
             <a:chOff x="4357686" y="2428868"/>
-            <a:chExt cx="2680330" cy="3214710"/>
+            <a:chExt cx="2680330" cy="3338152"/>
           </a:xfrm>
         </p:grpSpPr>
         <p:sp>
@@ -5473,7 +5736,7 @@
           </p:nvSpPr>
           <p:spPr>
             <a:xfrm>
-              <a:off x="5929322" y="5357826"/>
+              <a:off x="5994050" y="5481268"/>
               <a:ext cx="285752" cy="285752"/>
             </a:xfrm>
             <a:prstGeom prst="diamond">
@@ -5596,8 +5859,8 @@
         </p:nvSpPr>
         <p:spPr>
           <a:xfrm>
-            <a:off x="3428992" y="3934875"/>
-            <a:ext cx="657770" cy="307777"/>
+            <a:off x="3214678" y="3286124"/>
+            <a:ext cx="623747" cy="307777"/>
           </a:xfrm>
           <a:prstGeom prst="rect">
             <a:avLst/>
@@ -5626,8 +5889,8 @@
         </p:nvSpPr>
         <p:spPr>
           <a:xfrm>
-            <a:off x="1714480" y="4077751"/>
-            <a:ext cx="657770" cy="307777"/>
+            <a:off x="1857356" y="3537127"/>
+            <a:ext cx="623747" cy="307777"/>
           </a:xfrm>
           <a:prstGeom prst="rect">
             <a:avLst/>
@@ -5656,8 +5919,8 @@
         </p:nvSpPr>
         <p:spPr>
           <a:xfrm>
-            <a:off x="4643438" y="1571612"/>
-            <a:ext cx="3929090" cy="2585323"/>
+            <a:off x="4429124" y="1571612"/>
+            <a:ext cx="3929090" cy="1477328"/>
           </a:xfrm>
           <a:prstGeom prst="rect">
             <a:avLst/>
@@ -5672,7 +5935,7 @@
           <a:p>
             <a:r>
               <a:rPr lang="en-US" altLang="zh-TW" dirty="0" smtClean="0"/>
-              <a:t>KNN classified an unknown class object by comparing the similarity of the unknown object to the existing classified objects. </a:t>
+              <a:t>KNN classified the user trace by comparing the similarity of the user trace with the existing classified records. </a:t>
             </a:r>
           </a:p>
           <a:p>
@@ -5681,16 +5944,7 @@
           <a:p>
             <a:r>
               <a:rPr lang="en-US" altLang="zh-TW" dirty="0" smtClean="0"/>
-              <a:t>The similarity is computed using Euclidean Distance :</a:t>
-            </a:r>
-          </a:p>
-          <a:p>
-            <a:endParaRPr lang="en-US" altLang="zh-TW" dirty="0"/>
-          </a:p>
-          <a:p>
-            <a:r>
-              <a:rPr lang="en-US" altLang="zh-TW" dirty="0" smtClean="0"/>
-              <a:t>Distance  = </a:t>
+              <a:t>The similarity is computed using :</a:t>
             </a:r>
           </a:p>
         </p:txBody>
@@ -5702,9 +5956,9 @@
           <p:nvPr/>
         </p:nvCxnSpPr>
         <p:spPr>
-          <a:xfrm rot="16200000" flipH="1">
-            <a:off x="1542736" y="2905875"/>
-            <a:ext cx="292538" cy="479577"/>
+          <a:xfrm>
+            <a:off x="1285852" y="2857496"/>
+            <a:ext cx="428628" cy="142876"/>
           </a:xfrm>
           <a:prstGeom prst="straightConnector1">
             <a:avLst/>
@@ -5736,9 +5990,9 @@
           <p:nvPr/>
         </p:nvCxnSpPr>
         <p:spPr>
-          <a:xfrm rot="5400000" flipH="1" flipV="1">
-            <a:off x="2066104" y="4304644"/>
-            <a:ext cx="803963" cy="64426"/>
+          <a:xfrm rot="16200000" flipV="1">
+            <a:off x="1919723" y="3866701"/>
+            <a:ext cx="803964" cy="71437"/>
           </a:xfrm>
           <a:prstGeom prst="straightConnector1">
             <a:avLst/>
@@ -5772,9 +6026,9 @@
         <p:grpSpPr>
           <a:xfrm>
             <a:off x="214282" y="5929330"/>
-            <a:ext cx="4429156" cy="717769"/>
+            <a:ext cx="4143404" cy="717769"/>
             <a:chOff x="214282" y="5929330"/>
-            <a:chExt cx="4429156" cy="717769"/>
+            <a:chExt cx="4143404" cy="717769"/>
           </a:xfrm>
         </p:grpSpPr>
         <p:grpSp>
@@ -5865,9 +6119,9 @@
           <p:grpSpPr>
             <a:xfrm>
               <a:off x="2071670" y="5929330"/>
-              <a:ext cx="2571768" cy="717769"/>
+              <a:ext cx="2286016" cy="717769"/>
               <a:chOff x="2071670" y="5929330"/>
-              <a:chExt cx="2571768" cy="717769"/>
+              <a:chExt cx="2286016" cy="717769"/>
             </a:xfrm>
           </p:grpSpPr>
           <p:sp>
@@ -5907,7 +6161,11 @@
               <a:lstStyle/>
               <a:p>
                 <a:pPr algn="ctr"/>
-                <a:endParaRPr lang="zh-TW" altLang="en-US"/>
+                <a:r>
+                  <a:rPr lang="en-US" altLang="zh-TW" dirty="0" smtClean="0"/>
+                  <a:t>j</a:t>
+                </a:r>
+                <a:endParaRPr lang="zh-TW" altLang="en-US" dirty="0"/>
               </a:p>
             </p:txBody>
           </p:sp>
@@ -5947,7 +6205,11 @@
               <a:lstStyle/>
               <a:p>
                 <a:pPr algn="ctr"/>
-                <a:endParaRPr lang="zh-TW" altLang="en-US"/>
+                <a:r>
+                  <a:rPr lang="en-US" altLang="zh-TW" dirty="0" err="1" smtClean="0"/>
+                  <a:t>i</a:t>
+                </a:r>
+                <a:endParaRPr lang="zh-TW" altLang="en-US" dirty="0"/>
               </a:p>
             </p:txBody>
           </p:sp>
@@ -5985,7 +6247,11 @@
               <a:lstStyle/>
               <a:p>
                 <a:pPr algn="ctr"/>
-                <a:endParaRPr lang="zh-TW" altLang="en-US"/>
+                <a:r>
+                  <a:rPr lang="en-US" altLang="zh-TW" dirty="0" smtClean="0"/>
+                  <a:t>k</a:t>
+                </a:r>
+                <a:endParaRPr lang="zh-TW" altLang="en-US" dirty="0"/>
               </a:p>
             </p:txBody>
           </p:sp>
@@ -5998,7 +6264,7 @@
             <p:spPr>
               <a:xfrm>
                 <a:off x="2786050" y="6000768"/>
-                <a:ext cx="1857388" cy="646331"/>
+                <a:ext cx="1571636" cy="646331"/>
               </a:xfrm>
               <a:prstGeom prst="rect">
                 <a:avLst/>
@@ -6013,7 +6279,15 @@
               <a:p>
                 <a:r>
                   <a:rPr lang="en-US" altLang="zh-TW" dirty="0" smtClean="0"/>
-                  <a:t>Records in Different Grid Cell</a:t>
+                  <a:t>Records in grid </a:t>
+                </a:r>
+                <a:r>
+                  <a:rPr lang="en-US" altLang="zh-TW" dirty="0" err="1" smtClean="0"/>
+                  <a:t>i</a:t>
+                </a:r>
+                <a:r>
+                  <a:rPr lang="en-US" altLang="zh-TW" dirty="0" smtClean="0"/>
+                  <a:t>, j and k</a:t>
                 </a:r>
                 <a:endParaRPr lang="zh-TW" altLang="en-US" dirty="0"/>
               </a:p>
@@ -6029,8 +6303,8 @@
         </p:nvSpPr>
         <p:spPr>
           <a:xfrm>
-            <a:off x="357158" y="5143512"/>
-            <a:ext cx="3786214" cy="646331"/>
+            <a:off x="214282" y="4643446"/>
+            <a:ext cx="4000528" cy="1200329"/>
           </a:xfrm>
           <a:prstGeom prst="rect">
             <a:avLst/>
@@ -6064,7 +6338,110 @@
           <a:p>
             <a:r>
               <a:rPr lang="en-US" altLang="zh-TW" dirty="0" smtClean="0"/>
-              <a:t>Example of KNN Classification. There are three kind of classified objects.</a:t>
+              <a:t>Example of KNN Classification. For k=4, the user trace is classified to be grid k; while it is classified to be grid </a:t>
+            </a:r>
+            <a:r>
+              <a:rPr lang="en-US" altLang="zh-TW" dirty="0" err="1" smtClean="0"/>
+              <a:t>i</a:t>
+            </a:r>
+            <a:r>
+              <a:rPr lang="en-US" altLang="zh-TW" dirty="0" smtClean="0"/>
+              <a:t> when k=10.</a:t>
+            </a:r>
+            <a:endParaRPr lang="zh-TW" altLang="en-US" dirty="0"/>
+          </a:p>
+        </p:txBody>
+      </p:sp>
+      <p:sp>
+        <p:nvSpPr>
+          <p:cNvPr id="43" name="菱形 42"/>
+          <p:cNvSpPr/>
+          <p:nvPr/>
+        </p:nvSpPr>
+        <p:spPr>
+          <a:xfrm>
+            <a:off x="2786050" y="4286256"/>
+            <a:ext cx="249499" cy="240757"/>
+          </a:xfrm>
+          <a:prstGeom prst="diamond">
+            <a:avLst/>
+          </a:prstGeom>
+          <a:solidFill>
+            <a:srgbClr val="FFC000"/>
+          </a:solidFill>
+        </p:spPr>
+        <p:style>
+          <a:lnRef idx="2">
+            <a:schemeClr val="accent6"/>
+          </a:lnRef>
+          <a:fillRef idx="1">
+            <a:schemeClr val="lt1"/>
+          </a:fillRef>
+          <a:effectRef idx="0">
+            <a:schemeClr val="accent6"/>
+          </a:effectRef>
+          <a:fontRef idx="minor">
+            <a:schemeClr val="dk1"/>
+          </a:fontRef>
+        </p:style>
+        <p:txBody>
+          <a:bodyPr rtlCol="0" anchor="ctr"/>
+          <a:lstStyle/>
+          <a:p>
+            <a:pPr algn="ctr"/>
+            <a:endParaRPr lang="zh-TW" altLang="en-US"/>
+          </a:p>
+        </p:txBody>
+      </p:sp>
+      <p:pic>
+        <p:nvPicPr>
+          <p:cNvPr id="44" name="圖片 43" descr="euclidean.bmp"/>
+          <p:cNvPicPr>
+            <a:picLocks noChangeAspect="1"/>
+          </p:cNvPicPr>
+          <p:nvPr/>
+        </p:nvPicPr>
+        <p:blipFill>
+          <a:blip r:embed="rId4" cstate="print"/>
+          <a:stretch>
+            <a:fillRect/>
+          </a:stretch>
+        </p:blipFill>
+        <p:spPr>
+          <a:xfrm>
+            <a:off x="4321170" y="3214686"/>
+            <a:ext cx="4822830" cy="1000126"/>
+          </a:xfrm>
+          <a:prstGeom prst="rect">
+            <a:avLst/>
+          </a:prstGeom>
+        </p:spPr>
+      </p:pic>
+      <p:sp>
+        <p:nvSpPr>
+          <p:cNvPr id="45" name="文字方塊 44"/>
+          <p:cNvSpPr txBox="1"/>
+          <p:nvPr/>
+        </p:nvSpPr>
+        <p:spPr>
+          <a:xfrm>
+            <a:off x="4429124" y="4429132"/>
+            <a:ext cx="3929090" cy="1477328"/>
+          </a:xfrm>
+          <a:prstGeom prst="rect">
+            <a:avLst/>
+          </a:prstGeom>
+          <a:noFill/>
+        </p:spPr>
+        <p:txBody>
+          <a:bodyPr wrap="square" rtlCol="0">
+            <a:spAutoFit/>
+          </a:bodyPr>
+          <a:lstStyle/>
+          <a:p>
+            <a:r>
+              <a:rPr lang="en-US" altLang="zh-TW" dirty="0" smtClean="0"/>
+              <a:t>For those k records with highest similarity, i.e. with lowest Euclidean Distance, the grid cell having the highest number of occurrence in the list is declared as the estimated location.</a:t>
             </a:r>
             <a:endParaRPr lang="zh-TW" altLang="en-US" dirty="0"/>
           </a:p>
@@ -6114,91 +6491,163 @@
         </p:nvSpPr>
         <p:spPr>
           <a:xfrm>
-            <a:off x="500034" y="428604"/>
+            <a:off x="2714612" y="500042"/>
             <a:ext cx="8229600" cy="1143000"/>
           </a:xfrm>
         </p:spPr>
         <p:txBody>
           <a:bodyPr>
-            <a:normAutofit fontScale="90000"/>
+            <a:noAutofit/>
           </a:bodyPr>
           <a:lstStyle/>
           <a:p>
             <a:r>
-              <a:rPr lang="en-US" altLang="zh-TW" dirty="0" smtClean="0"/>
+              <a:rPr lang="en-US" altLang="zh-TW" sz="4000" dirty="0" smtClean="0"/>
               <a:t>Localization: </a:t>
             </a:r>
             <a:br>
-              <a:rPr lang="en-US" altLang="zh-TW" dirty="0" smtClean="0"/>
+              <a:rPr lang="en-US" altLang="zh-TW" sz="4000" dirty="0" smtClean="0"/>
             </a:br>
             <a:r>
-              <a:rPr lang="en-US" altLang="zh-TW" dirty="0" smtClean="0"/>
+              <a:rPr lang="en-US" altLang="zh-TW" sz="4000" dirty="0" smtClean="0"/>
               <a:t>Bayesian Probability</a:t>
             </a:r>
             <a:br>
-              <a:rPr lang="en-US" altLang="zh-TW" dirty="0" smtClean="0"/>
+              <a:rPr lang="en-US" altLang="zh-TW" sz="4000" dirty="0" smtClean="0"/>
             </a:br>
-            <a:endParaRPr lang="zh-TW" altLang="en-US" dirty="0"/>
-          </a:p>
-        </p:txBody>
-      </p:sp>
+            <a:endParaRPr lang="zh-TW" altLang="en-US" sz="4000" dirty="0"/>
+          </a:p>
+        </p:txBody>
+      </p:sp>
+      <p:graphicFrame>
+        <p:nvGraphicFramePr>
+          <p:cNvPr id="5" name="內容版面配置區 4"/>
+          <p:cNvGraphicFramePr>
+            <a:graphicFrameLocks noGrp="1"/>
+          </p:cNvGraphicFramePr>
+          <p:nvPr>
+            <p:ph idx="1"/>
+          </p:nvPr>
+        </p:nvGraphicFramePr>
+        <p:xfrm>
+          <a:off x="0" y="357166"/>
+          <a:ext cx="5000660" cy="2668575"/>
+        </p:xfrm>
+        <a:graphic>
+          <a:graphicData uri="http://schemas.openxmlformats.org/drawingml/2006/chart">
+            <c:chart xmlns:c="http://schemas.openxmlformats.org/drawingml/2006/chart" xmlns:r="http://schemas.openxmlformats.org/officeDocument/2006/relationships" r:id="rId2"/>
+          </a:graphicData>
+        </a:graphic>
+      </p:graphicFrame>
       <p:pic>
         <p:nvPicPr>
-          <p:cNvPr id="4" name="Picture 1"/>
+          <p:cNvPr id="11" name="圖片 10" descr="bayesian.bmp"/>
           <p:cNvPicPr>
-            <a:picLocks noChangeAspect="1" noChangeArrowheads="1"/>
+            <a:picLocks noChangeAspect="1"/>
           </p:cNvPicPr>
           <p:nvPr/>
         </p:nvPicPr>
         <p:blipFill>
-          <a:blip r:embed="rId2" cstate="print">
-            <a:clrChange>
-              <a:clrFrom>
-                <a:srgbClr val="FFFFFF"/>
-              </a:clrFrom>
-              <a:clrTo>
-                <a:srgbClr val="FFFFFF">
-                  <a:alpha val="0"/>
-                </a:srgbClr>
-              </a:clrTo>
-            </a:clrChange>
-          </a:blip>
-          <a:srcRect/>
+          <a:blip r:embed="rId3" cstate="print"/>
           <a:stretch>
             <a:fillRect/>
           </a:stretch>
         </p:blipFill>
-        <p:spPr bwMode="auto">
+        <p:spPr>
           <a:xfrm>
-            <a:off x="642910" y="4786322"/>
-            <a:ext cx="8072494" cy="732315"/>
+            <a:off x="571472" y="4286256"/>
+            <a:ext cx="8129868" cy="2390031"/>
+          </a:xfrm>
+          <a:prstGeom prst="rect">
+            <a:avLst/>
+          </a:prstGeom>
+        </p:spPr>
+      </p:pic>
+      <p:sp>
+        <p:nvSpPr>
+          <p:cNvPr id="12" name="文字方塊 11"/>
+          <p:cNvSpPr txBox="1"/>
+          <p:nvPr/>
+        </p:nvSpPr>
+        <p:spPr>
+          <a:xfrm>
+            <a:off x="4786314" y="1643050"/>
+            <a:ext cx="4071934" cy="2585323"/>
           </a:xfrm>
           <a:prstGeom prst="rect">
             <a:avLst/>
           </a:prstGeom>
           <a:noFill/>
         </p:spPr>
-      </p:pic>
-      <p:graphicFrame>
-        <p:nvGraphicFramePr>
-          <p:cNvPr id="5" name="內容版面配置區 4"/>
-          <p:cNvGraphicFramePr>
-            <a:graphicFrameLocks noGrp="1"/>
-          </p:cNvGraphicFramePr>
-          <p:nvPr>
-            <p:ph idx="1"/>
-          </p:nvPr>
-        </p:nvGraphicFramePr>
-        <p:xfrm>
-          <a:off x="428596" y="1643050"/>
-          <a:ext cx="5000660" cy="2668575"/>
-        </p:xfrm>
-        <a:graphic>
-          <a:graphicData uri="http://schemas.openxmlformats.org/drawingml/2006/chart">
-            <c:chart xmlns:c="http://schemas.openxmlformats.org/drawingml/2006/chart" xmlns:r="http://schemas.openxmlformats.org/officeDocument/2006/relationships" r:id="rId3"/>
-          </a:graphicData>
-        </a:graphic>
-      </p:graphicFrame>
+        <p:txBody>
+          <a:bodyPr wrap="square" rtlCol="0">
+            <a:spAutoFit/>
+          </a:bodyPr>
+          <a:lstStyle/>
+          <a:p>
+            <a:r>
+              <a:rPr lang="en-US" altLang="zh-TW" dirty="0" smtClean="0"/>
+              <a:t>Bayesian approach is based on signal strength distribution  on each grid cell. </a:t>
+            </a:r>
+          </a:p>
+          <a:p>
+            <a:endParaRPr lang="en-US" altLang="zh-TW" dirty="0" smtClean="0"/>
+          </a:p>
+          <a:p>
+            <a:r>
+              <a:rPr lang="en-US" altLang="zh-TW" dirty="0" smtClean="0"/>
+              <a:t>It helps mitigate the random error due to dynamic signal strength across air.</a:t>
+            </a:r>
+          </a:p>
+          <a:p>
+            <a:endParaRPr lang="en-US" altLang="zh-TW" dirty="0" smtClean="0"/>
+          </a:p>
+          <a:p>
+            <a:r>
+              <a:rPr lang="en-US" altLang="zh-TW" dirty="0" smtClean="0"/>
+              <a:t>It works by multiplying the probability of each access point’s RSSI in the user trace.</a:t>
+            </a:r>
+          </a:p>
+          <a:p>
+            <a:endParaRPr lang="zh-TW" altLang="en-US" dirty="0"/>
+          </a:p>
+        </p:txBody>
+      </p:sp>
+      <p:sp>
+        <p:nvSpPr>
+          <p:cNvPr id="13" name="文字方塊 12"/>
+          <p:cNvSpPr txBox="1"/>
+          <p:nvPr/>
+        </p:nvSpPr>
+        <p:spPr>
+          <a:xfrm>
+            <a:off x="500034" y="3071810"/>
+            <a:ext cx="4143404" cy="923330"/>
+          </a:xfrm>
+          <a:prstGeom prst="rect">
+            <a:avLst/>
+          </a:prstGeom>
+          <a:solidFill>
+            <a:schemeClr val="accent1">
+              <a:lumMod val="20000"/>
+              <a:lumOff val="80000"/>
+            </a:schemeClr>
+          </a:solidFill>
+        </p:spPr>
+        <p:txBody>
+          <a:bodyPr wrap="square" rtlCol="0">
+            <a:spAutoFit/>
+          </a:bodyPr>
+          <a:lstStyle/>
+          <a:p>
+            <a:r>
+              <a:rPr lang="en-US" altLang="zh-TW" dirty="0" smtClean="0"/>
+              <a:t>Figure 5. A histogram showing the RSSI distribution of an access point at a grid cell</a:t>
+            </a:r>
+            <a:endParaRPr lang="zh-TW" altLang="en-US" dirty="0"/>
+          </a:p>
+        </p:txBody>
+      </p:sp>
     </p:spTree>
   </p:cSld>
   <p:clrMapOvr>

--- a/trunk/Final Year Porject (QYA2).pptx
+++ b/trunk/Final Year Porject (QYA2).pptx
@@ -2,10 +2,10 @@
 <file path=ppt/presentation.xml><?xml version="1.0" encoding="utf-8"?>
 <p:presentation xmlns:a="http://schemas.openxmlformats.org/drawingml/2006/main" xmlns:r="http://schemas.openxmlformats.org/officeDocument/2006/relationships" xmlns:p="http://schemas.openxmlformats.org/presentationml/2006/main" saveSubsetFonts="1">
   <p:sldMasterIdLst>
-    <p:sldMasterId id="2147483648" r:id="rId1"/>
+    <p:sldMasterId id="2147483660" r:id="rId1"/>
   </p:sldMasterIdLst>
   <p:notesMasterIdLst>
-    <p:notesMasterId r:id="rId10"/>
+    <p:notesMasterId r:id="rId15"/>
   </p:notesMasterIdLst>
   <p:sldIdLst>
     <p:sldId id="256" r:id="rId2"/>
@@ -15,7 +15,12 @@
     <p:sldId id="264" r:id="rId6"/>
     <p:sldId id="260" r:id="rId7"/>
     <p:sldId id="262" r:id="rId8"/>
-    <p:sldId id="263" r:id="rId9"/>
+    <p:sldId id="265" r:id="rId9"/>
+    <p:sldId id="266" r:id="rId10"/>
+    <p:sldId id="263" r:id="rId11"/>
+    <p:sldId id="268" r:id="rId12"/>
+    <p:sldId id="267" r:id="rId13"/>
+    <p:sldId id="269" r:id="rId14"/>
   </p:sldIdLst>
   <p:sldSz cx="9144000" cy="6858000" type="screen4x3"/>
   <p:notesSz cx="6858000" cy="9144000"/>
@@ -146,7 +151,7 @@
         <c:manualLayout>
           <c:xMode val="edge"/>
           <c:yMode val="edge"/>
-          <c:x val="0.35798814556478564"/>
+          <c:x val="0.35798814556478586"/>
           <c:y val="2.8554565638964607E-2"/>
         </c:manualLayout>
       </c:layout>
@@ -161,8 +166,8 @@
           <c:xMode val="edge"/>
           <c:yMode val="edge"/>
           <c:x val="0.12753136585970651"/>
-          <c:y val="0.21452835314727903"/>
-          <c:w val="0.82167533885527122"/>
+          <c:y val="0.21452835314727914"/>
+          <c:w val="0.82167533885527144"/>
           <c:h val="0.54425264420149333"/>
         </c:manualLayout>
       </c:layout>
@@ -269,12 +274,12 @@
         <c:gapWidth val="22"/>
         <c:gapDepth val="145"/>
         <c:shape val="box"/>
-        <c:axId val="68212608"/>
-        <c:axId val="68268032"/>
+        <c:axId val="68208512"/>
+        <c:axId val="68280320"/>
         <c:axId val="0"/>
       </c:bar3DChart>
       <c:catAx>
-        <c:axId val="68212608"/>
+        <c:axId val="68208512"/>
         <c:scaling>
           <c:orientation val="minMax"/>
         </c:scaling>
@@ -299,14 +304,14 @@
         </c:title>
         <c:numFmt formatCode="General" sourceLinked="1"/>
         <c:tickLblPos val="nextTo"/>
-        <c:crossAx val="68268032"/>
+        <c:crossAx val="68280320"/>
         <c:crosses val="autoZero"/>
         <c:auto val="1"/>
         <c:lblAlgn val="ctr"/>
         <c:lblOffset val="100"/>
       </c:catAx>
       <c:valAx>
-        <c:axId val="68268032"/>
+        <c:axId val="68280320"/>
         <c:scaling>
           <c:orientation val="minMax"/>
         </c:scaling>
@@ -332,7 +337,7 @@
         </c:title>
         <c:numFmt formatCode="General" sourceLinked="0"/>
         <c:tickLblPos val="nextTo"/>
-        <c:crossAx val="68212608"/>
+        <c:crossAx val="68208512"/>
         <c:crosses val="autoZero"/>
         <c:crossBetween val="between"/>
       </c:valAx>
@@ -357,36 +362,298 @@
               <a:defRPr/>
             </a:pPr>
             <a:r>
-              <a:rPr lang="en-US"/>
-              <a:t>Accuracy of Localization </a:t>
-            </a:r>
-            <a:endParaRPr lang="zh-TW"/>
+              <a:rPr lang="en-US" altLang="en-US" dirty="0" smtClean="0"/>
+              <a:t>RSSI Profile of  </a:t>
+            </a:r>
+          </a:p>
+          <a:p>
+            <a:pPr>
+              <a:defRPr/>
+            </a:pPr>
+            <a:r>
+              <a:rPr lang="en-US" altLang="en-US" dirty="0" smtClean="0"/>
+              <a:t>00:17:DF:AA:9B:A2</a:t>
+            </a:r>
+            <a:r>
+              <a:rPr lang="en-US" altLang="en-US" baseline="0" dirty="0" smtClean="0"/>
+              <a:t> </a:t>
+            </a:r>
+            <a:r>
+              <a:rPr lang="en-US" altLang="en-US" dirty="0" smtClean="0"/>
+              <a:t>at</a:t>
+            </a:r>
+            <a:r>
+              <a:rPr lang="en-US" altLang="en-US" baseline="0" dirty="0" smtClean="0"/>
+              <a:t> Grid 82</a:t>
+            </a:r>
+            <a:endParaRPr lang="en-US" altLang="en-US" dirty="0"/>
           </a:p>
         </c:rich>
       </c:tx>
-      <c:layout/>
+      <c:layout>
+        <c:manualLayout>
+          <c:xMode val="edge"/>
+          <c:yMode val="edge"/>
+          <c:x val="0.24116356640923398"/>
+          <c:y val="1.9323536249736775E-2"/>
+        </c:manualLayout>
+      </c:layout>
+    </c:title>
+    <c:view3D>
+      <c:rAngAx val="1"/>
+    </c:view3D>
+    <c:plotArea>
+      <c:layout>
+        <c:manualLayout>
+          <c:layoutTarget val="inner"/>
+          <c:xMode val="edge"/>
+          <c:yMode val="edge"/>
+          <c:x val="0.12753136585970651"/>
+          <c:y val="0.21452835314727925"/>
+          <c:w val="0.82167533885527166"/>
+          <c:h val="0.54425264420149333"/>
+        </c:manualLayout>
+      </c:layout>
+      <c:bar3DChart>
+        <c:barDir val="col"/>
+        <c:grouping val="clustered"/>
+        <c:ser>
+          <c:idx val="0"/>
+          <c:order val="0"/>
+          <c:tx>
+            <c:v>A RSSI Profile</c:v>
+          </c:tx>
+          <c:cat>
+            <c:numRef>
+              <c:f>Sheet1!$A$1:$L$1</c:f>
+              <c:numCache>
+                <c:formatCode>General</c:formatCode>
+                <c:ptCount val="12"/>
+                <c:pt idx="0">
+                  <c:v>-68</c:v>
+                </c:pt>
+                <c:pt idx="1">
+                  <c:v>-65</c:v>
+                </c:pt>
+                <c:pt idx="2">
+                  <c:v>-62</c:v>
+                </c:pt>
+                <c:pt idx="3">
+                  <c:v>-59</c:v>
+                </c:pt>
+                <c:pt idx="4">
+                  <c:v>-56</c:v>
+                </c:pt>
+                <c:pt idx="5">
+                  <c:v>-53</c:v>
+                </c:pt>
+                <c:pt idx="6">
+                  <c:v>-50</c:v>
+                </c:pt>
+                <c:pt idx="7">
+                  <c:v>-47</c:v>
+                </c:pt>
+                <c:pt idx="8">
+                  <c:v>-44</c:v>
+                </c:pt>
+                <c:pt idx="9">
+                  <c:v>-41</c:v>
+                </c:pt>
+                <c:pt idx="10">
+                  <c:v>-38</c:v>
+                </c:pt>
+                <c:pt idx="11">
+                  <c:v>-35</c:v>
+                </c:pt>
+              </c:numCache>
+            </c:numRef>
+          </c:cat>
+          <c:val>
+            <c:numRef>
+              <c:f>Sheet1!$A$2:$L$2</c:f>
+              <c:numCache>
+                <c:formatCode>General</c:formatCode>
+                <c:ptCount val="12"/>
+                <c:pt idx="0">
+                  <c:v>0</c:v>
+                </c:pt>
+                <c:pt idx="1">
+                  <c:v>0</c:v>
+                </c:pt>
+                <c:pt idx="2">
+                  <c:v>0.04</c:v>
+                </c:pt>
+                <c:pt idx="3">
+                  <c:v>0.03</c:v>
+                </c:pt>
+                <c:pt idx="4">
+                  <c:v>0.05</c:v>
+                </c:pt>
+                <c:pt idx="5">
+                  <c:v>0.15</c:v>
+                </c:pt>
+                <c:pt idx="6">
+                  <c:v>0.22</c:v>
+                </c:pt>
+                <c:pt idx="7">
+                  <c:v>0.25</c:v>
+                </c:pt>
+                <c:pt idx="8">
+                  <c:v>0.2</c:v>
+                </c:pt>
+                <c:pt idx="9">
+                  <c:v>0.06</c:v>
+                </c:pt>
+                <c:pt idx="10">
+                  <c:v>0</c:v>
+                </c:pt>
+                <c:pt idx="11">
+                  <c:v>0</c:v>
+                </c:pt>
+              </c:numCache>
+            </c:numRef>
+          </c:val>
+        </c:ser>
+        <c:gapWidth val="22"/>
+        <c:gapDepth val="145"/>
+        <c:shape val="box"/>
+        <c:axId val="54825728"/>
+        <c:axId val="54828416"/>
+        <c:axId val="0"/>
+      </c:bar3DChart>
+      <c:catAx>
+        <c:axId val="54825728"/>
+        <c:scaling>
+          <c:orientation val="minMax"/>
+        </c:scaling>
+        <c:axPos val="b"/>
+        <c:title>
+          <c:tx>
+            <c:rich>
+              <a:bodyPr/>
+              <a:lstStyle/>
+              <a:p>
+                <a:pPr>
+                  <a:defRPr/>
+                </a:pPr>
+                <a:r>
+                  <a:rPr lang="en-US" altLang="en-US"/>
+                  <a:t>Signal Strength(RSSI)</a:t>
+                </a:r>
+              </a:p>
+            </c:rich>
+          </c:tx>
+          <c:layout/>
+          <c:spPr>
+            <a:ln>
+              <a:solidFill>
+                <a:schemeClr val="tx1"/>
+              </a:solidFill>
+            </a:ln>
+          </c:spPr>
+        </c:title>
+        <c:numFmt formatCode="General" sourceLinked="1"/>
+        <c:tickLblPos val="nextTo"/>
+        <c:crossAx val="54828416"/>
+        <c:crosses val="autoZero"/>
+        <c:auto val="1"/>
+        <c:lblAlgn val="ctr"/>
+        <c:lblOffset val="100"/>
+      </c:catAx>
+      <c:valAx>
+        <c:axId val="54828416"/>
+        <c:scaling>
+          <c:orientation val="minMax"/>
+        </c:scaling>
+        <c:axPos val="l"/>
+        <c:majorGridlines/>
+        <c:title>
+          <c:tx>
+            <c:rich>
+              <a:bodyPr rot="-5400000" vert="horz"/>
+              <a:lstStyle/>
+              <a:p>
+                <a:pPr>
+                  <a:defRPr/>
+                </a:pPr>
+                <a:r>
+                  <a:rPr lang="en-US" altLang="en-US"/>
+                  <a:t>Probability</a:t>
+                </a:r>
+              </a:p>
+            </c:rich>
+          </c:tx>
+          <c:layout/>
+        </c:title>
+        <c:numFmt formatCode="General" sourceLinked="0"/>
+        <c:tickLblPos val="nextTo"/>
+        <c:crossAx val="54825728"/>
+        <c:crosses val="autoZero"/>
+        <c:crossBetween val="between"/>
+      </c:valAx>
+    </c:plotArea>
+    <c:plotVisOnly val="1"/>
+  </c:chart>
+  <c:externalData r:id="rId1"/>
+</c:chartSpace>
+</file>
+
+<file path=ppt/charts/chart3.xml><?xml version="1.0" encoding="utf-8"?>
+<c:chartSpace xmlns:c="http://schemas.openxmlformats.org/drawingml/2006/chart" xmlns:a="http://schemas.openxmlformats.org/drawingml/2006/main" xmlns:r="http://schemas.openxmlformats.org/officeDocument/2006/relationships">
+  <c:lang val="zh-TW"/>
+  <c:chart>
+    <c:title>
+      <c:tx>
+        <c:rich>
+          <a:bodyPr/>
+          <a:lstStyle/>
+          <a:p>
+            <a:pPr>
+              <a:defRPr sz="2000"/>
+            </a:pPr>
+            <a:r>
+              <a:rPr lang="en-US" altLang="en-US" sz="2000"/>
+              <a:t>Accuracy of Localization</a:t>
+            </a:r>
+          </a:p>
+        </c:rich>
+      </c:tx>
+      <c:layout>
+        <c:manualLayout>
+          <c:xMode val="edge"/>
+          <c:yMode val="edge"/>
+          <c:x val="0.33612823390054536"/>
+          <c:y val="5.2141511710872085E-2"/>
+        </c:manualLayout>
+      </c:layout>
+      <c:overlay val="1"/>
     </c:title>
     <c:plotArea>
-      <c:layout/>
+      <c:layout>
+        <c:manualLayout>
+          <c:layoutTarget val="inner"/>
+          <c:xMode val="edge"/>
+          <c:yMode val="edge"/>
+          <c:x val="0.16899831342597063"/>
+          <c:y val="0.19654857210558158"/>
+          <c:w val="0.68112794217615535"/>
+          <c:h val="0.58221012560004515"/>
+        </c:manualLayout>
+      </c:layout>
       <c:lineChart>
         <c:grouping val="standard"/>
         <c:ser>
           <c:idx val="0"/>
           <c:order val="0"/>
           <c:tx>
-            <c:strRef>
-              <c:f>Sheet1!$B$1</c:f>
-              <c:strCache>
-                <c:ptCount val="1"/>
-                <c:pt idx="0">
-                  <c:v>KNN</c:v>
-                </c:pt>
-              </c:strCache>
-            </c:strRef>
+            <c:v>KNN</c:v>
           </c:tx>
+          <c:marker>
+            <c:symbol val="none"/>
+          </c:marker>
           <c:cat>
             <c:numRef>
-              <c:f>Sheet1!$A$2:$A$4</c:f>
+              <c:f>Sheet4!$J$3:$J$5</c:f>
               <c:numCache>
                 <c:formatCode>General</c:formatCode>
                 <c:ptCount val="3"/>
@@ -404,18 +671,18 @@
           </c:cat>
           <c:val>
             <c:numRef>
-              <c:f>Sheet1!$B$2:$B$4</c:f>
+              <c:f>Sheet4!$K$3:$K$5</c:f>
               <c:numCache>
                 <c:formatCode>0%</c:formatCode>
                 <c:ptCount val="3"/>
                 <c:pt idx="0">
-                  <c:v>0</c:v>
+                  <c:v>7.6923076923076927E-2</c:v>
                 </c:pt>
                 <c:pt idx="1">
-                  <c:v>0.60000000000000064</c:v>
+                  <c:v>0.55769230769230771</c:v>
                 </c:pt>
                 <c:pt idx="2">
-                  <c:v>0.8</c:v>
+                  <c:v>0.73076923076923073</c:v>
                 </c:pt>
               </c:numCache>
             </c:numRef>
@@ -425,19 +692,14 @@
           <c:idx val="1"/>
           <c:order val="1"/>
           <c:tx>
-            <c:strRef>
-              <c:f>Sheet1!$C$1</c:f>
-              <c:strCache>
-                <c:ptCount val="1"/>
-                <c:pt idx="0">
-                  <c:v>Bayes</c:v>
-                </c:pt>
-              </c:strCache>
-            </c:strRef>
+            <c:v>Baye</c:v>
           </c:tx>
+          <c:marker>
+            <c:symbol val="none"/>
+          </c:marker>
           <c:cat>
             <c:numRef>
-              <c:f>Sheet1!$A$2:$A$4</c:f>
+              <c:f>Sheet4!$J$3:$J$5</c:f>
               <c:numCache>
                 <c:formatCode>General</c:formatCode>
                 <c:ptCount val="3"/>
@@ -455,15 +717,15 @@
           </c:cat>
           <c:val>
             <c:numRef>
-              <c:f>Sheet1!$C$2:$C$4</c:f>
+              <c:f>Sheet4!$L$3:$L$5</c:f>
               <c:numCache>
                 <c:formatCode>0%</c:formatCode>
                 <c:ptCount val="3"/>
                 <c:pt idx="0">
-                  <c:v>2.0000000000000026E-3</c:v>
+                  <c:v>0.36538461538461536</c:v>
                 </c:pt>
                 <c:pt idx="1">
-                  <c:v>0.8</c:v>
+                  <c:v>0.82692307692307687</c:v>
                 </c:pt>
                 <c:pt idx="2">
                   <c:v>1</c:v>
@@ -473,11 +735,11 @@
           </c:val>
         </c:ser>
         <c:marker val="1"/>
-        <c:axId val="84257024"/>
-        <c:axId val="76620160"/>
+        <c:axId val="86960768"/>
+        <c:axId val="99896320"/>
       </c:lineChart>
       <c:catAx>
-        <c:axId val="84257024"/>
+        <c:axId val="86960768"/>
         <c:scaling>
           <c:orientation val="minMax"/>
         </c:scaling>
@@ -489,33 +751,49 @@
               <a:lstStyle/>
               <a:p>
                 <a:pPr>
-                  <a:defRPr/>
+                  <a:defRPr sz="2000"/>
                 </a:pPr>
                 <a:r>
-                  <a:rPr lang="en-US" altLang="zh-TW"/>
-                  <a:t>Tolerable </a:t>
+                  <a:rPr lang="en-US" altLang="zh-TW" sz="2000"/>
+                  <a:t>Tolerable</a:t>
                 </a:r>
                 <a:r>
-                  <a:rPr lang="en-US" altLang="zh-TW" baseline="0"/>
-                  <a:t> Error Distance ( in feets )</a:t>
+                  <a:rPr lang="en-US" altLang="zh-TW" sz="2000" baseline="0"/>
+                  <a:t> Error Distance ( In Feet )</a:t>
                 </a:r>
-                <a:endParaRPr lang="zh-TW" altLang="en-US"/>
+                <a:endParaRPr lang="zh-TW" altLang="en-US" sz="2000"/>
               </a:p>
             </c:rich>
           </c:tx>
-          <c:layout/>
+          <c:layout>
+            <c:manualLayout>
+              <c:xMode val="edge"/>
+              <c:yMode val="edge"/>
+              <c:x val="0.31299151842130846"/>
+              <c:y val="0.87029920483220924"/>
+            </c:manualLayout>
+          </c:layout>
         </c:title>
         <c:numFmt formatCode="General" sourceLinked="1"/>
-        <c:majorTickMark val="none"/>
         <c:tickLblPos val="nextTo"/>
-        <c:crossAx val="76620160"/>
+        <c:txPr>
+          <a:bodyPr/>
+          <a:lstStyle/>
+          <a:p>
+            <a:pPr>
+              <a:defRPr b="1"/>
+            </a:pPr>
+            <a:endParaRPr lang="zh-TW"/>
+          </a:p>
+        </c:txPr>
+        <c:crossAx val="99896320"/>
         <c:crosses val="autoZero"/>
         <c:auto val="1"/>
         <c:lblAlgn val="ctr"/>
         <c:lblOffset val="100"/>
       </c:catAx>
       <c:valAx>
-        <c:axId val="76620160"/>
+        <c:axId val="99896320"/>
         <c:scaling>
           <c:orientation val="minMax"/>
         </c:scaling>
@@ -528,29 +806,53 @@
               <a:lstStyle/>
               <a:p>
                 <a:pPr>
-                  <a:defRPr/>
+                  <a:defRPr sz="2000"/>
                 </a:pPr>
                 <a:r>
-                  <a:rPr lang="en-US" altLang="zh-TW"/>
+                  <a:rPr lang="en-US" altLang="en-US" sz="2000"/>
                   <a:t>Accuracy</a:t>
                 </a:r>
-                <a:endParaRPr lang="zh-TW" altLang="en-US"/>
               </a:p>
             </c:rich>
           </c:tx>
-          <c:layout/>
+          <c:layout>
+            <c:manualLayout>
+              <c:xMode val="edge"/>
+              <c:yMode val="edge"/>
+              <c:x val="3.7946389198327816E-2"/>
+              <c:y val="0.40347295313041176"/>
+            </c:manualLayout>
+          </c:layout>
         </c:title>
         <c:numFmt formatCode="0%" sourceLinked="1"/>
-        <c:majorTickMark val="none"/>
         <c:tickLblPos val="nextTo"/>
-        <c:crossAx val="84257024"/>
+        <c:txPr>
+          <a:bodyPr/>
+          <a:lstStyle/>
+          <a:p>
+            <a:pPr>
+              <a:defRPr b="1"/>
+            </a:pPr>
+            <a:endParaRPr lang="zh-TW"/>
+          </a:p>
+        </c:txPr>
+        <c:crossAx val="86960768"/>
         <c:crosses val="autoZero"/>
         <c:crossBetween val="between"/>
       </c:valAx>
     </c:plotArea>
     <c:legend>
       <c:legendPos val="r"/>
-      <c:layout/>
+      <c:layout>
+        <c:manualLayout>
+          <c:xMode val="edge"/>
+          <c:yMode val="edge"/>
+          <c:x val="0.86770061728395065"/>
+          <c:y val="0.44364657863972817"/>
+          <c:w val="9.6805555555555561E-2"/>
+          <c:h val="0.14076694838203493"/>
+        </c:manualLayout>
+      </c:layout>
     </c:legend>
     <c:plotVisOnly val="1"/>
   </c:chart>
@@ -641,7 +943,7 @@
             <a:fld id="{136F87E7-E42E-472B-8B25-3DDDC8A33BF1}" type="datetimeFigureOut">
               <a:rPr lang="zh-TW" altLang="en-US" smtClean="0"/>
               <a:pPr/>
-              <a:t>2010/4/15</a:t>
+              <a:t>2010/4/16</a:t>
             </a:fld>
             <a:endParaRPr lang="zh-TW" altLang="en-US"/>
           </a:p>
@@ -1168,10 +1470,9 @@
           <a:bodyPr/>
           <a:lstStyle/>
           <a:p>
-            <a:fld id="{9092F7A6-0F4D-4FA1-8F8D-30494372DEBD}" type="datetimeFigureOut">
+            <a:fld id="{892396E1-789C-471A-9DBB-DA4CCCC7DAB6}" type="datetime1">
               <a:rPr lang="zh-TW" altLang="en-US" smtClean="0"/>
-              <a:pPr/>
-              <a:t>2010/4/15</a:t>
+              <a:t>2010/4/16</a:t>
             </a:fld>
             <a:endParaRPr lang="zh-TW" altLang="en-US"/>
           </a:p>
@@ -1335,10 +1636,9 @@
           <a:bodyPr/>
           <a:lstStyle/>
           <a:p>
-            <a:fld id="{9092F7A6-0F4D-4FA1-8F8D-30494372DEBD}" type="datetimeFigureOut">
+            <a:fld id="{6E706CD9-88C6-4FE9-B04F-8CA0352E68AD}" type="datetime1">
               <a:rPr lang="zh-TW" altLang="en-US" smtClean="0"/>
-              <a:pPr/>
-              <a:t>2010/4/15</a:t>
+              <a:t>2010/4/16</a:t>
             </a:fld>
             <a:endParaRPr lang="zh-TW" altLang="en-US"/>
           </a:p>
@@ -1512,10 +1812,9 @@
           <a:bodyPr/>
           <a:lstStyle/>
           <a:p>
-            <a:fld id="{9092F7A6-0F4D-4FA1-8F8D-30494372DEBD}" type="datetimeFigureOut">
+            <a:fld id="{36E6BB13-A3B1-4F25-B9F9-A76CE64E9AA5}" type="datetime1">
               <a:rPr lang="zh-TW" altLang="en-US" smtClean="0"/>
-              <a:pPr/>
-              <a:t>2010/4/15</a:t>
+              <a:t>2010/4/16</a:t>
             </a:fld>
             <a:endParaRPr lang="zh-TW" altLang="en-US"/>
           </a:p>
@@ -1679,10 +1978,9 @@
           <a:bodyPr/>
           <a:lstStyle/>
           <a:p>
-            <a:fld id="{9092F7A6-0F4D-4FA1-8F8D-30494372DEBD}" type="datetimeFigureOut">
+            <a:fld id="{7ADB1E48-CFE0-4DCF-8C2C-581083998648}" type="datetime1">
               <a:rPr lang="zh-TW" altLang="en-US" smtClean="0"/>
-              <a:pPr/>
-              <a:t>2010/4/15</a:t>
+              <a:t>2010/4/16</a:t>
             </a:fld>
             <a:endParaRPr lang="zh-TW" altLang="en-US"/>
           </a:p>
@@ -1922,10 +2220,9 @@
           <a:bodyPr/>
           <a:lstStyle/>
           <a:p>
-            <a:fld id="{9092F7A6-0F4D-4FA1-8F8D-30494372DEBD}" type="datetimeFigureOut">
+            <a:fld id="{9494492F-7177-45CD-83B2-754CD7A0AD2C}" type="datetime1">
               <a:rPr lang="zh-TW" altLang="en-US" smtClean="0"/>
-              <a:pPr/>
-              <a:t>2010/4/15</a:t>
+              <a:t>2010/4/16</a:t>
             </a:fld>
             <a:endParaRPr lang="zh-TW" altLang="en-US"/>
           </a:p>
@@ -2207,10 +2504,9 @@
           <a:bodyPr/>
           <a:lstStyle/>
           <a:p>
-            <a:fld id="{9092F7A6-0F4D-4FA1-8F8D-30494372DEBD}" type="datetimeFigureOut">
+            <a:fld id="{5E071319-A011-4A3B-B659-ACD9460AC0D7}" type="datetime1">
               <a:rPr lang="zh-TW" altLang="en-US" smtClean="0"/>
-              <a:pPr/>
-              <a:t>2010/4/15</a:t>
+              <a:t>2010/4/16</a:t>
             </a:fld>
             <a:endParaRPr lang="zh-TW" altLang="en-US"/>
           </a:p>
@@ -2626,10 +2922,9 @@
           <a:bodyPr/>
           <a:lstStyle/>
           <a:p>
-            <a:fld id="{9092F7A6-0F4D-4FA1-8F8D-30494372DEBD}" type="datetimeFigureOut">
+            <a:fld id="{87D02983-0C24-48C6-9F7E-E4223D539397}" type="datetime1">
               <a:rPr lang="zh-TW" altLang="en-US" smtClean="0"/>
-              <a:pPr/>
-              <a:t>2010/4/15</a:t>
+              <a:t>2010/4/16</a:t>
             </a:fld>
             <a:endParaRPr lang="zh-TW" altLang="en-US"/>
           </a:p>
@@ -2741,10 +3036,9 @@
           <a:bodyPr/>
           <a:lstStyle/>
           <a:p>
-            <a:fld id="{9092F7A6-0F4D-4FA1-8F8D-30494372DEBD}" type="datetimeFigureOut">
+            <a:fld id="{40483F19-9FE6-4630-8E8E-FD088EC969A5}" type="datetime1">
               <a:rPr lang="zh-TW" altLang="en-US" smtClean="0"/>
-              <a:pPr/>
-              <a:t>2010/4/15</a:t>
+              <a:t>2010/4/16</a:t>
             </a:fld>
             <a:endParaRPr lang="zh-TW" altLang="en-US"/>
           </a:p>
@@ -2833,10 +3127,9 @@
           <a:bodyPr/>
           <a:lstStyle/>
           <a:p>
-            <a:fld id="{9092F7A6-0F4D-4FA1-8F8D-30494372DEBD}" type="datetimeFigureOut">
+            <a:fld id="{D6449F57-7924-43E8-8FD0-84201935C0C9}" type="datetime1">
               <a:rPr lang="zh-TW" altLang="en-US" smtClean="0"/>
-              <a:pPr/>
-              <a:t>2010/4/15</a:t>
+              <a:t>2010/4/16</a:t>
             </a:fld>
             <a:endParaRPr lang="zh-TW" altLang="en-US"/>
           </a:p>
@@ -3107,10 +3400,9 @@
           <a:bodyPr/>
           <a:lstStyle/>
           <a:p>
-            <a:fld id="{9092F7A6-0F4D-4FA1-8F8D-30494372DEBD}" type="datetimeFigureOut">
+            <a:fld id="{2743CDB7-ADB9-4175-ACCD-CF129F44FCB0}" type="datetime1">
               <a:rPr lang="zh-TW" altLang="en-US" smtClean="0"/>
-              <a:pPr/>
-              <a:t>2010/4/15</a:t>
+              <a:t>2010/4/16</a:t>
             </a:fld>
             <a:endParaRPr lang="zh-TW" altLang="en-US"/>
           </a:p>
@@ -3357,10 +3649,9 @@
           <a:bodyPr/>
           <a:lstStyle/>
           <a:p>
-            <a:fld id="{9092F7A6-0F4D-4FA1-8F8D-30494372DEBD}" type="datetimeFigureOut">
+            <a:fld id="{A856F836-7FD5-4A13-AD91-CC879CCE9DB7}" type="datetime1">
               <a:rPr lang="zh-TW" altLang="en-US" smtClean="0"/>
-              <a:pPr/>
-              <a:t>2010/4/15</a:t>
+              <a:t>2010/4/16</a:t>
             </a:fld>
             <a:endParaRPr lang="zh-TW" altLang="en-US"/>
           </a:p>
@@ -3421,12 +3712,9 @@
 <p:sldMaster xmlns:a="http://schemas.openxmlformats.org/drawingml/2006/main" xmlns:r="http://schemas.openxmlformats.org/officeDocument/2006/relationships" xmlns:p="http://schemas.openxmlformats.org/presentationml/2006/main">
   <p:cSld>
     <p:bg>
-      <p:bgPr>
-        <a:solidFill>
-          <a:schemeClr val="bg1"/>
-        </a:solidFill>
-        <a:effectLst/>
-      </p:bgPr>
+      <p:bgRef idx="1001">
+        <a:schemeClr val="bg1"/>
+      </p:bgRef>
     </p:bg>
     <p:spTree>
       <p:nvGrpSpPr>
@@ -3570,10 +3858,9 @@
             </a:lvl1pPr>
           </a:lstStyle>
           <a:p>
-            <a:fld id="{9092F7A6-0F4D-4FA1-8F8D-30494372DEBD}" type="datetimeFigureOut">
+            <a:fld id="{0BF613A1-E6BD-42C9-81CB-C909A0E02ED1}" type="datetime1">
               <a:rPr lang="zh-TW" altLang="en-US" smtClean="0"/>
-              <a:pPr/>
-              <a:t>2010/4/15</a:t>
+              <a:t>2010/4/16</a:t>
             </a:fld>
             <a:endParaRPr lang="zh-TW" altLang="en-US"/>
           </a:p>
@@ -3662,18 +3949,19 @@
   </p:cSld>
   <p:clrMap bg1="lt1" tx1="dk1" bg2="lt2" tx2="dk2" accent1="accent1" accent2="accent2" accent3="accent3" accent4="accent4" accent5="accent5" accent6="accent6" hlink="hlink" folHlink="folHlink"/>
   <p:sldLayoutIdLst>
-    <p:sldLayoutId id="2147483649" r:id="rId1"/>
-    <p:sldLayoutId id="2147483650" r:id="rId2"/>
-    <p:sldLayoutId id="2147483651" r:id="rId3"/>
-    <p:sldLayoutId id="2147483652" r:id="rId4"/>
-    <p:sldLayoutId id="2147483653" r:id="rId5"/>
-    <p:sldLayoutId id="2147483654" r:id="rId6"/>
-    <p:sldLayoutId id="2147483655" r:id="rId7"/>
-    <p:sldLayoutId id="2147483656" r:id="rId8"/>
-    <p:sldLayoutId id="2147483657" r:id="rId9"/>
-    <p:sldLayoutId id="2147483658" r:id="rId10"/>
-    <p:sldLayoutId id="2147483659" r:id="rId11"/>
+    <p:sldLayoutId id="2147483661" r:id="rId1"/>
+    <p:sldLayoutId id="2147483662" r:id="rId2"/>
+    <p:sldLayoutId id="2147483663" r:id="rId3"/>
+    <p:sldLayoutId id="2147483664" r:id="rId4"/>
+    <p:sldLayoutId id="2147483665" r:id="rId5"/>
+    <p:sldLayoutId id="2147483666" r:id="rId6"/>
+    <p:sldLayoutId id="2147483667" r:id="rId7"/>
+    <p:sldLayoutId id="2147483668" r:id="rId8"/>
+    <p:sldLayoutId id="2147483669" r:id="rId9"/>
+    <p:sldLayoutId id="2147483670" r:id="rId10"/>
+    <p:sldLayoutId id="2147483671" r:id="rId11"/>
   </p:sldLayoutIdLst>
+  <p:hf hdr="0" ftr="0" dt="0"/>
   <p:txStyles>
     <p:titleStyle>
       <a:lvl1pPr algn="ctr" defTabSz="914400" rtl="0" eaLnBrk="1" latinLnBrk="0" hangingPunct="1">
@@ -4050,6 +4338,494 @@
           </a:p>
         </p:txBody>
       </p:sp>
+      <p:sp>
+        <p:nvSpPr>
+          <p:cNvPr id="5" name="投影片編號版面配置區 4"/>
+          <p:cNvSpPr>
+            <a:spLocks noGrp="1"/>
+          </p:cNvSpPr>
+          <p:nvPr>
+            <p:ph type="sldNum" sz="quarter" idx="12"/>
+          </p:nvPr>
+        </p:nvSpPr>
+        <p:spPr/>
+        <p:txBody>
+          <a:bodyPr/>
+          <a:lstStyle/>
+          <a:p>
+            <a:fld id="{B523725E-FDDB-480E-8C18-9D919B659407}" type="slidenum">
+              <a:rPr lang="zh-TW" altLang="en-US" smtClean="0"/>
+              <a:pPr/>
+              <a:t>1</a:t>
+            </a:fld>
+            <a:endParaRPr lang="zh-TW" altLang="en-US"/>
+          </a:p>
+        </p:txBody>
+      </p:sp>
+    </p:spTree>
+  </p:cSld>
+  <p:clrMapOvr>
+    <a:masterClrMapping/>
+  </p:clrMapOvr>
+  <p:timing>
+    <p:tnLst>
+      <p:par>
+        <p:cTn id="1" dur="indefinite" restart="never" nodeType="tmRoot"/>
+      </p:par>
+    </p:tnLst>
+  </p:timing>
+</p:sld>
+</file>
+
+<file path=ppt/slides/slide10.xml><?xml version="1.0" encoding="utf-8"?>
+<p:sld xmlns:a="http://schemas.openxmlformats.org/drawingml/2006/main" xmlns:r="http://schemas.openxmlformats.org/officeDocument/2006/relationships" xmlns:p="http://schemas.openxmlformats.org/presentationml/2006/main">
+  <p:cSld>
+    <p:spTree>
+      <p:nvGrpSpPr>
+        <p:cNvPr id="1" name=""/>
+        <p:cNvGrpSpPr/>
+        <p:nvPr/>
+      </p:nvGrpSpPr>
+      <p:grpSpPr>
+        <a:xfrm>
+          <a:off x="0" y="0"/>
+          <a:ext cx="0" cy="0"/>
+          <a:chOff x="0" y="0"/>
+          <a:chExt cx="0" cy="0"/>
+        </a:xfrm>
+      </p:grpSpPr>
+      <p:sp>
+        <p:nvSpPr>
+          <p:cNvPr id="2" name="標題 1"/>
+          <p:cNvSpPr>
+            <a:spLocks noGrp="1"/>
+          </p:cNvSpPr>
+          <p:nvPr>
+            <p:ph type="title"/>
+          </p:nvPr>
+        </p:nvSpPr>
+        <p:spPr/>
+        <p:txBody>
+          <a:bodyPr>
+            <a:normAutofit/>
+          </a:bodyPr>
+          <a:lstStyle/>
+          <a:p>
+            <a:r>
+              <a:rPr lang="en-US" altLang="zh-TW" dirty="0" smtClean="0"/>
+              <a:t>Algorithm Accuracy</a:t>
+            </a:r>
+            <a:endParaRPr lang="zh-TW" altLang="en-US" dirty="0"/>
+          </a:p>
+        </p:txBody>
+      </p:sp>
+      <p:graphicFrame>
+        <p:nvGraphicFramePr>
+          <p:cNvPr id="8" name="內容版面配置區 7"/>
+          <p:cNvGraphicFramePr>
+            <a:graphicFrameLocks noGrp="1"/>
+          </p:cNvGraphicFramePr>
+          <p:nvPr>
+            <p:ph idx="1"/>
+          </p:nvPr>
+        </p:nvGraphicFramePr>
+        <p:xfrm>
+          <a:off x="428596" y="1500174"/>
+          <a:ext cx="8229600" cy="4525963"/>
+        </p:xfrm>
+        <a:graphic>
+          <a:graphicData uri="http://schemas.openxmlformats.org/drawingml/2006/chart">
+            <c:chart xmlns:c="http://schemas.openxmlformats.org/drawingml/2006/chart" xmlns:r="http://schemas.openxmlformats.org/officeDocument/2006/relationships" r:id="rId2"/>
+          </a:graphicData>
+        </a:graphic>
+      </p:graphicFrame>
+      <p:sp>
+        <p:nvSpPr>
+          <p:cNvPr id="6" name="投影片編號版面配置區 5"/>
+          <p:cNvSpPr>
+            <a:spLocks noGrp="1"/>
+          </p:cNvSpPr>
+          <p:nvPr>
+            <p:ph type="sldNum" sz="quarter" idx="12"/>
+          </p:nvPr>
+        </p:nvSpPr>
+        <p:spPr/>
+        <p:txBody>
+          <a:bodyPr/>
+          <a:lstStyle/>
+          <a:p>
+            <a:fld id="{B523725E-FDDB-480E-8C18-9D919B659407}" type="slidenum">
+              <a:rPr lang="zh-TW" altLang="en-US" smtClean="0"/>
+              <a:pPr/>
+              <a:t>10</a:t>
+            </a:fld>
+            <a:endParaRPr lang="zh-TW" altLang="en-US"/>
+          </a:p>
+        </p:txBody>
+      </p:sp>
+    </p:spTree>
+  </p:cSld>
+  <p:clrMapOvr>
+    <a:masterClrMapping/>
+  </p:clrMapOvr>
+  <p:timing>
+    <p:tnLst>
+      <p:par>
+        <p:cTn id="1" dur="indefinite" restart="never" nodeType="tmRoot"/>
+      </p:par>
+    </p:tnLst>
+  </p:timing>
+</p:sld>
+</file>
+
+<file path=ppt/slides/slide11.xml><?xml version="1.0" encoding="utf-8"?>
+<p:sld xmlns:a="http://schemas.openxmlformats.org/drawingml/2006/main" xmlns:r="http://schemas.openxmlformats.org/officeDocument/2006/relationships" xmlns:p="http://schemas.openxmlformats.org/presentationml/2006/main">
+  <p:cSld>
+    <p:spTree>
+      <p:nvGrpSpPr>
+        <p:cNvPr id="1" name=""/>
+        <p:cNvGrpSpPr/>
+        <p:nvPr/>
+      </p:nvGrpSpPr>
+      <p:grpSpPr>
+        <a:xfrm>
+          <a:off x="0" y="0"/>
+          <a:ext cx="0" cy="0"/>
+          <a:chOff x="0" y="0"/>
+          <a:chExt cx="0" cy="0"/>
+        </a:xfrm>
+      </p:grpSpPr>
+      <p:sp>
+        <p:nvSpPr>
+          <p:cNvPr id="2" name="標題 1"/>
+          <p:cNvSpPr>
+            <a:spLocks noGrp="1"/>
+          </p:cNvSpPr>
+          <p:nvPr>
+            <p:ph type="title"/>
+          </p:nvPr>
+        </p:nvSpPr>
+        <p:spPr>
+          <a:xfrm>
+            <a:off x="500034" y="214290"/>
+            <a:ext cx="8229600" cy="1143000"/>
+          </a:xfrm>
+        </p:spPr>
+        <p:txBody>
+          <a:bodyPr/>
+          <a:lstStyle/>
+          <a:p>
+            <a:r>
+              <a:rPr lang="en-US" altLang="zh-TW" dirty="0" smtClean="0"/>
+              <a:t>Appendix</a:t>
+            </a:r>
+            <a:endParaRPr lang="zh-TW" altLang="en-US" dirty="0"/>
+          </a:p>
+        </p:txBody>
+      </p:sp>
+      <p:pic>
+        <p:nvPicPr>
+          <p:cNvPr id="7" name="內容版面配置區 6" descr="knn.bmp"/>
+          <p:cNvPicPr>
+            <a:picLocks noGrp="1" noChangeAspect="1"/>
+          </p:cNvPicPr>
+          <p:nvPr>
+            <p:ph idx="1"/>
+          </p:nvPr>
+        </p:nvPicPr>
+        <p:blipFill>
+          <a:blip r:embed="rId2" cstate="print"/>
+          <a:stretch>
+            <a:fillRect/>
+          </a:stretch>
+        </p:blipFill>
+        <p:spPr>
+          <a:xfrm>
+            <a:off x="785786" y="2143116"/>
+            <a:ext cx="7378517" cy="3825093"/>
+          </a:xfrm>
+        </p:spPr>
+      </p:pic>
+      <p:sp>
+        <p:nvSpPr>
+          <p:cNvPr id="4" name="投影片編號版面配置區 3"/>
+          <p:cNvSpPr>
+            <a:spLocks noGrp="1"/>
+          </p:cNvSpPr>
+          <p:nvPr>
+            <p:ph type="sldNum" sz="quarter" idx="12"/>
+          </p:nvPr>
+        </p:nvSpPr>
+        <p:spPr/>
+        <p:txBody>
+          <a:bodyPr/>
+          <a:lstStyle/>
+          <a:p>
+            <a:fld id="{B523725E-FDDB-480E-8C18-9D919B659407}" type="slidenum">
+              <a:rPr lang="zh-TW" altLang="en-US" smtClean="0"/>
+              <a:pPr/>
+              <a:t>11</a:t>
+            </a:fld>
+            <a:endParaRPr lang="zh-TW" altLang="en-US"/>
+          </a:p>
+        </p:txBody>
+      </p:sp>
+      <p:sp>
+        <p:nvSpPr>
+          <p:cNvPr id="8" name="文字方塊 7"/>
+          <p:cNvSpPr txBox="1"/>
+          <p:nvPr/>
+        </p:nvSpPr>
+        <p:spPr>
+          <a:xfrm>
+            <a:off x="714348" y="1500174"/>
+            <a:ext cx="3143272" cy="477054"/>
+          </a:xfrm>
+          <a:prstGeom prst="rect">
+            <a:avLst/>
+          </a:prstGeom>
+          <a:noFill/>
+        </p:spPr>
+        <p:txBody>
+          <a:bodyPr wrap="square" rtlCol="0">
+            <a:spAutoFit/>
+          </a:bodyPr>
+          <a:lstStyle/>
+          <a:p>
+            <a:r>
+              <a:rPr lang="en-US" altLang="zh-TW" sz="2500" dirty="0" smtClean="0"/>
+              <a:t>KNN Demonstration</a:t>
+            </a:r>
+          </a:p>
+        </p:txBody>
+      </p:sp>
+    </p:spTree>
+  </p:cSld>
+  <p:clrMapOvr>
+    <a:masterClrMapping/>
+  </p:clrMapOvr>
+</p:sld>
+</file>
+
+<file path=ppt/slides/slide12.xml><?xml version="1.0" encoding="utf-8"?>
+<p:sld xmlns:a="http://schemas.openxmlformats.org/drawingml/2006/main" xmlns:r="http://schemas.openxmlformats.org/officeDocument/2006/relationships" xmlns:p="http://schemas.openxmlformats.org/presentationml/2006/main">
+  <p:cSld>
+    <p:spTree>
+      <p:nvGrpSpPr>
+        <p:cNvPr id="1" name=""/>
+        <p:cNvGrpSpPr/>
+        <p:nvPr/>
+      </p:nvGrpSpPr>
+      <p:grpSpPr>
+        <a:xfrm>
+          <a:off x="0" y="0"/>
+          <a:ext cx="0" cy="0"/>
+          <a:chOff x="0" y="0"/>
+          <a:chExt cx="0" cy="0"/>
+        </a:xfrm>
+      </p:grpSpPr>
+      <p:sp>
+        <p:nvSpPr>
+          <p:cNvPr id="2" name="標題 1"/>
+          <p:cNvSpPr>
+            <a:spLocks noGrp="1"/>
+          </p:cNvSpPr>
+          <p:nvPr>
+            <p:ph type="title"/>
+          </p:nvPr>
+        </p:nvSpPr>
+        <p:spPr/>
+        <p:txBody>
+          <a:bodyPr/>
+          <a:lstStyle/>
+          <a:p>
+            <a:r>
+              <a:rPr lang="en-US" altLang="zh-TW" dirty="0" smtClean="0"/>
+              <a:t>Appendix</a:t>
+            </a:r>
+            <a:endParaRPr lang="zh-TW" altLang="en-US" dirty="0"/>
+          </a:p>
+        </p:txBody>
+      </p:sp>
+      <p:pic>
+        <p:nvPicPr>
+          <p:cNvPr id="7" name="內容版面配置區 6" descr="bayesian.bmp"/>
+          <p:cNvPicPr>
+            <a:picLocks noGrp="1" noChangeAspect="1"/>
+          </p:cNvPicPr>
+          <p:nvPr>
+            <p:ph idx="1"/>
+          </p:nvPr>
+        </p:nvPicPr>
+        <p:blipFill>
+          <a:blip r:embed="rId2" cstate="print"/>
+          <a:stretch>
+            <a:fillRect/>
+          </a:stretch>
+        </p:blipFill>
+        <p:spPr>
+          <a:xfrm>
+            <a:off x="268361" y="2357430"/>
+            <a:ext cx="8875639" cy="2393559"/>
+          </a:xfrm>
+        </p:spPr>
+      </p:pic>
+      <p:sp>
+        <p:nvSpPr>
+          <p:cNvPr id="4" name="投影片編號版面配置區 3"/>
+          <p:cNvSpPr>
+            <a:spLocks noGrp="1"/>
+          </p:cNvSpPr>
+          <p:nvPr>
+            <p:ph type="sldNum" sz="quarter" idx="12"/>
+          </p:nvPr>
+        </p:nvSpPr>
+        <p:spPr/>
+        <p:txBody>
+          <a:bodyPr/>
+          <a:lstStyle/>
+          <a:p>
+            <a:fld id="{B523725E-FDDB-480E-8C18-9D919B659407}" type="slidenum">
+              <a:rPr lang="zh-TW" altLang="en-US" smtClean="0"/>
+              <a:pPr/>
+              <a:t>12</a:t>
+            </a:fld>
+            <a:endParaRPr lang="zh-TW" altLang="en-US"/>
+          </a:p>
+        </p:txBody>
+      </p:sp>
+      <p:sp>
+        <p:nvSpPr>
+          <p:cNvPr id="8" name="文字方塊 7"/>
+          <p:cNvSpPr txBox="1"/>
+          <p:nvPr/>
+        </p:nvSpPr>
+        <p:spPr>
+          <a:xfrm>
+            <a:off x="500034" y="1714488"/>
+            <a:ext cx="2500330" cy="477054"/>
+          </a:xfrm>
+          <a:prstGeom prst="rect">
+            <a:avLst/>
+          </a:prstGeom>
+          <a:noFill/>
+        </p:spPr>
+        <p:txBody>
+          <a:bodyPr wrap="square" rtlCol="0">
+            <a:spAutoFit/>
+          </a:bodyPr>
+          <a:lstStyle/>
+          <a:p>
+            <a:r>
+              <a:rPr lang="en-US" altLang="zh-TW" sz="2500" dirty="0" smtClean="0"/>
+              <a:t>Bayesian Formula</a:t>
+            </a:r>
+            <a:endParaRPr lang="zh-TW" altLang="en-US" sz="2500" dirty="0"/>
+          </a:p>
+        </p:txBody>
+      </p:sp>
+    </p:spTree>
+  </p:cSld>
+  <p:clrMapOvr>
+    <a:masterClrMapping/>
+  </p:clrMapOvr>
+  <p:timing>
+    <p:tnLst>
+      <p:par>
+        <p:cTn id="1" dur="indefinite" restart="never" nodeType="tmRoot"/>
+      </p:par>
+    </p:tnLst>
+  </p:timing>
+</p:sld>
+</file>
+
+<file path=ppt/slides/slide13.xml><?xml version="1.0" encoding="utf-8"?>
+<p:sld xmlns:a="http://schemas.openxmlformats.org/drawingml/2006/main" xmlns:r="http://schemas.openxmlformats.org/officeDocument/2006/relationships" xmlns:p="http://schemas.openxmlformats.org/presentationml/2006/main">
+  <p:cSld>
+    <p:spTree>
+      <p:nvGrpSpPr>
+        <p:cNvPr id="1" name=""/>
+        <p:cNvGrpSpPr/>
+        <p:nvPr/>
+      </p:nvGrpSpPr>
+      <p:grpSpPr>
+        <a:xfrm>
+          <a:off x="0" y="0"/>
+          <a:ext cx="0" cy="0"/>
+          <a:chOff x="0" y="0"/>
+          <a:chExt cx="0" cy="0"/>
+        </a:xfrm>
+      </p:grpSpPr>
+      <p:sp>
+        <p:nvSpPr>
+          <p:cNvPr id="2" name="標題 1"/>
+          <p:cNvSpPr>
+            <a:spLocks noGrp="1"/>
+          </p:cNvSpPr>
+          <p:nvPr>
+            <p:ph type="title"/>
+          </p:nvPr>
+        </p:nvSpPr>
+        <p:spPr/>
+        <p:txBody>
+          <a:bodyPr/>
+          <a:lstStyle/>
+          <a:p>
+            <a:r>
+              <a:rPr lang="en-US" altLang="zh-TW" dirty="0" smtClean="0"/>
+              <a:t>Appendix</a:t>
+            </a:r>
+            <a:endParaRPr lang="zh-TW" altLang="en-US" dirty="0"/>
+          </a:p>
+        </p:txBody>
+      </p:sp>
+      <p:pic>
+        <p:nvPicPr>
+          <p:cNvPr id="5" name="內容版面配置區 4" descr="Map.GIF"/>
+          <p:cNvPicPr>
+            <a:picLocks noGrp="1" noChangeAspect="1"/>
+          </p:cNvPicPr>
+          <p:nvPr>
+            <p:ph idx="1"/>
+          </p:nvPr>
+        </p:nvPicPr>
+        <p:blipFill>
+          <a:blip r:embed="rId2" cstate="print"/>
+          <a:stretch>
+            <a:fillRect/>
+          </a:stretch>
+        </p:blipFill>
+        <p:spPr>
+          <a:xfrm>
+            <a:off x="714348" y="1224336"/>
+            <a:ext cx="7500990" cy="5126463"/>
+          </a:xfrm>
+        </p:spPr>
+      </p:pic>
+      <p:sp>
+        <p:nvSpPr>
+          <p:cNvPr id="4" name="投影片編號版面配置區 3"/>
+          <p:cNvSpPr>
+            <a:spLocks noGrp="1"/>
+          </p:cNvSpPr>
+          <p:nvPr>
+            <p:ph type="sldNum" sz="quarter" idx="12"/>
+          </p:nvPr>
+        </p:nvSpPr>
+        <p:spPr/>
+        <p:txBody>
+          <a:bodyPr/>
+          <a:lstStyle/>
+          <a:p>
+            <a:fld id="{B523725E-FDDB-480E-8C18-9D919B659407}" type="slidenum">
+              <a:rPr lang="zh-TW" altLang="en-US" smtClean="0"/>
+              <a:pPr/>
+              <a:t>13</a:t>
+            </a:fld>
+            <a:endParaRPr lang="zh-TW" altLang="en-US"/>
+          </a:p>
+        </p:txBody>
+      </p:sp>
     </p:spTree>
   </p:cSld>
   <p:clrMapOvr>
@@ -4118,7 +4894,7 @@
           <a:p>
             <a:r>
               <a:rPr lang="en-US" altLang="zh-TW" dirty="0" smtClean="0"/>
-              <a:t>Outline</a:t>
+              <a:t>Overview</a:t>
             </a:r>
             <a:endParaRPr lang="zh-TW" altLang="en-US" dirty="0"/>
           </a:p>
@@ -4215,11 +4991,7 @@
             </a:r>
             <a:r>
               <a:rPr lang="en-US" altLang="zh-TW" sz="2500" smtClean="0"/>
-              <a:t>- </a:t>
-            </a:r>
-            <a:r>
-              <a:rPr lang="en-US" altLang="zh-TW" sz="2500" smtClean="0"/>
-              <a:t>Self-Guiding</a:t>
+              <a:t>- Self-Guiding</a:t>
             </a:r>
             <a:r>
               <a:rPr lang="en-US" altLang="zh-TW" sz="2500" dirty="0" smtClean="0"/>
@@ -4234,11 +5006,7 @@
             </a:r>
             <a:r>
               <a:rPr lang="en-US" altLang="zh-TW" sz="2500" smtClean="0"/>
-              <a:t>Obstacles </a:t>
-            </a:r>
-            <a:r>
-              <a:rPr lang="en-US" altLang="zh-TW" sz="2500" smtClean="0"/>
-              <a:t>Detection</a:t>
+              <a:t>Obstacles Detection</a:t>
             </a:r>
             <a:br>
               <a:rPr lang="en-US" altLang="zh-TW" sz="2500" smtClean="0"/>
@@ -4269,6 +5037,30 @@
               <a:t>Q&amp;A</a:t>
             </a:r>
             <a:endParaRPr lang="zh-TW" altLang="en-US" b="1" dirty="0"/>
+          </a:p>
+        </p:txBody>
+      </p:sp>
+      <p:sp>
+        <p:nvSpPr>
+          <p:cNvPr id="8" name="投影片編號版面配置區 7"/>
+          <p:cNvSpPr>
+            <a:spLocks noGrp="1"/>
+          </p:cNvSpPr>
+          <p:nvPr>
+            <p:ph type="sldNum" sz="quarter" idx="12"/>
+          </p:nvPr>
+        </p:nvSpPr>
+        <p:spPr/>
+        <p:txBody>
+          <a:bodyPr/>
+          <a:lstStyle/>
+          <a:p>
+            <a:fld id="{B523725E-FDDB-480E-8C18-9D919B659407}" type="slidenum">
+              <a:rPr lang="zh-TW" altLang="en-US" smtClean="0"/>
+              <a:pPr/>
+              <a:t>2</a:t>
+            </a:fld>
+            <a:endParaRPr lang="zh-TW" altLang="en-US"/>
           </a:p>
         </p:txBody>
       </p:sp>
@@ -4425,6 +5217,30 @@
       </p:pic>
       <p:sp>
         <p:nvSpPr>
+          <p:cNvPr id="9" name="投影片編號版面配置區 8"/>
+          <p:cNvSpPr>
+            <a:spLocks noGrp="1"/>
+          </p:cNvSpPr>
+          <p:nvPr>
+            <p:ph type="sldNum" sz="quarter" idx="12"/>
+          </p:nvPr>
+        </p:nvSpPr>
+        <p:spPr/>
+        <p:txBody>
+          <a:bodyPr/>
+          <a:lstStyle/>
+          <a:p>
+            <a:fld id="{B523725E-FDDB-480E-8C18-9D919B659407}" type="slidenum">
+              <a:rPr lang="zh-TW" altLang="en-US" smtClean="0"/>
+              <a:pPr/>
+              <a:t>3</a:t>
+            </a:fld>
+            <a:endParaRPr lang="zh-TW" altLang="en-US"/>
+          </a:p>
+        </p:txBody>
+      </p:sp>
+      <p:sp>
+        <p:nvSpPr>
           <p:cNvPr id="6" name="文字方塊 5"/>
           <p:cNvSpPr txBox="1"/>
           <p:nvPr/>
@@ -4452,8 +5268,9 @@
             </a:pPr>
             <a:r>
               <a:rPr lang="en-US" altLang="zh-TW" sz="3000" b="1" dirty="0" smtClean="0"/>
-              <a:t>Aims</a:t>
-            </a:r>
+              <a:t>Goals</a:t>
+            </a:r>
+            <a:endParaRPr lang="en-US" altLang="zh-TW" sz="3000" b="1" dirty="0" smtClean="0"/>
           </a:p>
           <a:p>
             <a:pPr>
@@ -4644,6 +5461,30 @@
           <a:lstStyle/>
           <a:p>
             <a:endParaRPr lang="zh-TW" altLang="en-US" dirty="0"/>
+          </a:p>
+        </p:txBody>
+      </p:sp>
+      <p:sp>
+        <p:nvSpPr>
+          <p:cNvPr id="5" name="投影片編號版面配置區 4"/>
+          <p:cNvSpPr>
+            <a:spLocks noGrp="1"/>
+          </p:cNvSpPr>
+          <p:nvPr>
+            <p:ph type="sldNum" sz="quarter" idx="12"/>
+          </p:nvPr>
+        </p:nvSpPr>
+        <p:spPr/>
+        <p:txBody>
+          <a:bodyPr/>
+          <a:lstStyle/>
+          <a:p>
+            <a:fld id="{B523725E-FDDB-480E-8C18-9D919B659407}" type="slidenum">
+              <a:rPr lang="zh-TW" altLang="en-US" smtClean="0"/>
+              <a:pPr/>
+              <a:t>4</a:t>
+            </a:fld>
+            <a:endParaRPr lang="zh-TW" altLang="en-US"/>
           </a:p>
         </p:txBody>
       </p:sp>
@@ -4704,6 +5545,30 @@
               <a:t>Localization</a:t>
             </a:r>
             <a:endParaRPr lang="zh-TW" altLang="en-US" dirty="0"/>
+          </a:p>
+        </p:txBody>
+      </p:sp>
+      <p:sp>
+        <p:nvSpPr>
+          <p:cNvPr id="15" name="投影片編號版面配置區 14"/>
+          <p:cNvSpPr>
+            <a:spLocks noGrp="1"/>
+          </p:cNvSpPr>
+          <p:nvPr>
+            <p:ph type="sldNum" sz="quarter" idx="12"/>
+          </p:nvPr>
+        </p:nvSpPr>
+        <p:spPr/>
+        <p:txBody>
+          <a:bodyPr/>
+          <a:lstStyle/>
+          <a:p>
+            <a:fld id="{B523725E-FDDB-480E-8C18-9D919B659407}" type="slidenum">
+              <a:rPr lang="zh-TW" altLang="en-US" smtClean="0"/>
+              <a:pPr/>
+              <a:t>5</a:t>
+            </a:fld>
+            <a:endParaRPr lang="zh-TW" altLang="en-US"/>
           </a:p>
         </p:txBody>
       </p:sp>
@@ -4798,11 +5663,15 @@
                       <a:pPr algn="l"/>
                       <a:r>
                         <a:rPr lang="en-US" altLang="zh-TW" dirty="0" smtClean="0"/>
-                        <a:t>Data collected</a:t>
+                        <a:t>Observed data</a:t>
                       </a:r>
                       <a:r>
                         <a:rPr lang="en-US" altLang="zh-TW" baseline="0" dirty="0" smtClean="0"/>
-                        <a:t> is compared with </a:t>
+                        <a:t> is </a:t>
+                      </a:r>
+                      <a:r>
+                        <a:rPr lang="en-US" altLang="zh-TW" baseline="0" dirty="0" smtClean="0"/>
+                        <a:t>compared with </a:t>
                       </a:r>
                     </a:p>
                     <a:p>
@@ -5118,7 +5987,19 @@
           <a:p>
             <a:r>
               <a:rPr lang="en-US" altLang="zh-TW" dirty="0" smtClean="0"/>
-              <a:t>Figure 2. Records in training database.</a:t>
+              <a:t>Figure 2. </a:t>
+            </a:r>
+            <a:r>
+              <a:rPr lang="en-US" altLang="zh-TW" dirty="0" smtClean="0"/>
+              <a:t>R</a:t>
+            </a:r>
+            <a:r>
+              <a:rPr lang="en-US" altLang="zh-TW" dirty="0" smtClean="0"/>
+              <a:t>ecords </a:t>
+            </a:r>
+            <a:r>
+              <a:rPr lang="en-US" altLang="zh-TW" dirty="0" smtClean="0"/>
+              <a:t>in training database.</a:t>
             </a:r>
             <a:endParaRPr lang="zh-TW" altLang="en-US" dirty="0"/>
           </a:p>
@@ -5160,7 +6041,15 @@
           <a:p>
             <a:r>
               <a:rPr lang="en-US" altLang="zh-TW" dirty="0" smtClean="0"/>
-              <a:t>Figure 3. Record received at a grid cell during online phrase.</a:t>
+              <a:t>Figure 3. </a:t>
+            </a:r>
+            <a:r>
+              <a:rPr lang="en-US" altLang="zh-TW" dirty="0" smtClean="0"/>
+              <a:t>Observed data received during </a:t>
+            </a:r>
+            <a:r>
+              <a:rPr lang="en-US" altLang="zh-TW" dirty="0" smtClean="0"/>
+              <a:t>online phrase.</a:t>
             </a:r>
             <a:endParaRPr lang="zh-TW" altLang="en-US" dirty="0"/>
           </a:p>
@@ -5261,6 +6150,30 @@
           </a:xfrm>
         </p:spPr>
       </p:pic>
+      <p:sp>
+        <p:nvSpPr>
+          <p:cNvPr id="63" name="投影片編號版面配置區 62"/>
+          <p:cNvSpPr>
+            <a:spLocks noGrp="1"/>
+          </p:cNvSpPr>
+          <p:nvPr>
+            <p:ph type="sldNum" sz="quarter" idx="12"/>
+          </p:nvPr>
+        </p:nvSpPr>
+        <p:spPr/>
+        <p:txBody>
+          <a:bodyPr/>
+          <a:lstStyle/>
+          <a:p>
+            <a:fld id="{B523725E-FDDB-480E-8C18-9D919B659407}" type="slidenum">
+              <a:rPr lang="zh-TW" altLang="en-US" smtClean="0"/>
+              <a:pPr/>
+              <a:t>6</a:t>
+            </a:fld>
+            <a:endParaRPr lang="zh-TW" altLang="en-US"/>
+          </a:p>
+        </p:txBody>
+      </p:sp>
       <p:sp>
         <p:nvSpPr>
           <p:cNvPr id="4098" name="Rectangle 2"/>
@@ -5919,13 +6832,17 @@
         </p:nvSpPr>
         <p:spPr>
           <a:xfrm>
-            <a:off x="4429124" y="1571612"/>
-            <a:ext cx="3929090" cy="1477328"/>
+            <a:off x="4643438" y="1928802"/>
+            <a:ext cx="4071966" cy="1631216"/>
           </a:xfrm>
           <a:prstGeom prst="rect">
             <a:avLst/>
           </a:prstGeom>
-          <a:noFill/>
+          <a:solidFill>
+            <a:schemeClr val="bg2">
+              <a:lumMod val="90000"/>
+            </a:schemeClr>
+          </a:solidFill>
         </p:spPr>
         <p:txBody>
           <a:bodyPr wrap="square" rtlCol="0">
@@ -5934,17 +6851,17 @@
           <a:lstStyle/>
           <a:p>
             <a:r>
-              <a:rPr lang="en-US" altLang="zh-TW" dirty="0" smtClean="0"/>
-              <a:t>KNN classified the user trace by comparing the similarity of the user trace with the existing classified records. </a:t>
-            </a:r>
-          </a:p>
-          <a:p>
-            <a:endParaRPr lang="en-US" altLang="zh-TW" dirty="0"/>
-          </a:p>
-          <a:p>
-            <a:r>
-              <a:rPr lang="en-US" altLang="zh-TW" dirty="0" smtClean="0"/>
-              <a:t>The similarity is computed using :</a:t>
+              <a:rPr lang="en-US" altLang="zh-TW" sz="2000" dirty="0" smtClean="0"/>
+              <a:t>Classification by computing similarity between observed data and records in training database.</a:t>
+            </a:r>
+          </a:p>
+          <a:p>
+            <a:endParaRPr lang="en-US" altLang="zh-TW" sz="2000" dirty="0" smtClean="0"/>
+          </a:p>
+          <a:p>
+            <a:r>
+              <a:rPr lang="en-US" altLang="zh-TW" sz="2000" dirty="0" smtClean="0"/>
+              <a:t>For each record in database : </a:t>
             </a:r>
           </a:p>
         </p:txBody>
@@ -6163,7 +7080,7 @@
                 <a:pPr algn="ctr"/>
                 <a:r>
                   <a:rPr lang="en-US" altLang="zh-TW" dirty="0" smtClean="0"/>
-                  <a:t>j</a:t>
+                  <a:t>b</a:t>
                 </a:r>
                 <a:endParaRPr lang="zh-TW" altLang="en-US" dirty="0"/>
               </a:p>
@@ -6206,8 +7123,8 @@
               <a:p>
                 <a:pPr algn="ctr"/>
                 <a:r>
-                  <a:rPr lang="en-US" altLang="zh-TW" dirty="0" err="1" smtClean="0"/>
-                  <a:t>i</a:t>
+                  <a:rPr lang="en-US" altLang="zh-TW" dirty="0" smtClean="0"/>
+                  <a:t>a</a:t>
                 </a:r>
                 <a:endParaRPr lang="zh-TW" altLang="en-US" dirty="0"/>
               </a:p>
@@ -6249,7 +7166,7 @@
                 <a:pPr algn="ctr"/>
                 <a:r>
                   <a:rPr lang="en-US" altLang="zh-TW" dirty="0" smtClean="0"/>
-                  <a:t>k</a:t>
+                  <a:t>c</a:t>
                 </a:r>
                 <a:endParaRPr lang="zh-TW" altLang="en-US" dirty="0"/>
               </a:p>
@@ -6282,12 +7199,12 @@
                   <a:t>Records in grid </a:t>
                 </a:r>
                 <a:r>
-                  <a:rPr lang="en-US" altLang="zh-TW" dirty="0" err="1" smtClean="0"/>
-                  <a:t>i</a:t>
+                  <a:rPr lang="en-US" altLang="zh-TW" dirty="0" smtClean="0"/>
+                  <a:t>a</a:t>
                 </a:r>
                 <a:r>
                   <a:rPr lang="en-US" altLang="zh-TW" dirty="0" smtClean="0"/>
-                  <a:t>, j and k</a:t>
+                  <a:t>, band c</a:t>
                 </a:r>
                 <a:endParaRPr lang="zh-TW" altLang="en-US" dirty="0"/>
               </a:p>
@@ -6304,7 +7221,7 @@
         <p:spPr>
           <a:xfrm>
             <a:off x="214282" y="4643446"/>
-            <a:ext cx="4000528" cy="1200329"/>
+            <a:ext cx="4000528" cy="923330"/>
           </a:xfrm>
           <a:prstGeom prst="rect">
             <a:avLst/>
@@ -6338,15 +7255,31 @@
           <a:p>
             <a:r>
               <a:rPr lang="en-US" altLang="zh-TW" dirty="0" smtClean="0"/>
-              <a:t>Example of KNN Classification. For k=4, the user trace is classified to be grid k; while it is classified to be grid </a:t>
-            </a:r>
-            <a:r>
-              <a:rPr lang="en-US" altLang="zh-TW" dirty="0" err="1" smtClean="0"/>
-              <a:t>i</a:t>
+              <a:t>Figure 4. </a:t>
             </a:r>
             <a:r>
               <a:rPr lang="en-US" altLang="zh-TW" dirty="0" smtClean="0"/>
-              <a:t> when k=10.</a:t>
+              <a:t>For </a:t>
+            </a:r>
+            <a:r>
+              <a:rPr lang="en-US" altLang="zh-TW" dirty="0" smtClean="0"/>
+              <a:t>k=4, the user trace is classified to be grid </a:t>
+            </a:r>
+            <a:r>
+              <a:rPr lang="en-US" altLang="zh-TW" dirty="0" smtClean="0"/>
+              <a:t>c record; </a:t>
+            </a:r>
+            <a:r>
+              <a:rPr lang="en-US" altLang="zh-TW" dirty="0" smtClean="0"/>
+              <a:t>while it is classified to be grid </a:t>
+            </a:r>
+            <a:r>
+              <a:rPr lang="en-US" altLang="zh-TW" dirty="0" smtClean="0"/>
+              <a:t>a </a:t>
+            </a:r>
+            <a:r>
+              <a:rPr lang="en-US" altLang="zh-TW" dirty="0" smtClean="0"/>
+              <a:t>when k=10.</a:t>
             </a:r>
             <a:endParaRPr lang="zh-TW" altLang="en-US" dirty="0"/>
           </a:p>
@@ -6393,9 +7326,43 @@
           </a:p>
         </p:txBody>
       </p:sp>
+      <p:sp>
+        <p:nvSpPr>
+          <p:cNvPr id="45" name="文字方塊 44"/>
+          <p:cNvSpPr txBox="1"/>
+          <p:nvPr/>
+        </p:nvSpPr>
+        <p:spPr>
+          <a:xfrm>
+            <a:off x="4714876" y="4786322"/>
+            <a:ext cx="3929090" cy="1323439"/>
+          </a:xfrm>
+          <a:prstGeom prst="rect">
+            <a:avLst/>
+          </a:prstGeom>
+          <a:solidFill>
+            <a:schemeClr val="bg2">
+              <a:lumMod val="90000"/>
+            </a:schemeClr>
+          </a:solidFill>
+        </p:spPr>
+        <p:txBody>
+          <a:bodyPr wrap="square" rtlCol="0">
+            <a:spAutoFit/>
+          </a:bodyPr>
+          <a:lstStyle/>
+          <a:p>
+            <a:r>
+              <a:rPr lang="en-US" altLang="zh-TW" sz="2000" dirty="0" smtClean="0"/>
+              <a:t>The grid cell having the highest occurrence in the first k most similar records is the estimated location.</a:t>
+            </a:r>
+            <a:endParaRPr lang="zh-TW" altLang="en-US" sz="2000" dirty="0"/>
+          </a:p>
+        </p:txBody>
+      </p:sp>
       <p:pic>
         <p:nvPicPr>
-          <p:cNvPr id="44" name="圖片 43" descr="euclidean.bmp"/>
+          <p:cNvPr id="64" name="圖片 63" descr="euclidean.bmp"/>
           <p:cNvPicPr>
             <a:picLocks noChangeAspect="1"/>
           </p:cNvPicPr>
@@ -6409,44 +7376,48 @@
         </p:blipFill>
         <p:spPr>
           <a:xfrm>
-            <a:off x="4321170" y="3214686"/>
-            <a:ext cx="4822830" cy="1000126"/>
+            <a:off x="4380649" y="3571876"/>
+            <a:ext cx="4763351" cy="1166815"/>
           </a:xfrm>
           <a:prstGeom prst="rect">
             <a:avLst/>
           </a:prstGeom>
         </p:spPr>
       </p:pic>
-      <p:sp>
-        <p:nvSpPr>
-          <p:cNvPr id="45" name="文字方塊 44"/>
-          <p:cNvSpPr txBox="1"/>
+      <p:cxnSp>
+        <p:nvCxnSpPr>
+          <p:cNvPr id="65" name="直線單箭頭接點 64"/>
+          <p:cNvCxnSpPr/>
           <p:nvPr/>
-        </p:nvSpPr>
+        </p:nvCxnSpPr>
         <p:spPr>
           <a:xfrm>
-            <a:off x="4429124" y="4429132"/>
-            <a:ext cx="3929090" cy="1477328"/>
+            <a:off x="1428727" y="2518452"/>
+            <a:ext cx="285753" cy="196168"/>
           </a:xfrm>
-          <a:prstGeom prst="rect">
+          <a:prstGeom prst="straightConnector1">
             <a:avLst/>
           </a:prstGeom>
-          <a:noFill/>
+          <a:ln>
+            <a:headEnd type="arrow"/>
+            <a:tailEnd type="arrow"/>
+          </a:ln>
         </p:spPr>
-        <p:txBody>
-          <a:bodyPr wrap="square" rtlCol="0">
-            <a:spAutoFit/>
-          </a:bodyPr>
-          <a:lstStyle/>
-          <a:p>
-            <a:r>
-              <a:rPr lang="en-US" altLang="zh-TW" dirty="0" smtClean="0"/>
-              <a:t>For those k records with highest similarity, i.e. with lowest Euclidean Distance, the grid cell having the highest number of occurrence in the list is declared as the estimated location.</a:t>
-            </a:r>
-            <a:endParaRPr lang="zh-TW" altLang="en-US" dirty="0"/>
-          </a:p>
-        </p:txBody>
-      </p:sp>
+        <p:style>
+          <a:lnRef idx="1">
+            <a:schemeClr val="accent1"/>
+          </a:lnRef>
+          <a:fillRef idx="0">
+            <a:schemeClr val="accent1"/>
+          </a:fillRef>
+          <a:effectRef idx="0">
+            <a:schemeClr val="accent1"/>
+          </a:effectRef>
+          <a:fontRef idx="minor">
+            <a:schemeClr val="tx1"/>
+          </a:fontRef>
+        </p:style>
+      </p:cxnSp>
     </p:spTree>
   </p:cSld>
   <p:clrMapOvr>
@@ -6491,7 +7462,7 @@
         </p:nvSpPr>
         <p:spPr>
           <a:xfrm>
-            <a:off x="2714612" y="500042"/>
+            <a:off x="2714612" y="785794"/>
             <a:ext cx="8229600" cy="1143000"/>
           </a:xfrm>
         </p:spPr>
@@ -6539,30 +7510,30 @@
           </a:graphicData>
         </a:graphic>
       </p:graphicFrame>
-      <p:pic>
-        <p:nvPicPr>
-          <p:cNvPr id="11" name="圖片 10" descr="bayesian.bmp"/>
-          <p:cNvPicPr>
-            <a:picLocks noChangeAspect="1"/>
-          </p:cNvPicPr>
-          <p:nvPr/>
-        </p:nvPicPr>
-        <p:blipFill>
-          <a:blip r:embed="rId3" cstate="print"/>
-          <a:stretch>
-            <a:fillRect/>
-          </a:stretch>
-        </p:blipFill>
-        <p:spPr>
-          <a:xfrm>
-            <a:off x="571472" y="4286256"/>
-            <a:ext cx="8129868" cy="2390031"/>
-          </a:xfrm>
-          <a:prstGeom prst="rect">
-            <a:avLst/>
-          </a:prstGeom>
-        </p:spPr>
-      </p:pic>
+      <p:sp>
+        <p:nvSpPr>
+          <p:cNvPr id="8" name="投影片編號版面配置區 7"/>
+          <p:cNvSpPr>
+            <a:spLocks noGrp="1"/>
+          </p:cNvSpPr>
+          <p:nvPr>
+            <p:ph type="sldNum" sz="quarter" idx="12"/>
+          </p:nvPr>
+        </p:nvSpPr>
+        <p:spPr/>
+        <p:txBody>
+          <a:bodyPr/>
+          <a:lstStyle/>
+          <a:p>
+            <a:fld id="{B523725E-FDDB-480E-8C18-9D919B659407}" type="slidenum">
+              <a:rPr lang="zh-TW" altLang="en-US" smtClean="0"/>
+              <a:pPr/>
+              <a:t>7</a:t>
+            </a:fld>
+            <a:endParaRPr lang="zh-TW" altLang="en-US" dirty="0"/>
+          </a:p>
+        </p:txBody>
+      </p:sp>
       <p:sp>
         <p:nvSpPr>
           <p:cNvPr id="12" name="文字方塊 11"/>
@@ -6571,8 +7542,8 @@
         </p:nvSpPr>
         <p:spPr>
           <a:xfrm>
-            <a:off x="4786314" y="1643050"/>
-            <a:ext cx="4071934" cy="2585323"/>
+            <a:off x="4857752" y="2285992"/>
+            <a:ext cx="4071934" cy="1477328"/>
           </a:xfrm>
           <a:prstGeom prst="rect">
             <a:avLst/>
@@ -6594,21 +7565,36 @@
             <a:endParaRPr lang="en-US" altLang="zh-TW" dirty="0" smtClean="0"/>
           </a:p>
           <a:p>
+            <a:pPr>
+              <a:buFont typeface="Arial" pitchFamily="34" charset="0"/>
+              <a:buChar char="•"/>
+            </a:pPr>
             <a:r>
               <a:rPr lang="en-US" altLang="zh-TW" dirty="0" smtClean="0"/>
-              <a:t>It helps mitigate the random error due to dynamic signal strength across air.</a:t>
-            </a:r>
-          </a:p>
-          <a:p>
-            <a:endParaRPr lang="en-US" altLang="zh-TW" dirty="0" smtClean="0"/>
-          </a:p>
-          <a:p>
+              <a:t> </a:t>
+            </a:r>
             <a:r>
               <a:rPr lang="en-US" altLang="zh-TW" dirty="0" smtClean="0"/>
-              <a:t>It works by multiplying the probability of each access point’s RSSI in the user trace.</a:t>
-            </a:r>
-          </a:p>
-          <a:p>
+              <a:t> mitigates </a:t>
+            </a:r>
+            <a:r>
+              <a:rPr lang="en-US" altLang="zh-TW" dirty="0" smtClean="0"/>
+              <a:t>the random </a:t>
+            </a:r>
+            <a:r>
+              <a:rPr lang="en-US" altLang="zh-TW" dirty="0" smtClean="0"/>
+              <a:t>errors</a:t>
+            </a:r>
+          </a:p>
+          <a:p>
+            <a:pPr>
+              <a:buFont typeface="Arial" pitchFamily="34" charset="0"/>
+              <a:buChar char="•"/>
+            </a:pPr>
+            <a:r>
+              <a:rPr lang="en-US" altLang="zh-TW" dirty="0" smtClean="0"/>
+              <a:t>  adopts probability measurements</a:t>
+            </a:r>
             <a:endParaRPr lang="zh-TW" altLang="en-US" dirty="0"/>
           </a:p>
         </p:txBody>
@@ -6648,6 +7634,77 @@
           </a:p>
         </p:txBody>
       </p:sp>
+      <p:sp>
+        <p:nvSpPr>
+          <p:cNvPr id="14" name="文字方塊 13"/>
+          <p:cNvSpPr txBox="1"/>
+          <p:nvPr/>
+        </p:nvSpPr>
+        <p:spPr>
+          <a:xfrm>
+            <a:off x="2571736" y="5857892"/>
+            <a:ext cx="3643338" cy="923330"/>
+          </a:xfrm>
+          <a:prstGeom prst="rect">
+            <a:avLst/>
+          </a:prstGeom>
+          <a:noFill/>
+        </p:spPr>
+        <p:txBody>
+          <a:bodyPr wrap="square" rtlCol="0">
+            <a:spAutoFit/>
+          </a:bodyPr>
+          <a:lstStyle/>
+          <a:p>
+            <a:pPr>
+              <a:buFont typeface="Wingdings" pitchFamily="2" charset="2"/>
+              <a:buChar char="n"/>
+            </a:pPr>
+            <a:endParaRPr lang="en-US" altLang="zh-TW" dirty="0" smtClean="0"/>
+          </a:p>
+          <a:p>
+            <a:pPr>
+              <a:buFont typeface="Wingdings" pitchFamily="2" charset="2"/>
+              <a:buChar char="n"/>
+            </a:pPr>
+            <a:r>
+              <a:rPr lang="en-US" altLang="zh-TW" dirty="0" smtClean="0"/>
+              <a:t>  computes across 106 grid cells</a:t>
+            </a:r>
+          </a:p>
+          <a:p>
+            <a:pPr>
+              <a:buFont typeface="Wingdings" pitchFamily="2" charset="2"/>
+              <a:buChar char="n"/>
+            </a:pPr>
+            <a:endParaRPr lang="zh-TW" altLang="en-US" dirty="0"/>
+          </a:p>
+        </p:txBody>
+      </p:sp>
+      <p:pic>
+        <p:nvPicPr>
+          <p:cNvPr id="15" name="圖片 14" descr="bayesian-v2.bmp"/>
+          <p:cNvPicPr>
+            <a:picLocks noChangeAspect="1"/>
+          </p:cNvPicPr>
+          <p:nvPr/>
+        </p:nvPicPr>
+        <p:blipFill>
+          <a:blip r:embed="rId3" cstate="print"/>
+          <a:stretch>
+            <a:fillRect/>
+          </a:stretch>
+        </p:blipFill>
+        <p:spPr>
+          <a:xfrm>
+            <a:off x="0" y="4572008"/>
+            <a:ext cx="9184886" cy="1500198"/>
+          </a:xfrm>
+          <a:prstGeom prst="rect">
+            <a:avLst/>
+          </a:prstGeom>
+        </p:spPr>
+      </p:pic>
     </p:spTree>
   </p:cSld>
   <p:clrMapOvr>
@@ -6682,7 +7739,7 @@
       </p:grpSpPr>
       <p:sp>
         <p:nvSpPr>
-          <p:cNvPr id="2" name="標題 1"/>
+          <p:cNvPr id="39" name="標題 1"/>
           <p:cNvSpPr>
             <a:spLocks noGrp="1"/>
           </p:cNvSpPr>
@@ -6690,24 +7747,914 @@
             <p:ph type="title"/>
           </p:nvPr>
         </p:nvSpPr>
+        <p:spPr>
+          <a:xfrm>
+            <a:off x="4357686" y="928670"/>
+            <a:ext cx="8229600" cy="1143000"/>
+          </a:xfrm>
+        </p:spPr>
+        <p:txBody>
+          <a:bodyPr>
+            <a:noAutofit/>
+          </a:bodyPr>
+          <a:lstStyle/>
+          <a:p>
+            <a:pPr algn="l"/>
+            <a:r>
+              <a:rPr lang="en-US" altLang="zh-TW" sz="4000" dirty="0" smtClean="0"/>
+              <a:t> </a:t>
+            </a:r>
+            <a:br>
+              <a:rPr lang="en-US" altLang="zh-TW" sz="4000" dirty="0" smtClean="0"/>
+            </a:br>
+            <a:r>
+              <a:rPr lang="en-US" altLang="zh-TW" sz="4000" dirty="0" smtClean="0"/>
+              <a:t>Intuitively</a:t>
+            </a:r>
+            <a:r>
+              <a:rPr lang="en-US" altLang="zh-TW" sz="4000" dirty="0" smtClean="0"/>
+              <a:t/>
+            </a:r>
+            <a:br>
+              <a:rPr lang="en-US" altLang="zh-TW" sz="4000" dirty="0" smtClean="0"/>
+            </a:br>
+            <a:endParaRPr lang="zh-TW" altLang="en-US" sz="4000" dirty="0"/>
+          </a:p>
+        </p:txBody>
+      </p:sp>
+      <p:pic>
+        <p:nvPicPr>
+          <p:cNvPr id="5" name="內容版面配置區 4" descr="training-set.bmp"/>
+          <p:cNvPicPr>
+            <a:picLocks noGrp="1" noChangeAspect="1"/>
+          </p:cNvPicPr>
+          <p:nvPr>
+            <p:ph idx="1"/>
+          </p:nvPr>
+        </p:nvPicPr>
+        <p:blipFill>
+          <a:blip r:embed="rId2" cstate="print"/>
+          <a:stretch>
+            <a:fillRect/>
+          </a:stretch>
+        </p:blipFill>
+        <p:spPr>
+          <a:xfrm>
+            <a:off x="285720" y="1000108"/>
+            <a:ext cx="2571768" cy="5412830"/>
+          </a:xfrm>
+          <a:prstGeom prst="rect">
+            <a:avLst/>
+          </a:prstGeom>
+          <a:ln>
+            <a:noFill/>
+          </a:ln>
+          <a:effectLst>
+            <a:outerShdw blurRad="190500" algn="tl" rotWithShape="0">
+              <a:srgbClr val="000000">
+                <a:alpha val="70000"/>
+              </a:srgbClr>
+            </a:outerShdw>
+          </a:effectLst>
+        </p:spPr>
+      </p:pic>
+      <p:sp>
+        <p:nvSpPr>
+          <p:cNvPr id="4" name="投影片編號版面配置區 3"/>
+          <p:cNvSpPr>
+            <a:spLocks noGrp="1"/>
+          </p:cNvSpPr>
+          <p:nvPr>
+            <p:ph type="sldNum" sz="quarter" idx="12"/>
+          </p:nvPr>
+        </p:nvSpPr>
         <p:spPr/>
         <p:txBody>
-          <a:bodyPr>
-            <a:normAutofit/>
-          </a:bodyPr>
+          <a:bodyPr/>
           <a:lstStyle/>
           <a:p>
-            <a:r>
-              <a:rPr lang="en-US" altLang="zh-TW" dirty="0" smtClean="0"/>
-              <a:t>Algorithm Accuracy</a:t>
-            </a:r>
+            <a:fld id="{B523725E-FDDB-480E-8C18-9D919B659407}" type="slidenum">
+              <a:rPr lang="zh-TW" altLang="en-US" smtClean="0"/>
+              <a:pPr/>
+              <a:t>8</a:t>
+            </a:fld>
             <a:endParaRPr lang="zh-TW" altLang="en-US" dirty="0"/>
           </a:p>
         </p:txBody>
       </p:sp>
       <p:graphicFrame>
         <p:nvGraphicFramePr>
-          <p:cNvPr id="4" name="內容版面配置區 3"/>
+          <p:cNvPr id="8" name="內容版面配置區 4"/>
+          <p:cNvGraphicFramePr>
+            <a:graphicFrameLocks/>
+          </p:cNvGraphicFramePr>
+          <p:nvPr/>
+        </p:nvGraphicFramePr>
+        <p:xfrm>
+          <a:off x="4143340" y="2214554"/>
+          <a:ext cx="5000660" cy="3286148"/>
+        </p:xfrm>
+        <a:graphic>
+          <a:graphicData uri="http://schemas.openxmlformats.org/drawingml/2006/chart">
+            <c:chart xmlns:c="http://schemas.openxmlformats.org/drawingml/2006/chart" xmlns:r="http://schemas.openxmlformats.org/officeDocument/2006/relationships" r:id="rId3"/>
+          </a:graphicData>
+        </a:graphic>
+      </p:graphicFrame>
+      <p:grpSp>
+        <p:nvGrpSpPr>
+          <p:cNvPr id="35" name="群組 34"/>
+          <p:cNvGrpSpPr/>
+          <p:nvPr/>
+        </p:nvGrpSpPr>
+        <p:grpSpPr>
+          <a:xfrm>
+            <a:off x="357158" y="1000108"/>
+            <a:ext cx="2357454" cy="4143404"/>
+            <a:chOff x="428596" y="857232"/>
+            <a:chExt cx="2357454" cy="4143404"/>
+          </a:xfrm>
+        </p:grpSpPr>
+        <p:sp>
+          <p:nvSpPr>
+            <p:cNvPr id="6" name="矩形 5"/>
+            <p:cNvSpPr/>
+            <p:nvPr/>
+          </p:nvSpPr>
+          <p:spPr>
+            <a:xfrm>
+              <a:off x="428596" y="4786322"/>
+              <a:ext cx="2357454" cy="214314"/>
+            </a:xfrm>
+            <a:prstGeom prst="rect">
+              <a:avLst/>
+            </a:prstGeom>
+            <a:noFill/>
+            <a:ln w="57150">
+              <a:solidFill>
+                <a:srgbClr val="FF0000"/>
+              </a:solidFill>
+            </a:ln>
+          </p:spPr>
+          <p:style>
+            <a:lnRef idx="2">
+              <a:schemeClr val="accent1">
+                <a:shade val="50000"/>
+              </a:schemeClr>
+            </a:lnRef>
+            <a:fillRef idx="1">
+              <a:schemeClr val="accent1"/>
+            </a:fillRef>
+            <a:effectRef idx="0">
+              <a:schemeClr val="accent1"/>
+            </a:effectRef>
+            <a:fontRef idx="minor">
+              <a:schemeClr val="lt1"/>
+            </a:fontRef>
+          </p:style>
+          <p:txBody>
+            <a:bodyPr rtlCol="0" anchor="ctr"/>
+            <a:lstStyle/>
+            <a:p>
+              <a:pPr algn="ctr"/>
+              <a:endParaRPr lang="zh-TW" altLang="en-US" sz="4000"/>
+            </a:p>
+          </p:txBody>
+        </p:sp>
+        <p:sp>
+          <p:nvSpPr>
+            <p:cNvPr id="7" name="矩形 6"/>
+            <p:cNvSpPr/>
+            <p:nvPr/>
+          </p:nvSpPr>
+          <p:spPr>
+            <a:xfrm>
+              <a:off x="428596" y="2000240"/>
+              <a:ext cx="2357454" cy="214314"/>
+            </a:xfrm>
+            <a:prstGeom prst="rect">
+              <a:avLst/>
+            </a:prstGeom>
+            <a:noFill/>
+            <a:ln w="57150">
+              <a:solidFill>
+                <a:srgbClr val="FF0000"/>
+              </a:solidFill>
+            </a:ln>
+          </p:spPr>
+          <p:style>
+            <a:lnRef idx="2">
+              <a:schemeClr val="accent1">
+                <a:shade val="50000"/>
+              </a:schemeClr>
+            </a:lnRef>
+            <a:fillRef idx="1">
+              <a:schemeClr val="accent1"/>
+            </a:fillRef>
+            <a:effectRef idx="0">
+              <a:schemeClr val="accent1"/>
+            </a:effectRef>
+            <a:fontRef idx="minor">
+              <a:schemeClr val="lt1"/>
+            </a:fontRef>
+          </p:style>
+          <p:txBody>
+            <a:bodyPr rtlCol="0" anchor="ctr"/>
+            <a:lstStyle/>
+            <a:p>
+              <a:pPr algn="ctr"/>
+              <a:endParaRPr lang="zh-TW" altLang="en-US" sz="4000"/>
+            </a:p>
+          </p:txBody>
+        </p:sp>
+        <p:sp>
+          <p:nvSpPr>
+            <p:cNvPr id="9" name="矩形 8"/>
+            <p:cNvSpPr/>
+            <p:nvPr/>
+          </p:nvSpPr>
+          <p:spPr>
+            <a:xfrm>
+              <a:off x="428596" y="857232"/>
+              <a:ext cx="928694" cy="285752"/>
+            </a:xfrm>
+            <a:prstGeom prst="rect">
+              <a:avLst/>
+            </a:prstGeom>
+            <a:noFill/>
+            <a:ln w="38100">
+              <a:solidFill>
+                <a:srgbClr val="92D050"/>
+              </a:solidFill>
+            </a:ln>
+          </p:spPr>
+          <p:style>
+            <a:lnRef idx="2">
+              <a:schemeClr val="accent1">
+                <a:shade val="50000"/>
+              </a:schemeClr>
+            </a:lnRef>
+            <a:fillRef idx="1">
+              <a:schemeClr val="accent1"/>
+            </a:fillRef>
+            <a:effectRef idx="0">
+              <a:schemeClr val="accent1"/>
+            </a:effectRef>
+            <a:fontRef idx="minor">
+              <a:schemeClr val="lt1"/>
+            </a:fontRef>
+          </p:style>
+          <p:txBody>
+            <a:bodyPr rtlCol="0" anchor="ctr"/>
+            <a:lstStyle/>
+            <a:p>
+              <a:pPr algn="ctr"/>
+              <a:endParaRPr lang="zh-TW" altLang="en-US" sz="4000"/>
+            </a:p>
+          </p:txBody>
+        </p:sp>
+        <p:sp>
+          <p:nvSpPr>
+            <p:cNvPr id="10" name="矩形 9"/>
+            <p:cNvSpPr/>
+            <p:nvPr/>
+          </p:nvSpPr>
+          <p:spPr>
+            <a:xfrm>
+              <a:off x="428596" y="4071942"/>
+              <a:ext cx="928694" cy="285752"/>
+            </a:xfrm>
+            <a:prstGeom prst="rect">
+              <a:avLst/>
+            </a:prstGeom>
+            <a:noFill/>
+            <a:ln w="38100">
+              <a:solidFill>
+                <a:srgbClr val="92D050"/>
+              </a:solidFill>
+            </a:ln>
+          </p:spPr>
+          <p:style>
+            <a:lnRef idx="2">
+              <a:schemeClr val="accent1">
+                <a:shade val="50000"/>
+              </a:schemeClr>
+            </a:lnRef>
+            <a:fillRef idx="1">
+              <a:schemeClr val="accent1"/>
+            </a:fillRef>
+            <a:effectRef idx="0">
+              <a:schemeClr val="accent1"/>
+            </a:effectRef>
+            <a:fontRef idx="minor">
+              <a:schemeClr val="lt1"/>
+            </a:fontRef>
+          </p:style>
+          <p:txBody>
+            <a:bodyPr rtlCol="0" anchor="ctr"/>
+            <a:lstStyle/>
+            <a:p>
+              <a:pPr algn="ctr"/>
+              <a:endParaRPr lang="zh-TW" altLang="en-US" sz="4000"/>
+            </a:p>
+          </p:txBody>
+        </p:sp>
+      </p:grpSp>
+      <p:cxnSp>
+        <p:nvCxnSpPr>
+          <p:cNvPr id="17" name="直線單箭頭接點 16"/>
+          <p:cNvCxnSpPr/>
+          <p:nvPr/>
+        </p:nvCxnSpPr>
+        <p:spPr>
+          <a:xfrm>
+            <a:off x="3000364" y="2357430"/>
+            <a:ext cx="1071570" cy="214314"/>
+          </a:xfrm>
+          <a:prstGeom prst="straightConnector1">
+            <a:avLst/>
+          </a:prstGeom>
+          <a:ln w="57150">
+            <a:tailEnd type="arrow"/>
+          </a:ln>
+        </p:spPr>
+        <p:style>
+          <a:lnRef idx="1">
+            <a:schemeClr val="accent1"/>
+          </a:lnRef>
+          <a:fillRef idx="0">
+            <a:schemeClr val="accent1"/>
+          </a:fillRef>
+          <a:effectRef idx="0">
+            <a:schemeClr val="accent1"/>
+          </a:effectRef>
+          <a:fontRef idx="minor">
+            <a:schemeClr val="tx1"/>
+          </a:fontRef>
+        </p:style>
+      </p:cxnSp>
+      <p:cxnSp>
+        <p:nvCxnSpPr>
+          <p:cNvPr id="18" name="直線單箭頭接點 17"/>
+          <p:cNvCxnSpPr/>
+          <p:nvPr/>
+        </p:nvCxnSpPr>
+        <p:spPr>
+          <a:xfrm flipV="1">
+            <a:off x="3071802" y="4071942"/>
+            <a:ext cx="1071570" cy="928694"/>
+          </a:xfrm>
+          <a:prstGeom prst="straightConnector1">
+            <a:avLst/>
+          </a:prstGeom>
+          <a:ln w="57150">
+            <a:tailEnd type="arrow"/>
+          </a:ln>
+        </p:spPr>
+        <p:style>
+          <a:lnRef idx="1">
+            <a:schemeClr val="accent1"/>
+          </a:lnRef>
+          <a:fillRef idx="0">
+            <a:schemeClr val="accent1"/>
+          </a:fillRef>
+          <a:effectRef idx="0">
+            <a:schemeClr val="accent1"/>
+          </a:effectRef>
+          <a:fontRef idx="minor">
+            <a:schemeClr val="tx1"/>
+          </a:fontRef>
+        </p:style>
+      </p:cxnSp>
+      <p:cxnSp>
+        <p:nvCxnSpPr>
+          <p:cNvPr id="20" name="直線單箭頭接點 19"/>
+          <p:cNvCxnSpPr/>
+          <p:nvPr/>
+        </p:nvCxnSpPr>
+        <p:spPr>
+          <a:xfrm flipV="1">
+            <a:off x="3000364" y="5572140"/>
+            <a:ext cx="1143008" cy="1071570"/>
+          </a:xfrm>
+          <a:prstGeom prst="straightConnector1">
+            <a:avLst/>
+          </a:prstGeom>
+          <a:ln w="57150">
+            <a:tailEnd type="arrow"/>
+          </a:ln>
+        </p:spPr>
+        <p:style>
+          <a:lnRef idx="1">
+            <a:schemeClr val="accent1"/>
+          </a:lnRef>
+          <a:fillRef idx="0">
+            <a:schemeClr val="accent1"/>
+          </a:fillRef>
+          <a:effectRef idx="0">
+            <a:schemeClr val="accent1"/>
+          </a:effectRef>
+          <a:fontRef idx="minor">
+            <a:schemeClr val="tx1"/>
+          </a:fontRef>
+        </p:style>
+      </p:cxnSp>
+      <p:sp>
+        <p:nvSpPr>
+          <p:cNvPr id="30" name="文字方塊 29"/>
+          <p:cNvSpPr txBox="1"/>
+          <p:nvPr/>
+        </p:nvSpPr>
+        <p:spPr>
+          <a:xfrm>
+            <a:off x="285720" y="285729"/>
+            <a:ext cx="2571768" cy="646331"/>
+          </a:xfrm>
+          <a:prstGeom prst="rect">
+            <a:avLst/>
+          </a:prstGeom>
+          <a:solidFill>
+            <a:schemeClr val="accent3">
+              <a:lumMod val="20000"/>
+              <a:lumOff val="80000"/>
+            </a:schemeClr>
+          </a:solidFill>
+          <a:effectLst>
+            <a:outerShdw blurRad="50800" dist="38100" dir="8100000" algn="tr" rotWithShape="0">
+              <a:prstClr val="black">
+                <a:alpha val="40000"/>
+              </a:prstClr>
+            </a:outerShdw>
+          </a:effectLst>
+        </p:spPr>
+        <p:txBody>
+          <a:bodyPr wrap="square" rtlCol="0">
+            <a:spAutoFit/>
+          </a:bodyPr>
+          <a:lstStyle/>
+          <a:p>
+            <a:r>
+              <a:rPr lang="en-US" altLang="zh-TW" dirty="0" smtClean="0"/>
+              <a:t>Figure 2. </a:t>
+            </a:r>
+            <a:r>
+              <a:rPr lang="en-US" altLang="zh-TW" dirty="0" smtClean="0"/>
+              <a:t>R</a:t>
+            </a:r>
+            <a:r>
+              <a:rPr lang="en-US" altLang="zh-TW" dirty="0" smtClean="0"/>
+              <a:t>ecords </a:t>
+            </a:r>
+            <a:r>
+              <a:rPr lang="en-US" altLang="zh-TW" dirty="0" smtClean="0"/>
+              <a:t>in training database.</a:t>
+            </a:r>
+            <a:endParaRPr lang="zh-TW" altLang="en-US" dirty="0"/>
+          </a:p>
+        </p:txBody>
+      </p:sp>
+      <p:grpSp>
+        <p:nvGrpSpPr>
+          <p:cNvPr id="37" name="群組 36"/>
+          <p:cNvGrpSpPr/>
+          <p:nvPr/>
+        </p:nvGrpSpPr>
+        <p:grpSpPr>
+          <a:xfrm>
+            <a:off x="1571604" y="6321372"/>
+            <a:ext cx="71438" cy="536628"/>
+            <a:chOff x="1571604" y="6072206"/>
+            <a:chExt cx="71438" cy="536628"/>
+          </a:xfrm>
+        </p:grpSpPr>
+        <p:sp>
+          <p:nvSpPr>
+            <p:cNvPr id="32" name="橢圓 31"/>
+            <p:cNvSpPr/>
+            <p:nvPr/>
+          </p:nvSpPr>
+          <p:spPr>
+            <a:xfrm>
+              <a:off x="1571604" y="6072206"/>
+              <a:ext cx="71438" cy="85291"/>
+            </a:xfrm>
+            <a:prstGeom prst="ellipse">
+              <a:avLst/>
+            </a:prstGeom>
+            <a:solidFill>
+              <a:schemeClr val="tx1"/>
+            </a:solidFill>
+            <a:ln>
+              <a:noFill/>
+            </a:ln>
+          </p:spPr>
+          <p:style>
+            <a:lnRef idx="2">
+              <a:schemeClr val="accent1">
+                <a:shade val="50000"/>
+              </a:schemeClr>
+            </a:lnRef>
+            <a:fillRef idx="1">
+              <a:schemeClr val="accent1"/>
+            </a:fillRef>
+            <a:effectRef idx="0">
+              <a:schemeClr val="accent1"/>
+            </a:effectRef>
+            <a:fontRef idx="minor">
+              <a:schemeClr val="lt1"/>
+            </a:fontRef>
+          </p:style>
+          <p:txBody>
+            <a:bodyPr rtlCol="0" anchor="ctr"/>
+            <a:lstStyle/>
+            <a:p>
+              <a:pPr algn="ctr"/>
+              <a:endParaRPr lang="zh-TW" altLang="en-US"/>
+            </a:p>
+          </p:txBody>
+        </p:sp>
+        <p:sp>
+          <p:nvSpPr>
+            <p:cNvPr id="33" name="橢圓 32"/>
+            <p:cNvSpPr/>
+            <p:nvPr/>
+          </p:nvSpPr>
+          <p:spPr>
+            <a:xfrm>
+              <a:off x="1571604" y="6297874"/>
+              <a:ext cx="71438" cy="85291"/>
+            </a:xfrm>
+            <a:prstGeom prst="ellipse">
+              <a:avLst/>
+            </a:prstGeom>
+            <a:solidFill>
+              <a:schemeClr val="tx1"/>
+            </a:solidFill>
+            <a:ln>
+              <a:noFill/>
+            </a:ln>
+          </p:spPr>
+          <p:style>
+            <a:lnRef idx="2">
+              <a:schemeClr val="accent1">
+                <a:shade val="50000"/>
+              </a:schemeClr>
+            </a:lnRef>
+            <a:fillRef idx="1">
+              <a:schemeClr val="accent1"/>
+            </a:fillRef>
+            <a:effectRef idx="0">
+              <a:schemeClr val="accent1"/>
+            </a:effectRef>
+            <a:fontRef idx="minor">
+              <a:schemeClr val="lt1"/>
+            </a:fontRef>
+          </p:style>
+          <p:txBody>
+            <a:bodyPr rtlCol="0" anchor="ctr"/>
+            <a:lstStyle/>
+            <a:p>
+              <a:pPr algn="ctr"/>
+              <a:endParaRPr lang="zh-TW" altLang="en-US"/>
+            </a:p>
+          </p:txBody>
+        </p:sp>
+        <p:sp>
+          <p:nvSpPr>
+            <p:cNvPr id="34" name="橢圓 33"/>
+            <p:cNvSpPr/>
+            <p:nvPr/>
+          </p:nvSpPr>
+          <p:spPr>
+            <a:xfrm>
+              <a:off x="1571604" y="6523543"/>
+              <a:ext cx="71438" cy="85291"/>
+            </a:xfrm>
+            <a:prstGeom prst="ellipse">
+              <a:avLst/>
+            </a:prstGeom>
+            <a:solidFill>
+              <a:schemeClr val="tx1"/>
+            </a:solidFill>
+            <a:ln>
+              <a:noFill/>
+            </a:ln>
+          </p:spPr>
+          <p:style>
+            <a:lnRef idx="2">
+              <a:schemeClr val="accent1">
+                <a:shade val="50000"/>
+              </a:schemeClr>
+            </a:lnRef>
+            <a:fillRef idx="1">
+              <a:schemeClr val="accent1"/>
+            </a:fillRef>
+            <a:effectRef idx="0">
+              <a:schemeClr val="accent1"/>
+            </a:effectRef>
+            <a:fontRef idx="minor">
+              <a:schemeClr val="lt1"/>
+            </a:fontRef>
+          </p:style>
+          <p:txBody>
+            <a:bodyPr rtlCol="0" anchor="ctr"/>
+            <a:lstStyle/>
+            <a:p>
+              <a:pPr algn="ctr"/>
+              <a:endParaRPr lang="zh-TW" altLang="en-US"/>
+            </a:p>
+          </p:txBody>
+        </p:sp>
+      </p:grpSp>
+      <p:sp>
+        <p:nvSpPr>
+          <p:cNvPr id="40" name="標題 1"/>
+          <p:cNvSpPr txBox="1">
+            <a:spLocks/>
+          </p:cNvSpPr>
+          <p:nvPr/>
+        </p:nvSpPr>
+        <p:spPr>
+          <a:xfrm>
+            <a:off x="4357686" y="214290"/>
+            <a:ext cx="4572000" cy="785818"/>
+          </a:xfrm>
+          <a:prstGeom prst="rect">
+            <a:avLst/>
+          </a:prstGeom>
+        </p:spPr>
+        <p:style>
+          <a:lnRef idx="1">
+            <a:schemeClr val="accent1"/>
+          </a:lnRef>
+          <a:fillRef idx="2">
+            <a:schemeClr val="accent1"/>
+          </a:fillRef>
+          <a:effectRef idx="1">
+            <a:schemeClr val="accent1"/>
+          </a:effectRef>
+          <a:fontRef idx="minor">
+            <a:schemeClr val="dk1"/>
+          </a:fontRef>
+        </p:style>
+        <p:txBody>
+          <a:bodyPr vert="horz" lIns="91440" tIns="45720" rIns="91440" bIns="45720" rtlCol="0" anchor="ctr">
+            <a:noAutofit/>
+          </a:bodyPr>
+          <a:lstStyle/>
+          <a:p>
+            <a:pPr marL="0" marR="0" lvl="0" indent="0" algn="l" defTabSz="914400" rtl="0" eaLnBrk="1" fontAlgn="auto" latinLnBrk="0" hangingPunct="1">
+              <a:lnSpc>
+                <a:spcPct val="100000"/>
+              </a:lnSpc>
+              <a:spcBef>
+                <a:spcPct val="0"/>
+              </a:spcBef>
+              <a:spcAft>
+                <a:spcPts val="0"/>
+              </a:spcAft>
+              <a:buClrTx/>
+              <a:buSzTx/>
+              <a:buFontTx/>
+              <a:buNone/>
+              <a:tabLst/>
+              <a:defRPr/>
+            </a:pPr>
+            <a:endParaRPr lang="en-US" altLang="zh-TW" sz="4000" dirty="0" smtClean="0">
+              <a:solidFill>
+                <a:schemeClr val="tx1"/>
+              </a:solidFill>
+              <a:latin typeface="+mj-lt"/>
+              <a:ea typeface="+mj-ea"/>
+              <a:cs typeface="+mj-cs"/>
+            </a:endParaRPr>
+          </a:p>
+          <a:p>
+            <a:pPr marL="0" marR="0" lvl="0" indent="0" algn="l" defTabSz="914400" rtl="0" eaLnBrk="1" fontAlgn="auto" latinLnBrk="0" hangingPunct="1">
+              <a:lnSpc>
+                <a:spcPct val="100000"/>
+              </a:lnSpc>
+              <a:spcBef>
+                <a:spcPct val="0"/>
+              </a:spcBef>
+              <a:spcAft>
+                <a:spcPts val="0"/>
+              </a:spcAft>
+              <a:buClrTx/>
+              <a:buSzTx/>
+              <a:buFontTx/>
+              <a:buNone/>
+              <a:tabLst/>
+              <a:defRPr/>
+            </a:pPr>
+            <a:endParaRPr kumimoji="0" lang="en-US" altLang="zh-TW" sz="4000" b="0" i="0" u="none" strike="noStrike" kern="1200" cap="none" spc="0" normalizeH="0" baseline="0" noProof="0" dirty="0" smtClean="0">
+              <a:ln>
+                <a:noFill/>
+              </a:ln>
+              <a:solidFill>
+                <a:schemeClr val="tx1"/>
+              </a:solidFill>
+              <a:effectLst/>
+              <a:uLnTx/>
+              <a:uFillTx/>
+              <a:latin typeface="+mj-lt"/>
+              <a:ea typeface="+mj-ea"/>
+              <a:cs typeface="+mj-cs"/>
+            </a:endParaRPr>
+          </a:p>
+          <a:p>
+            <a:pPr marL="0" marR="0" lvl="0" indent="0" algn="l" defTabSz="914400" rtl="0" eaLnBrk="1" fontAlgn="auto" latinLnBrk="0" hangingPunct="1">
+              <a:lnSpc>
+                <a:spcPct val="100000"/>
+              </a:lnSpc>
+              <a:spcBef>
+                <a:spcPct val="0"/>
+              </a:spcBef>
+              <a:spcAft>
+                <a:spcPts val="0"/>
+              </a:spcAft>
+              <a:buClrTx/>
+              <a:buSzTx/>
+              <a:buFontTx/>
+              <a:buNone/>
+              <a:tabLst/>
+              <a:defRPr/>
+            </a:pPr>
+            <a:r>
+              <a:rPr kumimoji="0" lang="en-US" altLang="zh-TW" sz="4000" b="0" i="0" u="none" strike="noStrike" kern="1200" cap="none" spc="0" normalizeH="0" baseline="0" noProof="0" dirty="0" smtClean="0">
+                <a:ln>
+                  <a:noFill/>
+                </a:ln>
+                <a:solidFill>
+                  <a:schemeClr val="tx1"/>
+                </a:solidFill>
+                <a:effectLst/>
+                <a:uLnTx/>
+                <a:uFillTx/>
+                <a:latin typeface="+mj-lt"/>
+                <a:ea typeface="+mj-ea"/>
+                <a:cs typeface="+mj-cs"/>
+              </a:rPr>
+              <a:t>Bayesian Probability </a:t>
+            </a:r>
+            <a:r>
+              <a:rPr kumimoji="0" lang="zh-TW" altLang="en-US" sz="4000" b="0" i="0" u="none" strike="noStrike" kern="1200" cap="none" spc="0" normalizeH="0" baseline="0" noProof="0" dirty="0" smtClean="0">
+                <a:ln>
+                  <a:noFill/>
+                </a:ln>
+                <a:solidFill>
+                  <a:schemeClr val="tx1"/>
+                </a:solidFill>
+                <a:effectLst/>
+                <a:uLnTx/>
+                <a:uFillTx/>
+                <a:latin typeface="+mj-lt"/>
+                <a:ea typeface="+mj-ea"/>
+                <a:cs typeface="+mj-cs"/>
+              </a:rPr>
+              <a:t/>
+            </a:r>
+            <a:br>
+              <a:rPr kumimoji="0" lang="zh-TW" altLang="en-US" sz="4000" b="0" i="0" u="none" strike="noStrike" kern="1200" cap="none" spc="0" normalizeH="0" baseline="0" noProof="0" dirty="0" smtClean="0">
+                <a:ln>
+                  <a:noFill/>
+                </a:ln>
+                <a:solidFill>
+                  <a:schemeClr val="tx1"/>
+                </a:solidFill>
+                <a:effectLst/>
+                <a:uLnTx/>
+                <a:uFillTx/>
+                <a:latin typeface="+mj-lt"/>
+                <a:ea typeface="+mj-ea"/>
+                <a:cs typeface="+mj-cs"/>
+              </a:rPr>
+            </a:br>
+            <a:r>
+              <a:rPr kumimoji="0" lang="en-US" altLang="zh-TW" sz="4000" b="0" i="0" u="none" strike="noStrike" kern="1200" cap="none" spc="0" normalizeH="0" baseline="0" noProof="0" dirty="0" smtClean="0">
+                <a:ln>
+                  <a:noFill/>
+                </a:ln>
+                <a:solidFill>
+                  <a:schemeClr val="tx1"/>
+                </a:solidFill>
+                <a:effectLst/>
+                <a:uLnTx/>
+                <a:uFillTx/>
+                <a:latin typeface="+mj-lt"/>
+                <a:ea typeface="+mj-ea"/>
+                <a:cs typeface="+mj-cs"/>
+              </a:rPr>
+              <a:t/>
+            </a:r>
+            <a:br>
+              <a:rPr kumimoji="0" lang="en-US" altLang="zh-TW" sz="4000" b="0" i="0" u="none" strike="noStrike" kern="1200" cap="none" spc="0" normalizeH="0" baseline="0" noProof="0" dirty="0" smtClean="0">
+                <a:ln>
+                  <a:noFill/>
+                </a:ln>
+                <a:solidFill>
+                  <a:schemeClr val="tx1"/>
+                </a:solidFill>
+                <a:effectLst/>
+                <a:uLnTx/>
+                <a:uFillTx/>
+                <a:latin typeface="+mj-lt"/>
+                <a:ea typeface="+mj-ea"/>
+                <a:cs typeface="+mj-cs"/>
+              </a:rPr>
+            </a:br>
+            <a:endParaRPr kumimoji="0" lang="zh-TW" altLang="en-US" sz="4000" b="0" i="0" u="none" strike="noStrike" kern="1200" cap="none" spc="0" normalizeH="0" baseline="0" noProof="0" dirty="0">
+              <a:ln>
+                <a:noFill/>
+              </a:ln>
+              <a:solidFill>
+                <a:schemeClr val="tx1"/>
+              </a:solidFill>
+              <a:effectLst/>
+              <a:uLnTx/>
+              <a:uFillTx/>
+              <a:latin typeface="+mj-lt"/>
+              <a:ea typeface="+mj-ea"/>
+              <a:cs typeface="+mj-cs"/>
+            </a:endParaRPr>
+          </a:p>
+        </p:txBody>
+      </p:sp>
+    </p:spTree>
+  </p:cSld>
+  <p:clrMapOvr>
+    <a:masterClrMapping/>
+  </p:clrMapOvr>
+  <p:timing>
+    <p:tnLst>
+      <p:par>
+        <p:cTn id="1" dur="indefinite" restart="never" nodeType="tmRoot"/>
+      </p:par>
+    </p:tnLst>
+  </p:timing>
+</p:sld>
+</file>
+
+<file path=ppt/slides/slide9.xml><?xml version="1.0" encoding="utf-8"?>
+<p:sld xmlns:a="http://schemas.openxmlformats.org/drawingml/2006/main" xmlns:r="http://schemas.openxmlformats.org/officeDocument/2006/relationships" xmlns:p="http://schemas.openxmlformats.org/presentationml/2006/main">
+  <p:cSld>
+    <p:spTree>
+      <p:nvGrpSpPr>
+        <p:cNvPr id="1" name=""/>
+        <p:cNvGrpSpPr/>
+        <p:nvPr/>
+      </p:nvGrpSpPr>
+      <p:grpSpPr>
+        <a:xfrm>
+          <a:off x="0" y="0"/>
+          <a:ext cx="0" cy="0"/>
+          <a:chOff x="0" y="0"/>
+          <a:chExt cx="0" cy="0"/>
+        </a:xfrm>
+      </p:grpSpPr>
+      <p:sp>
+        <p:nvSpPr>
+          <p:cNvPr id="17" name="標題 1"/>
+          <p:cNvSpPr>
+            <a:spLocks noGrp="1"/>
+          </p:cNvSpPr>
+          <p:nvPr>
+            <p:ph type="title"/>
+          </p:nvPr>
+        </p:nvSpPr>
+        <p:spPr>
+          <a:xfrm>
+            <a:off x="3786150" y="357166"/>
+            <a:ext cx="5357850" cy="928694"/>
+          </a:xfrm>
+        </p:spPr>
+        <p:txBody>
+          <a:bodyPr>
+            <a:noAutofit/>
+          </a:bodyPr>
+          <a:lstStyle/>
+          <a:p>
+            <a:r>
+              <a:rPr lang="en-US" altLang="zh-TW" sz="4000" dirty="0" smtClean="0"/>
+              <a:t>In </a:t>
+            </a:r>
+            <a:r>
+              <a:rPr lang="en-US" altLang="zh-TW" sz="4000" dirty="0" smtClean="0"/>
+              <a:t>Practice</a:t>
+            </a:r>
+            <a:r>
+              <a:rPr lang="zh-TW" altLang="en-US" sz="4000" dirty="0" smtClean="0"/>
+              <a:t/>
+            </a:r>
+            <a:br>
+              <a:rPr lang="zh-TW" altLang="en-US" sz="4000" dirty="0" smtClean="0"/>
+            </a:br>
+            <a:endParaRPr lang="zh-TW" altLang="en-US" sz="4000" dirty="0"/>
+          </a:p>
+        </p:txBody>
+      </p:sp>
+      <p:graphicFrame>
+        <p:nvGraphicFramePr>
+          <p:cNvPr id="5" name="內容版面配置區 4"/>
           <p:cNvGraphicFramePr>
             <a:graphicFrameLocks noGrp="1"/>
           </p:cNvGraphicFramePr>
@@ -6716,15 +8663,3295 @@
           </p:nvPr>
         </p:nvGraphicFramePr>
         <p:xfrm>
-          <a:off x="457200" y="1600200"/>
-          <a:ext cx="8229600" cy="4525963"/>
+          <a:off x="428596" y="1142984"/>
+          <a:ext cx="8286808" cy="2194560"/>
         </p:xfrm>
         <a:graphic>
-          <a:graphicData uri="http://schemas.openxmlformats.org/drawingml/2006/chart">
-            <c:chart xmlns:c="http://schemas.openxmlformats.org/drawingml/2006/chart" xmlns:r="http://schemas.openxmlformats.org/officeDocument/2006/relationships" r:id="rId2"/>
+          <a:graphicData uri="http://schemas.openxmlformats.org/drawingml/2006/table">
+            <a:tbl>
+              <a:tblPr firstRow="1" bandRow="1">
+                <a:tableStyleId>{2D5ABB26-0587-4C30-8999-92F81FD0307C}</a:tableStyleId>
+              </a:tblPr>
+              <a:tblGrid>
+                <a:gridCol w="1052899"/>
+                <a:gridCol w="2105799"/>
+                <a:gridCol w="1025622"/>
+                <a:gridCol w="1025622"/>
+                <a:gridCol w="1025622"/>
+                <a:gridCol w="1025622"/>
+                <a:gridCol w="1025622"/>
+              </a:tblGrid>
+              <a:tr h="294519">
+                <a:tc rowSpan="6">
+                  <a:txBody>
+                    <a:bodyPr/>
+                    <a:lstStyle/>
+                    <a:p>
+                      <a:pPr algn="ctr"/>
+                      <a:endParaRPr lang="en-US" altLang="zh-TW" dirty="0" smtClean="0">
+                        <a:solidFill>
+                          <a:sysClr val="windowText" lastClr="000000"/>
+                        </a:solidFill>
+                      </a:endParaRPr>
+                    </a:p>
+                    <a:p>
+                      <a:pPr algn="ctr"/>
+                      <a:endParaRPr lang="en-US" altLang="zh-TW" dirty="0" smtClean="0">
+                        <a:solidFill>
+                          <a:sysClr val="windowText" lastClr="000000"/>
+                        </a:solidFill>
+                      </a:endParaRPr>
+                    </a:p>
+                    <a:p>
+                      <a:pPr algn="ctr"/>
+                      <a:endParaRPr lang="en-US" altLang="zh-TW" dirty="0" smtClean="0">
+                        <a:solidFill>
+                          <a:sysClr val="windowText" lastClr="000000"/>
+                        </a:solidFill>
+                      </a:endParaRPr>
+                    </a:p>
+                    <a:p>
+                      <a:pPr algn="ctr"/>
+                      <a:endParaRPr lang="en-US" altLang="zh-TW" dirty="0" smtClean="0">
+                        <a:solidFill>
+                          <a:sysClr val="windowText" lastClr="000000"/>
+                        </a:solidFill>
+                      </a:endParaRPr>
+                    </a:p>
+                    <a:p>
+                      <a:pPr algn="ctr"/>
+                      <a:r>
+                        <a:rPr lang="en-US" altLang="zh-TW" dirty="0" smtClean="0">
+                          <a:solidFill>
+                            <a:sysClr val="windowText" lastClr="000000"/>
+                          </a:solidFill>
+                        </a:rPr>
+                        <a:t>Mac</a:t>
+                      </a:r>
+                      <a:r>
+                        <a:rPr lang="en-US" altLang="zh-TW" baseline="0" dirty="0" smtClean="0">
+                          <a:solidFill>
+                            <a:sysClr val="windowText" lastClr="000000"/>
+                          </a:solidFill>
+                        </a:rPr>
+                        <a:t> Address</a:t>
+                      </a:r>
+                      <a:endParaRPr lang="zh-TW" altLang="en-US" dirty="0">
+                        <a:solidFill>
+                          <a:sysClr val="windowText" lastClr="000000"/>
+                        </a:solidFill>
+                      </a:endParaRPr>
+                    </a:p>
+                  </a:txBody>
+                  <a:tcPr>
+                    <a:lnL w="12700" cap="flat" cmpd="sng" algn="ctr">
+                      <a:solidFill>
+                        <a:schemeClr val="tx1"/>
+                      </a:solidFill>
+                      <a:prstDash val="solid"/>
+                      <a:round/>
+                      <a:headEnd type="none" w="med" len="med"/>
+                      <a:tailEnd type="none" w="med" len="med"/>
+                    </a:lnL>
+                    <a:lnR w="12700" cap="flat" cmpd="sng" algn="ctr">
+                      <a:solidFill>
+                        <a:schemeClr val="tx1"/>
+                      </a:solidFill>
+                      <a:prstDash val="solid"/>
+                      <a:round/>
+                      <a:headEnd type="none" w="med" len="med"/>
+                      <a:tailEnd type="none" w="med" len="med"/>
+                    </a:lnR>
+                    <a:lnT w="12700" cap="flat" cmpd="sng" algn="ctr">
+                      <a:solidFill>
+                        <a:schemeClr val="tx1"/>
+                      </a:solidFill>
+                      <a:prstDash val="solid"/>
+                      <a:round/>
+                      <a:headEnd type="none" w="med" len="med"/>
+                      <a:tailEnd type="none" w="med" len="med"/>
+                    </a:lnT>
+                    <a:lnB w="12700" cap="flat" cmpd="sng" algn="ctr">
+                      <a:solidFill>
+                        <a:schemeClr val="tx1"/>
+                      </a:solidFill>
+                      <a:prstDash val="solid"/>
+                      <a:round/>
+                      <a:headEnd type="none" w="med" len="med"/>
+                      <a:tailEnd type="none" w="med" len="med"/>
+                    </a:lnB>
+                  </a:tcPr>
+                </a:tc>
+                <a:tc>
+                  <a:txBody>
+                    <a:bodyPr/>
+                    <a:lstStyle/>
+                    <a:p>
+                      <a:pPr algn="ctr"/>
+                      <a:endParaRPr lang="zh-TW" altLang="en-US" dirty="0">
+                        <a:solidFill>
+                          <a:sysClr val="windowText" lastClr="000000"/>
+                        </a:solidFill>
+                      </a:endParaRPr>
+                    </a:p>
+                  </a:txBody>
+                  <a:tcPr>
+                    <a:lnL w="12700" cap="flat" cmpd="sng" algn="ctr">
+                      <a:solidFill>
+                        <a:schemeClr val="tx1"/>
+                      </a:solidFill>
+                      <a:prstDash val="solid"/>
+                      <a:round/>
+                      <a:headEnd type="none" w="med" len="med"/>
+                      <a:tailEnd type="none" w="med" len="med"/>
+                    </a:lnL>
+                    <a:lnT w="12700" cap="flat" cmpd="sng" algn="ctr">
+                      <a:solidFill>
+                        <a:schemeClr val="tx1"/>
+                      </a:solidFill>
+                      <a:prstDash val="solid"/>
+                      <a:round/>
+                      <a:headEnd type="none" w="med" len="med"/>
+                      <a:tailEnd type="none" w="med" len="med"/>
+                    </a:lnT>
+                    <a:lnB w="12700" cap="flat" cmpd="sng" algn="ctr">
+                      <a:solidFill>
+                        <a:schemeClr val="tx1"/>
+                      </a:solidFill>
+                      <a:prstDash val="solid"/>
+                      <a:round/>
+                      <a:headEnd type="none" w="med" len="med"/>
+                      <a:tailEnd type="none" w="med" len="med"/>
+                    </a:lnB>
+                  </a:tcPr>
+                </a:tc>
+                <a:tc gridSpan="5">
+                  <a:txBody>
+                    <a:bodyPr/>
+                    <a:lstStyle/>
+                    <a:p>
+                      <a:pPr marL="0" marR="0" indent="0" algn="ctr" defTabSz="914400" rtl="0" eaLnBrk="1" fontAlgn="auto" latinLnBrk="0" hangingPunct="1">
+                        <a:lnSpc>
+                          <a:spcPct val="100000"/>
+                        </a:lnSpc>
+                        <a:spcBef>
+                          <a:spcPts val="0"/>
+                        </a:spcBef>
+                        <a:spcAft>
+                          <a:spcPts val="0"/>
+                        </a:spcAft>
+                        <a:buClrTx/>
+                        <a:buSzTx/>
+                        <a:buFontTx/>
+                        <a:buNone/>
+                        <a:tabLst/>
+                        <a:defRPr/>
+                      </a:pPr>
+                      <a:r>
+                        <a:rPr lang="en-US" altLang="zh-TW" dirty="0" smtClean="0">
+                          <a:solidFill>
+                            <a:sysClr val="windowText" lastClr="000000"/>
+                          </a:solidFill>
+                        </a:rPr>
+                        <a:t>RSSI probability</a:t>
+                      </a:r>
+                      <a:endParaRPr lang="zh-TW" altLang="en-US" dirty="0" smtClean="0">
+                        <a:solidFill>
+                          <a:sysClr val="windowText" lastClr="000000"/>
+                        </a:solidFill>
+                      </a:endParaRPr>
+                    </a:p>
+                  </a:txBody>
+                  <a:tcPr>
+                    <a:lnR w="12700" cap="flat" cmpd="sng" algn="ctr">
+                      <a:solidFill>
+                        <a:schemeClr val="tx1"/>
+                      </a:solidFill>
+                      <a:prstDash val="solid"/>
+                      <a:round/>
+                      <a:headEnd type="none" w="med" len="med"/>
+                      <a:tailEnd type="none" w="med" len="med"/>
+                    </a:lnR>
+                    <a:lnT w="12700" cap="flat" cmpd="sng" algn="ctr">
+                      <a:solidFill>
+                        <a:schemeClr val="tx1"/>
+                      </a:solidFill>
+                      <a:prstDash val="solid"/>
+                      <a:round/>
+                      <a:headEnd type="none" w="med" len="med"/>
+                      <a:tailEnd type="none" w="med" len="med"/>
+                    </a:lnT>
+                    <a:lnB w="12700" cap="flat" cmpd="sng" algn="ctr">
+                      <a:solidFill>
+                        <a:schemeClr val="tx1"/>
+                      </a:solidFill>
+                      <a:prstDash val="solid"/>
+                      <a:round/>
+                      <a:headEnd type="none" w="med" len="med"/>
+                      <a:tailEnd type="none" w="med" len="med"/>
+                    </a:lnB>
+                  </a:tcPr>
+                </a:tc>
+                <a:tc hMerge="1">
+                  <a:txBody>
+                    <a:bodyPr/>
+                    <a:lstStyle/>
+                    <a:p>
+                      <a:endParaRPr lang="zh-TW" altLang="en-US" dirty="0"/>
+                    </a:p>
+                  </a:txBody>
+                  <a:tcPr/>
+                </a:tc>
+                <a:tc hMerge="1">
+                  <a:txBody>
+                    <a:bodyPr/>
+                    <a:lstStyle/>
+                    <a:p>
+                      <a:endParaRPr lang="zh-TW" altLang="en-US" dirty="0"/>
+                    </a:p>
+                  </a:txBody>
+                  <a:tcPr/>
+                </a:tc>
+                <a:tc hMerge="1">
+                  <a:txBody>
+                    <a:bodyPr/>
+                    <a:lstStyle/>
+                    <a:p>
+                      <a:endParaRPr lang="zh-TW" altLang="en-US" dirty="0"/>
+                    </a:p>
+                  </a:txBody>
+                  <a:tcPr/>
+                </a:tc>
+                <a:tc hMerge="1">
+                  <a:txBody>
+                    <a:bodyPr/>
+                    <a:lstStyle/>
+                    <a:p>
+                      <a:endParaRPr lang="zh-TW" altLang="en-US" dirty="0"/>
+                    </a:p>
+                  </a:txBody>
+                  <a:tcPr/>
+                </a:tc>
+              </a:tr>
+              <a:tr h="360000">
+                <a:tc vMerge="1">
+                  <a:txBody>
+                    <a:bodyPr/>
+                    <a:lstStyle/>
+                    <a:p>
+                      <a:endParaRPr lang="zh-TW" altLang="en-US"/>
+                    </a:p>
+                  </a:txBody>
+                  <a:tcPr/>
+                </a:tc>
+                <a:tc>
+                  <a:txBody>
+                    <a:bodyPr/>
+                    <a:lstStyle/>
+                    <a:p>
+                      <a:pPr algn="ctr"/>
+                      <a:endParaRPr lang="zh-TW" altLang="en-US" dirty="0">
+                        <a:solidFill>
+                          <a:sysClr val="windowText" lastClr="000000"/>
+                        </a:solidFill>
+                      </a:endParaRPr>
+                    </a:p>
+                  </a:txBody>
+                  <a:tcPr>
+                    <a:lnL w="12700" cap="flat" cmpd="sng" algn="ctr">
+                      <a:solidFill>
+                        <a:schemeClr val="tx1"/>
+                      </a:solidFill>
+                      <a:prstDash val="solid"/>
+                      <a:round/>
+                      <a:headEnd type="none" w="med" len="med"/>
+                      <a:tailEnd type="none" w="med" len="med"/>
+                    </a:lnL>
+                    <a:lnT w="12700" cap="flat" cmpd="sng" algn="ctr">
+                      <a:solidFill>
+                        <a:schemeClr val="tx1"/>
+                      </a:solidFill>
+                      <a:prstDash val="solid"/>
+                      <a:round/>
+                      <a:headEnd type="none" w="med" len="med"/>
+                      <a:tailEnd type="none" w="med" len="med"/>
+                    </a:lnT>
+                  </a:tcPr>
+                </a:tc>
+                <a:tc>
+                  <a:txBody>
+                    <a:bodyPr/>
+                    <a:lstStyle/>
+                    <a:p>
+                      <a:pPr marL="0" marR="0" indent="0" algn="ctr" defTabSz="914400" rtl="0" eaLnBrk="1" fontAlgn="auto" latinLnBrk="0" hangingPunct="1">
+                        <a:lnSpc>
+                          <a:spcPct val="100000"/>
+                        </a:lnSpc>
+                        <a:spcBef>
+                          <a:spcPts val="0"/>
+                        </a:spcBef>
+                        <a:spcAft>
+                          <a:spcPts val="0"/>
+                        </a:spcAft>
+                        <a:buClrTx/>
+                        <a:buSzTx/>
+                        <a:buFontTx/>
+                        <a:buNone/>
+                        <a:tabLst/>
+                        <a:defRPr/>
+                      </a:pPr>
+                      <a:r>
+                        <a:rPr lang="en-US" altLang="zh-TW" dirty="0" smtClean="0">
+                          <a:solidFill>
+                            <a:sysClr val="windowText" lastClr="000000"/>
+                          </a:solidFill>
+                        </a:rPr>
+                        <a:t>-60</a:t>
+                      </a:r>
+                      <a:endParaRPr lang="zh-TW" altLang="en-US" dirty="0" smtClean="0">
+                        <a:solidFill>
+                          <a:sysClr val="windowText" lastClr="000000"/>
+                        </a:solidFill>
+                      </a:endParaRPr>
+                    </a:p>
+                  </a:txBody>
+                  <a:tcPr>
+                    <a:lnT w="12700" cap="flat" cmpd="sng" algn="ctr">
+                      <a:solidFill>
+                        <a:schemeClr val="tx1"/>
+                      </a:solidFill>
+                      <a:prstDash val="solid"/>
+                      <a:round/>
+                      <a:headEnd type="none" w="med" len="med"/>
+                      <a:tailEnd type="none" w="med" len="med"/>
+                    </a:lnT>
+                  </a:tcPr>
+                </a:tc>
+                <a:tc>
+                  <a:txBody>
+                    <a:bodyPr/>
+                    <a:lstStyle/>
+                    <a:p>
+                      <a:pPr marL="0" marR="0" indent="0" algn="ctr" defTabSz="914400" rtl="0" eaLnBrk="1" fontAlgn="auto" latinLnBrk="0" hangingPunct="1">
+                        <a:lnSpc>
+                          <a:spcPct val="100000"/>
+                        </a:lnSpc>
+                        <a:spcBef>
+                          <a:spcPts val="0"/>
+                        </a:spcBef>
+                        <a:spcAft>
+                          <a:spcPts val="0"/>
+                        </a:spcAft>
+                        <a:buClrTx/>
+                        <a:buSzTx/>
+                        <a:buFontTx/>
+                        <a:buNone/>
+                        <a:tabLst/>
+                        <a:defRPr/>
+                      </a:pPr>
+                      <a:r>
+                        <a:rPr lang="en-US" altLang="zh-TW" dirty="0" smtClean="0">
+                          <a:solidFill>
+                            <a:sysClr val="windowText" lastClr="000000"/>
+                          </a:solidFill>
+                        </a:rPr>
+                        <a:t>-58</a:t>
+                      </a:r>
+                      <a:endParaRPr lang="zh-TW" altLang="en-US" dirty="0" smtClean="0">
+                        <a:solidFill>
+                          <a:sysClr val="windowText" lastClr="000000"/>
+                        </a:solidFill>
+                      </a:endParaRPr>
+                    </a:p>
+                  </a:txBody>
+                  <a:tcPr>
+                    <a:lnT w="12700" cap="flat" cmpd="sng" algn="ctr">
+                      <a:solidFill>
+                        <a:schemeClr val="tx1"/>
+                      </a:solidFill>
+                      <a:prstDash val="solid"/>
+                      <a:round/>
+                      <a:headEnd type="none" w="med" len="med"/>
+                      <a:tailEnd type="none" w="med" len="med"/>
+                    </a:lnT>
+                  </a:tcPr>
+                </a:tc>
+                <a:tc>
+                  <a:txBody>
+                    <a:bodyPr/>
+                    <a:lstStyle/>
+                    <a:p>
+                      <a:pPr marL="0" marR="0" indent="0" algn="ctr" defTabSz="914400" rtl="0" eaLnBrk="1" fontAlgn="auto" latinLnBrk="0" hangingPunct="1">
+                        <a:lnSpc>
+                          <a:spcPct val="100000"/>
+                        </a:lnSpc>
+                        <a:spcBef>
+                          <a:spcPts val="0"/>
+                        </a:spcBef>
+                        <a:spcAft>
+                          <a:spcPts val="0"/>
+                        </a:spcAft>
+                        <a:buClrTx/>
+                        <a:buSzTx/>
+                        <a:buFontTx/>
+                        <a:buNone/>
+                        <a:tabLst/>
+                        <a:defRPr/>
+                      </a:pPr>
+                      <a:r>
+                        <a:rPr lang="en-US" altLang="zh-TW" dirty="0" smtClean="0">
+                          <a:solidFill>
+                            <a:sysClr val="windowText" lastClr="000000"/>
+                          </a:solidFill>
+                        </a:rPr>
+                        <a:t>-56</a:t>
+                      </a:r>
+                      <a:endParaRPr lang="zh-TW" altLang="en-US" dirty="0" smtClean="0">
+                        <a:solidFill>
+                          <a:sysClr val="windowText" lastClr="000000"/>
+                        </a:solidFill>
+                      </a:endParaRPr>
+                    </a:p>
+                  </a:txBody>
+                  <a:tcPr>
+                    <a:lnT w="12700" cap="flat" cmpd="sng" algn="ctr">
+                      <a:solidFill>
+                        <a:schemeClr val="tx1"/>
+                      </a:solidFill>
+                      <a:prstDash val="solid"/>
+                      <a:round/>
+                      <a:headEnd type="none" w="med" len="med"/>
+                      <a:tailEnd type="none" w="med" len="med"/>
+                    </a:lnT>
+                  </a:tcPr>
+                </a:tc>
+                <a:tc>
+                  <a:txBody>
+                    <a:bodyPr/>
+                    <a:lstStyle/>
+                    <a:p>
+                      <a:pPr marL="0" marR="0" indent="0" algn="ctr" defTabSz="914400" rtl="0" eaLnBrk="1" fontAlgn="auto" latinLnBrk="0" hangingPunct="1">
+                        <a:lnSpc>
+                          <a:spcPct val="100000"/>
+                        </a:lnSpc>
+                        <a:spcBef>
+                          <a:spcPts val="0"/>
+                        </a:spcBef>
+                        <a:spcAft>
+                          <a:spcPts val="0"/>
+                        </a:spcAft>
+                        <a:buClrTx/>
+                        <a:buSzTx/>
+                        <a:buFontTx/>
+                        <a:buNone/>
+                        <a:tabLst/>
+                        <a:defRPr/>
+                      </a:pPr>
+                      <a:r>
+                        <a:rPr lang="en-US" altLang="zh-TW" dirty="0" smtClean="0">
+                          <a:solidFill>
+                            <a:sysClr val="windowText" lastClr="000000"/>
+                          </a:solidFill>
+                        </a:rPr>
+                        <a:t>-54</a:t>
+                      </a:r>
+                      <a:endParaRPr lang="zh-TW" altLang="en-US" dirty="0" smtClean="0">
+                        <a:solidFill>
+                          <a:sysClr val="windowText" lastClr="000000"/>
+                        </a:solidFill>
+                      </a:endParaRPr>
+                    </a:p>
+                  </a:txBody>
+                  <a:tcPr>
+                    <a:lnT w="12700" cap="flat" cmpd="sng" algn="ctr">
+                      <a:solidFill>
+                        <a:schemeClr val="tx1"/>
+                      </a:solidFill>
+                      <a:prstDash val="solid"/>
+                      <a:round/>
+                      <a:headEnd type="none" w="med" len="med"/>
+                      <a:tailEnd type="none" w="med" len="med"/>
+                    </a:lnT>
+                  </a:tcPr>
+                </a:tc>
+                <a:tc>
+                  <a:txBody>
+                    <a:bodyPr/>
+                    <a:lstStyle/>
+                    <a:p>
+                      <a:pPr marL="0" marR="0" indent="0" algn="ctr" defTabSz="914400" rtl="0" eaLnBrk="1" fontAlgn="auto" latinLnBrk="0" hangingPunct="1">
+                        <a:lnSpc>
+                          <a:spcPct val="100000"/>
+                        </a:lnSpc>
+                        <a:spcBef>
+                          <a:spcPts val="0"/>
+                        </a:spcBef>
+                        <a:spcAft>
+                          <a:spcPts val="0"/>
+                        </a:spcAft>
+                        <a:buClrTx/>
+                        <a:buSzTx/>
+                        <a:buFontTx/>
+                        <a:buNone/>
+                        <a:tabLst/>
+                        <a:defRPr/>
+                      </a:pPr>
+                      <a:r>
+                        <a:rPr lang="en-US" altLang="zh-TW" dirty="0" smtClean="0">
+                          <a:solidFill>
+                            <a:sysClr val="windowText" lastClr="000000"/>
+                          </a:solidFill>
+                        </a:rPr>
+                        <a:t>……</a:t>
+                      </a:r>
+                      <a:endParaRPr lang="zh-TW" altLang="en-US" dirty="0" smtClean="0">
+                        <a:solidFill>
+                          <a:sysClr val="windowText" lastClr="000000"/>
+                        </a:solidFill>
+                      </a:endParaRPr>
+                    </a:p>
+                  </a:txBody>
+                  <a:tcPr>
+                    <a:lnR w="12700" cap="flat" cmpd="sng" algn="ctr">
+                      <a:solidFill>
+                        <a:schemeClr val="tx1"/>
+                      </a:solidFill>
+                      <a:prstDash val="solid"/>
+                      <a:round/>
+                      <a:headEnd type="none" w="med" len="med"/>
+                      <a:tailEnd type="none" w="med" len="med"/>
+                    </a:lnR>
+                    <a:lnT w="12700" cap="flat" cmpd="sng" algn="ctr">
+                      <a:solidFill>
+                        <a:schemeClr val="tx1"/>
+                      </a:solidFill>
+                      <a:prstDash val="solid"/>
+                      <a:round/>
+                      <a:headEnd type="none" w="med" len="med"/>
+                      <a:tailEnd type="none" w="med" len="med"/>
+                    </a:lnT>
+                  </a:tcPr>
+                </a:tc>
+              </a:tr>
+              <a:tr h="360000">
+                <a:tc vMerge="1">
+                  <a:txBody>
+                    <a:bodyPr/>
+                    <a:lstStyle/>
+                    <a:p>
+                      <a:endParaRPr lang="zh-TW" altLang="en-US" dirty="0"/>
+                    </a:p>
+                  </a:txBody>
+                  <a:tcPr/>
+                </a:tc>
+                <a:tc>
+                  <a:txBody>
+                    <a:bodyPr/>
+                    <a:lstStyle/>
+                    <a:p>
+                      <a:pPr algn="ctr"/>
+                      <a:r>
+                        <a:rPr lang="en-US" altLang="en-US" dirty="0" smtClean="0">
+                          <a:solidFill>
+                            <a:sysClr val="windowText" lastClr="000000"/>
+                          </a:solidFill>
+                        </a:rPr>
+                        <a:t>00:17:DF:AA:9B:A2</a:t>
+                      </a:r>
+                      <a:endParaRPr lang="zh-TW" altLang="en-US" dirty="0">
+                        <a:solidFill>
+                          <a:sysClr val="windowText" lastClr="000000"/>
+                        </a:solidFill>
+                      </a:endParaRPr>
+                    </a:p>
+                  </a:txBody>
+                  <a:tcPr>
+                    <a:lnL w="12700" cap="flat" cmpd="sng" algn="ctr">
+                      <a:solidFill>
+                        <a:schemeClr val="tx1"/>
+                      </a:solidFill>
+                      <a:prstDash val="solid"/>
+                      <a:round/>
+                      <a:headEnd type="none" w="med" len="med"/>
+                      <a:tailEnd type="none" w="med" len="med"/>
+                    </a:lnL>
+                  </a:tcPr>
+                </a:tc>
+                <a:tc>
+                  <a:txBody>
+                    <a:bodyPr/>
+                    <a:lstStyle/>
+                    <a:p>
+                      <a:pPr algn="ctr"/>
+                      <a:r>
+                        <a:rPr lang="en-US" altLang="zh-TW" dirty="0" smtClean="0">
+                          <a:solidFill>
+                            <a:sysClr val="windowText" lastClr="000000"/>
+                          </a:solidFill>
+                        </a:rPr>
+                        <a:t>0.00</a:t>
+                      </a:r>
+                      <a:endParaRPr lang="zh-TW" altLang="en-US" dirty="0">
+                        <a:solidFill>
+                          <a:sysClr val="windowText" lastClr="000000"/>
+                        </a:solidFill>
+                      </a:endParaRPr>
+                    </a:p>
+                  </a:txBody>
+                  <a:tcPr/>
+                </a:tc>
+                <a:tc>
+                  <a:txBody>
+                    <a:bodyPr/>
+                    <a:lstStyle/>
+                    <a:p>
+                      <a:pPr algn="ctr"/>
+                      <a:r>
+                        <a:rPr lang="en-US" altLang="zh-TW" dirty="0" smtClean="0">
+                          <a:solidFill>
+                            <a:sysClr val="windowText" lastClr="000000"/>
+                          </a:solidFill>
+                        </a:rPr>
+                        <a:t>0.00</a:t>
+                      </a:r>
+                      <a:endParaRPr lang="zh-TW" altLang="en-US" dirty="0">
+                        <a:solidFill>
+                          <a:sysClr val="windowText" lastClr="000000"/>
+                        </a:solidFill>
+                      </a:endParaRPr>
+                    </a:p>
+                  </a:txBody>
+                  <a:tcPr/>
+                </a:tc>
+                <a:tc>
+                  <a:txBody>
+                    <a:bodyPr/>
+                    <a:lstStyle/>
+                    <a:p>
+                      <a:pPr algn="ctr"/>
+                      <a:r>
+                        <a:rPr lang="en-US" altLang="zh-TW" dirty="0" smtClean="0">
+                          <a:solidFill>
+                            <a:sysClr val="windowText" lastClr="000000"/>
+                          </a:solidFill>
+                        </a:rPr>
+                        <a:t>0.02</a:t>
+                      </a:r>
+                      <a:endParaRPr lang="zh-TW" altLang="en-US" dirty="0">
+                        <a:solidFill>
+                          <a:sysClr val="windowText" lastClr="000000"/>
+                        </a:solidFill>
+                      </a:endParaRPr>
+                    </a:p>
+                  </a:txBody>
+                  <a:tcPr/>
+                </a:tc>
+                <a:tc>
+                  <a:txBody>
+                    <a:bodyPr/>
+                    <a:lstStyle/>
+                    <a:p>
+                      <a:pPr algn="ctr"/>
+                      <a:r>
+                        <a:rPr lang="en-US" altLang="zh-TW" dirty="0" smtClean="0">
+                          <a:solidFill>
+                            <a:sysClr val="windowText" lastClr="000000"/>
+                          </a:solidFill>
+                        </a:rPr>
+                        <a:t>0.10</a:t>
+                      </a:r>
+                      <a:endParaRPr lang="zh-TW" altLang="en-US" dirty="0">
+                        <a:solidFill>
+                          <a:sysClr val="windowText" lastClr="000000"/>
+                        </a:solidFill>
+                      </a:endParaRPr>
+                    </a:p>
+                  </a:txBody>
+                  <a:tcPr/>
+                </a:tc>
+                <a:tc>
+                  <a:txBody>
+                    <a:bodyPr/>
+                    <a:lstStyle/>
+                    <a:p>
+                      <a:pPr algn="ctr"/>
+                      <a:r>
+                        <a:rPr lang="en-US" altLang="zh-TW" dirty="0" smtClean="0">
+                          <a:solidFill>
+                            <a:sysClr val="windowText" lastClr="000000"/>
+                          </a:solidFill>
+                        </a:rPr>
+                        <a:t>……</a:t>
+                      </a:r>
+                      <a:endParaRPr lang="zh-TW" altLang="en-US" dirty="0">
+                        <a:solidFill>
+                          <a:sysClr val="windowText" lastClr="000000"/>
+                        </a:solidFill>
+                      </a:endParaRPr>
+                    </a:p>
+                  </a:txBody>
+                  <a:tcPr>
+                    <a:lnR w="12700" cap="flat" cmpd="sng" algn="ctr">
+                      <a:solidFill>
+                        <a:schemeClr val="tx1"/>
+                      </a:solidFill>
+                      <a:prstDash val="solid"/>
+                      <a:round/>
+                      <a:headEnd type="none" w="med" len="med"/>
+                      <a:tailEnd type="none" w="med" len="med"/>
+                    </a:lnR>
+                  </a:tcPr>
+                </a:tc>
+              </a:tr>
+              <a:tr h="360000">
+                <a:tc vMerge="1">
+                  <a:txBody>
+                    <a:bodyPr/>
+                    <a:lstStyle/>
+                    <a:p>
+                      <a:endParaRPr lang="zh-TW" altLang="en-US" dirty="0"/>
+                    </a:p>
+                  </a:txBody>
+                  <a:tcPr/>
+                </a:tc>
+                <a:tc>
+                  <a:txBody>
+                    <a:bodyPr/>
+                    <a:lstStyle/>
+                    <a:p>
+                      <a:pPr algn="ctr"/>
+                      <a:r>
+                        <a:rPr lang="en-US" altLang="en-US" dirty="0" smtClean="0">
+                          <a:solidFill>
+                            <a:sysClr val="windowText" lastClr="000000"/>
+                          </a:solidFill>
+                        </a:rPr>
+                        <a:t>00:23:EB:0B:4F:F5 </a:t>
+                      </a:r>
+                      <a:endParaRPr lang="zh-TW" altLang="en-US" dirty="0">
+                        <a:solidFill>
+                          <a:sysClr val="windowText" lastClr="000000"/>
+                        </a:solidFill>
+                      </a:endParaRPr>
+                    </a:p>
+                  </a:txBody>
+                  <a:tcPr>
+                    <a:lnL w="12700" cap="flat" cmpd="sng" algn="ctr">
+                      <a:solidFill>
+                        <a:schemeClr val="tx1"/>
+                      </a:solidFill>
+                      <a:prstDash val="solid"/>
+                      <a:round/>
+                      <a:headEnd type="none" w="med" len="med"/>
+                      <a:tailEnd type="none" w="med" len="med"/>
+                    </a:lnL>
+                  </a:tcPr>
+                </a:tc>
+                <a:tc>
+                  <a:txBody>
+                    <a:bodyPr/>
+                    <a:lstStyle/>
+                    <a:p>
+                      <a:pPr algn="ctr"/>
+                      <a:r>
+                        <a:rPr lang="en-US" altLang="zh-TW" dirty="0" smtClean="0">
+                          <a:solidFill>
+                            <a:sysClr val="windowText" lastClr="000000"/>
+                          </a:solidFill>
+                        </a:rPr>
+                        <a:t>0.02</a:t>
+                      </a:r>
+                      <a:endParaRPr lang="zh-TW" altLang="en-US" dirty="0">
+                        <a:solidFill>
+                          <a:sysClr val="windowText" lastClr="000000"/>
+                        </a:solidFill>
+                      </a:endParaRPr>
+                    </a:p>
+                  </a:txBody>
+                  <a:tcPr/>
+                </a:tc>
+                <a:tc>
+                  <a:txBody>
+                    <a:bodyPr/>
+                    <a:lstStyle/>
+                    <a:p>
+                      <a:pPr algn="ctr"/>
+                      <a:r>
+                        <a:rPr lang="en-US" altLang="zh-TW" dirty="0" smtClean="0">
+                          <a:solidFill>
+                            <a:sysClr val="windowText" lastClr="000000"/>
+                          </a:solidFill>
+                        </a:rPr>
+                        <a:t>0.11</a:t>
+                      </a:r>
+                      <a:endParaRPr lang="zh-TW" altLang="en-US" dirty="0">
+                        <a:solidFill>
+                          <a:sysClr val="windowText" lastClr="000000"/>
+                        </a:solidFill>
+                      </a:endParaRPr>
+                    </a:p>
+                  </a:txBody>
+                  <a:tcPr/>
+                </a:tc>
+                <a:tc>
+                  <a:txBody>
+                    <a:bodyPr/>
+                    <a:lstStyle/>
+                    <a:p>
+                      <a:pPr algn="ctr"/>
+                      <a:r>
+                        <a:rPr lang="en-US" altLang="zh-TW" dirty="0" smtClean="0">
+                          <a:solidFill>
+                            <a:sysClr val="windowText" lastClr="000000"/>
+                          </a:solidFill>
+                        </a:rPr>
+                        <a:t>0.25</a:t>
+                      </a:r>
+                      <a:endParaRPr lang="zh-TW" altLang="en-US" dirty="0">
+                        <a:solidFill>
+                          <a:sysClr val="windowText" lastClr="000000"/>
+                        </a:solidFill>
+                      </a:endParaRPr>
+                    </a:p>
+                  </a:txBody>
+                  <a:tcPr/>
+                </a:tc>
+                <a:tc>
+                  <a:txBody>
+                    <a:bodyPr/>
+                    <a:lstStyle/>
+                    <a:p>
+                      <a:pPr algn="ctr"/>
+                      <a:r>
+                        <a:rPr lang="en-US" altLang="zh-TW" dirty="0" smtClean="0">
+                          <a:solidFill>
+                            <a:sysClr val="windowText" lastClr="000000"/>
+                          </a:solidFill>
+                        </a:rPr>
+                        <a:t>0.20</a:t>
+                      </a:r>
+                      <a:endParaRPr lang="zh-TW" altLang="en-US" dirty="0">
+                        <a:solidFill>
+                          <a:sysClr val="windowText" lastClr="000000"/>
+                        </a:solidFill>
+                      </a:endParaRPr>
+                    </a:p>
+                  </a:txBody>
+                  <a:tcPr/>
+                </a:tc>
+                <a:tc>
+                  <a:txBody>
+                    <a:bodyPr/>
+                    <a:lstStyle/>
+                    <a:p>
+                      <a:pPr algn="ctr"/>
+                      <a:r>
+                        <a:rPr lang="en-US" altLang="zh-TW" dirty="0" smtClean="0">
+                          <a:solidFill>
+                            <a:sysClr val="windowText" lastClr="000000"/>
+                          </a:solidFill>
+                        </a:rPr>
+                        <a:t>……</a:t>
+                      </a:r>
+                      <a:endParaRPr lang="zh-TW" altLang="en-US" dirty="0">
+                        <a:solidFill>
+                          <a:sysClr val="windowText" lastClr="000000"/>
+                        </a:solidFill>
+                      </a:endParaRPr>
+                    </a:p>
+                  </a:txBody>
+                  <a:tcPr>
+                    <a:lnR w="12700" cap="flat" cmpd="sng" algn="ctr">
+                      <a:solidFill>
+                        <a:schemeClr val="tx1"/>
+                      </a:solidFill>
+                      <a:prstDash val="solid"/>
+                      <a:round/>
+                      <a:headEnd type="none" w="med" len="med"/>
+                      <a:tailEnd type="none" w="med" len="med"/>
+                    </a:lnR>
+                  </a:tcPr>
+                </a:tc>
+              </a:tr>
+              <a:tr h="360000">
+                <a:tc vMerge="1">
+                  <a:txBody>
+                    <a:bodyPr/>
+                    <a:lstStyle/>
+                    <a:p>
+                      <a:endParaRPr lang="zh-TW" altLang="en-US" dirty="0"/>
+                    </a:p>
+                  </a:txBody>
+                  <a:tcPr/>
+                </a:tc>
+                <a:tc>
+                  <a:txBody>
+                    <a:bodyPr/>
+                    <a:lstStyle/>
+                    <a:p>
+                      <a:pPr algn="ctr"/>
+                      <a:r>
+                        <a:rPr lang="en-US" altLang="en-US" dirty="0" smtClean="0">
+                          <a:solidFill>
+                            <a:sysClr val="windowText" lastClr="000000"/>
+                          </a:solidFill>
+                        </a:rPr>
+                        <a:t>00:23:EB:0B:51:55</a:t>
+                      </a:r>
+                      <a:endParaRPr lang="zh-TW" altLang="en-US" dirty="0">
+                        <a:solidFill>
+                          <a:sysClr val="windowText" lastClr="000000"/>
+                        </a:solidFill>
+                      </a:endParaRPr>
+                    </a:p>
+                  </a:txBody>
+                  <a:tcPr>
+                    <a:lnL w="12700" cap="flat" cmpd="sng" algn="ctr">
+                      <a:solidFill>
+                        <a:schemeClr val="tx1"/>
+                      </a:solidFill>
+                      <a:prstDash val="solid"/>
+                      <a:round/>
+                      <a:headEnd type="none" w="med" len="med"/>
+                      <a:tailEnd type="none" w="med" len="med"/>
+                    </a:lnL>
+                  </a:tcPr>
+                </a:tc>
+                <a:tc>
+                  <a:txBody>
+                    <a:bodyPr/>
+                    <a:lstStyle/>
+                    <a:p>
+                      <a:pPr algn="ctr"/>
+                      <a:r>
+                        <a:rPr lang="en-US" altLang="zh-TW" dirty="0" smtClean="0">
+                          <a:solidFill>
+                            <a:sysClr val="windowText" lastClr="000000"/>
+                          </a:solidFill>
+                        </a:rPr>
+                        <a:t>0.01</a:t>
+                      </a:r>
+                      <a:endParaRPr lang="zh-TW" altLang="en-US" dirty="0">
+                        <a:solidFill>
+                          <a:sysClr val="windowText" lastClr="000000"/>
+                        </a:solidFill>
+                      </a:endParaRPr>
+                    </a:p>
+                  </a:txBody>
+                  <a:tcPr/>
+                </a:tc>
+                <a:tc>
+                  <a:txBody>
+                    <a:bodyPr/>
+                    <a:lstStyle/>
+                    <a:p>
+                      <a:pPr algn="ctr"/>
+                      <a:r>
+                        <a:rPr lang="en-US" altLang="zh-TW" dirty="0" smtClean="0">
+                          <a:solidFill>
+                            <a:sysClr val="windowText" lastClr="000000"/>
+                          </a:solidFill>
+                        </a:rPr>
+                        <a:t>0.23</a:t>
+                      </a:r>
+                      <a:endParaRPr lang="zh-TW" altLang="en-US" dirty="0">
+                        <a:solidFill>
+                          <a:sysClr val="windowText" lastClr="000000"/>
+                        </a:solidFill>
+                      </a:endParaRPr>
+                    </a:p>
+                  </a:txBody>
+                  <a:tcPr/>
+                </a:tc>
+                <a:tc>
+                  <a:txBody>
+                    <a:bodyPr/>
+                    <a:lstStyle/>
+                    <a:p>
+                      <a:pPr algn="ctr"/>
+                      <a:r>
+                        <a:rPr lang="en-US" altLang="zh-TW" dirty="0" smtClean="0">
+                          <a:solidFill>
+                            <a:sysClr val="windowText" lastClr="000000"/>
+                          </a:solidFill>
+                        </a:rPr>
+                        <a:t>0.18</a:t>
+                      </a:r>
+                      <a:endParaRPr lang="zh-TW" altLang="en-US" dirty="0">
+                        <a:solidFill>
+                          <a:sysClr val="windowText" lastClr="000000"/>
+                        </a:solidFill>
+                      </a:endParaRPr>
+                    </a:p>
+                  </a:txBody>
+                  <a:tcPr/>
+                </a:tc>
+                <a:tc>
+                  <a:txBody>
+                    <a:bodyPr/>
+                    <a:lstStyle/>
+                    <a:p>
+                      <a:pPr algn="ctr"/>
+                      <a:r>
+                        <a:rPr lang="en-US" altLang="zh-TW" dirty="0" smtClean="0">
+                          <a:solidFill>
+                            <a:sysClr val="windowText" lastClr="000000"/>
+                          </a:solidFill>
+                        </a:rPr>
+                        <a:t>0.02</a:t>
+                      </a:r>
+                      <a:endParaRPr lang="zh-TW" altLang="en-US" dirty="0">
+                        <a:solidFill>
+                          <a:sysClr val="windowText" lastClr="000000"/>
+                        </a:solidFill>
+                      </a:endParaRPr>
+                    </a:p>
+                  </a:txBody>
+                  <a:tcPr/>
+                </a:tc>
+                <a:tc>
+                  <a:txBody>
+                    <a:bodyPr/>
+                    <a:lstStyle/>
+                    <a:p>
+                      <a:pPr algn="ctr"/>
+                      <a:r>
+                        <a:rPr lang="en-US" altLang="zh-TW" dirty="0" smtClean="0">
+                          <a:solidFill>
+                            <a:sysClr val="windowText" lastClr="000000"/>
+                          </a:solidFill>
+                        </a:rPr>
+                        <a:t>……</a:t>
+                      </a:r>
+                      <a:endParaRPr lang="zh-TW" altLang="en-US" dirty="0">
+                        <a:solidFill>
+                          <a:sysClr val="windowText" lastClr="000000"/>
+                        </a:solidFill>
+                      </a:endParaRPr>
+                    </a:p>
+                  </a:txBody>
+                  <a:tcPr>
+                    <a:lnR w="12700" cap="flat" cmpd="sng" algn="ctr">
+                      <a:solidFill>
+                        <a:schemeClr val="tx1"/>
+                      </a:solidFill>
+                      <a:prstDash val="solid"/>
+                      <a:round/>
+                      <a:headEnd type="none" w="med" len="med"/>
+                      <a:tailEnd type="none" w="med" len="med"/>
+                    </a:lnR>
+                  </a:tcPr>
+                </a:tc>
+              </a:tr>
+              <a:tr h="360000">
+                <a:tc vMerge="1">
+                  <a:txBody>
+                    <a:bodyPr/>
+                    <a:lstStyle/>
+                    <a:p>
+                      <a:endParaRPr lang="zh-TW" altLang="en-US" dirty="0"/>
+                    </a:p>
+                  </a:txBody>
+                  <a:tcPr/>
+                </a:tc>
+                <a:tc>
+                  <a:txBody>
+                    <a:bodyPr/>
+                    <a:lstStyle/>
+                    <a:p>
+                      <a:pPr algn="ctr"/>
+                      <a:r>
+                        <a:rPr lang="en-US" altLang="en-US" dirty="0" smtClean="0">
+                          <a:solidFill>
+                            <a:sysClr val="windowText" lastClr="000000"/>
+                          </a:solidFill>
+                        </a:rPr>
+                        <a:t>……</a:t>
+                      </a:r>
+                      <a:endParaRPr lang="zh-TW" altLang="en-US" dirty="0">
+                        <a:solidFill>
+                          <a:sysClr val="windowText" lastClr="000000"/>
+                        </a:solidFill>
+                      </a:endParaRPr>
+                    </a:p>
+                  </a:txBody>
+                  <a:tcPr>
+                    <a:lnL w="12700" cap="flat" cmpd="sng" algn="ctr">
+                      <a:solidFill>
+                        <a:schemeClr val="tx1"/>
+                      </a:solidFill>
+                      <a:prstDash val="solid"/>
+                      <a:round/>
+                      <a:headEnd type="none" w="med" len="med"/>
+                      <a:tailEnd type="none" w="med" len="med"/>
+                    </a:lnL>
+                    <a:lnB w="12700" cap="flat" cmpd="sng" algn="ctr">
+                      <a:solidFill>
+                        <a:schemeClr val="tx1"/>
+                      </a:solidFill>
+                      <a:prstDash val="solid"/>
+                      <a:round/>
+                      <a:headEnd type="none" w="med" len="med"/>
+                      <a:tailEnd type="none" w="med" len="med"/>
+                    </a:lnB>
+                  </a:tcPr>
+                </a:tc>
+                <a:tc>
+                  <a:txBody>
+                    <a:bodyPr/>
+                    <a:lstStyle/>
+                    <a:p>
+                      <a:pPr marL="0" marR="0" indent="0" algn="ctr" defTabSz="914400" rtl="0" eaLnBrk="1" fontAlgn="auto" latinLnBrk="0" hangingPunct="1">
+                        <a:lnSpc>
+                          <a:spcPct val="100000"/>
+                        </a:lnSpc>
+                        <a:spcBef>
+                          <a:spcPts val="0"/>
+                        </a:spcBef>
+                        <a:spcAft>
+                          <a:spcPts val="0"/>
+                        </a:spcAft>
+                        <a:buClrTx/>
+                        <a:buSzTx/>
+                        <a:buFontTx/>
+                        <a:buNone/>
+                        <a:tabLst/>
+                        <a:defRPr/>
+                      </a:pPr>
+                      <a:r>
+                        <a:rPr lang="en-US" altLang="en-US" dirty="0" smtClean="0">
+                          <a:solidFill>
+                            <a:sysClr val="windowText" lastClr="000000"/>
+                          </a:solidFill>
+                        </a:rPr>
+                        <a:t>……</a:t>
+                      </a:r>
+                      <a:endParaRPr lang="zh-TW" altLang="en-US" dirty="0" smtClean="0">
+                        <a:solidFill>
+                          <a:sysClr val="windowText" lastClr="000000"/>
+                        </a:solidFill>
+                      </a:endParaRPr>
+                    </a:p>
+                  </a:txBody>
+                  <a:tcPr>
+                    <a:lnB w="12700" cap="flat" cmpd="sng" algn="ctr">
+                      <a:solidFill>
+                        <a:schemeClr val="tx1"/>
+                      </a:solidFill>
+                      <a:prstDash val="solid"/>
+                      <a:round/>
+                      <a:headEnd type="none" w="med" len="med"/>
+                      <a:tailEnd type="none" w="med" len="med"/>
+                    </a:lnB>
+                  </a:tcPr>
+                </a:tc>
+                <a:tc>
+                  <a:txBody>
+                    <a:bodyPr/>
+                    <a:lstStyle/>
+                    <a:p>
+                      <a:pPr marL="0" marR="0" indent="0" algn="ctr" defTabSz="914400" rtl="0" eaLnBrk="1" fontAlgn="auto" latinLnBrk="0" hangingPunct="1">
+                        <a:lnSpc>
+                          <a:spcPct val="100000"/>
+                        </a:lnSpc>
+                        <a:spcBef>
+                          <a:spcPts val="0"/>
+                        </a:spcBef>
+                        <a:spcAft>
+                          <a:spcPts val="0"/>
+                        </a:spcAft>
+                        <a:buClrTx/>
+                        <a:buSzTx/>
+                        <a:buFontTx/>
+                        <a:buNone/>
+                        <a:tabLst/>
+                        <a:defRPr/>
+                      </a:pPr>
+                      <a:r>
+                        <a:rPr lang="en-US" altLang="en-US" dirty="0" smtClean="0">
+                          <a:solidFill>
+                            <a:sysClr val="windowText" lastClr="000000"/>
+                          </a:solidFill>
+                        </a:rPr>
+                        <a:t>……</a:t>
+                      </a:r>
+                      <a:endParaRPr lang="zh-TW" altLang="en-US" dirty="0" smtClean="0">
+                        <a:solidFill>
+                          <a:sysClr val="windowText" lastClr="000000"/>
+                        </a:solidFill>
+                      </a:endParaRPr>
+                    </a:p>
+                  </a:txBody>
+                  <a:tcPr>
+                    <a:lnB w="12700" cap="flat" cmpd="sng" algn="ctr">
+                      <a:solidFill>
+                        <a:schemeClr val="tx1"/>
+                      </a:solidFill>
+                      <a:prstDash val="solid"/>
+                      <a:round/>
+                      <a:headEnd type="none" w="med" len="med"/>
+                      <a:tailEnd type="none" w="med" len="med"/>
+                    </a:lnB>
+                  </a:tcPr>
+                </a:tc>
+                <a:tc>
+                  <a:txBody>
+                    <a:bodyPr/>
+                    <a:lstStyle/>
+                    <a:p>
+                      <a:pPr marL="0" marR="0" indent="0" algn="ctr" defTabSz="914400" rtl="0" eaLnBrk="1" fontAlgn="auto" latinLnBrk="0" hangingPunct="1">
+                        <a:lnSpc>
+                          <a:spcPct val="100000"/>
+                        </a:lnSpc>
+                        <a:spcBef>
+                          <a:spcPts val="0"/>
+                        </a:spcBef>
+                        <a:spcAft>
+                          <a:spcPts val="0"/>
+                        </a:spcAft>
+                        <a:buClrTx/>
+                        <a:buSzTx/>
+                        <a:buFontTx/>
+                        <a:buNone/>
+                        <a:tabLst/>
+                        <a:defRPr/>
+                      </a:pPr>
+                      <a:r>
+                        <a:rPr lang="en-US" altLang="en-US" dirty="0" smtClean="0">
+                          <a:solidFill>
+                            <a:sysClr val="windowText" lastClr="000000"/>
+                          </a:solidFill>
+                        </a:rPr>
+                        <a:t>……</a:t>
+                      </a:r>
+                      <a:endParaRPr lang="zh-TW" altLang="en-US" dirty="0" smtClean="0">
+                        <a:solidFill>
+                          <a:sysClr val="windowText" lastClr="000000"/>
+                        </a:solidFill>
+                      </a:endParaRPr>
+                    </a:p>
+                  </a:txBody>
+                  <a:tcPr>
+                    <a:lnB w="12700" cap="flat" cmpd="sng" algn="ctr">
+                      <a:solidFill>
+                        <a:schemeClr val="tx1"/>
+                      </a:solidFill>
+                      <a:prstDash val="solid"/>
+                      <a:round/>
+                      <a:headEnd type="none" w="med" len="med"/>
+                      <a:tailEnd type="none" w="med" len="med"/>
+                    </a:lnB>
+                  </a:tcPr>
+                </a:tc>
+                <a:tc>
+                  <a:txBody>
+                    <a:bodyPr/>
+                    <a:lstStyle/>
+                    <a:p>
+                      <a:pPr marL="0" marR="0" indent="0" algn="ctr" defTabSz="914400" rtl="0" eaLnBrk="1" fontAlgn="auto" latinLnBrk="0" hangingPunct="1">
+                        <a:lnSpc>
+                          <a:spcPct val="100000"/>
+                        </a:lnSpc>
+                        <a:spcBef>
+                          <a:spcPts val="0"/>
+                        </a:spcBef>
+                        <a:spcAft>
+                          <a:spcPts val="0"/>
+                        </a:spcAft>
+                        <a:buClrTx/>
+                        <a:buSzTx/>
+                        <a:buFontTx/>
+                        <a:buNone/>
+                        <a:tabLst/>
+                        <a:defRPr/>
+                      </a:pPr>
+                      <a:r>
+                        <a:rPr lang="en-US" altLang="en-US" dirty="0" smtClean="0">
+                          <a:solidFill>
+                            <a:sysClr val="windowText" lastClr="000000"/>
+                          </a:solidFill>
+                        </a:rPr>
+                        <a:t>……</a:t>
+                      </a:r>
+                      <a:endParaRPr lang="zh-TW" altLang="en-US" dirty="0" smtClean="0">
+                        <a:solidFill>
+                          <a:sysClr val="windowText" lastClr="000000"/>
+                        </a:solidFill>
+                      </a:endParaRPr>
+                    </a:p>
+                  </a:txBody>
+                  <a:tcPr>
+                    <a:lnB w="12700" cap="flat" cmpd="sng" algn="ctr">
+                      <a:solidFill>
+                        <a:schemeClr val="tx1"/>
+                      </a:solidFill>
+                      <a:prstDash val="solid"/>
+                      <a:round/>
+                      <a:headEnd type="none" w="med" len="med"/>
+                      <a:tailEnd type="none" w="med" len="med"/>
+                    </a:lnB>
+                  </a:tcPr>
+                </a:tc>
+                <a:tc>
+                  <a:txBody>
+                    <a:bodyPr/>
+                    <a:lstStyle/>
+                    <a:p>
+                      <a:pPr marL="0" marR="0" indent="0" algn="ctr" defTabSz="914400" rtl="0" eaLnBrk="1" fontAlgn="auto" latinLnBrk="0" hangingPunct="1">
+                        <a:lnSpc>
+                          <a:spcPct val="100000"/>
+                        </a:lnSpc>
+                        <a:spcBef>
+                          <a:spcPts val="0"/>
+                        </a:spcBef>
+                        <a:spcAft>
+                          <a:spcPts val="0"/>
+                        </a:spcAft>
+                        <a:buClrTx/>
+                        <a:buSzTx/>
+                        <a:buFontTx/>
+                        <a:buNone/>
+                        <a:tabLst/>
+                        <a:defRPr/>
+                      </a:pPr>
+                      <a:r>
+                        <a:rPr lang="en-US" altLang="en-US" dirty="0" smtClean="0">
+                          <a:solidFill>
+                            <a:sysClr val="windowText" lastClr="000000"/>
+                          </a:solidFill>
+                        </a:rPr>
+                        <a:t>……</a:t>
+                      </a:r>
+                      <a:endParaRPr lang="zh-TW" altLang="en-US" dirty="0" smtClean="0">
+                        <a:solidFill>
+                          <a:sysClr val="windowText" lastClr="000000"/>
+                        </a:solidFill>
+                      </a:endParaRPr>
+                    </a:p>
+                  </a:txBody>
+                  <a:tcPr>
+                    <a:lnR w="12700" cap="flat" cmpd="sng" algn="ctr">
+                      <a:solidFill>
+                        <a:schemeClr val="tx1"/>
+                      </a:solidFill>
+                      <a:prstDash val="solid"/>
+                      <a:round/>
+                      <a:headEnd type="none" w="med" len="med"/>
+                      <a:tailEnd type="none" w="med" len="med"/>
+                    </a:lnR>
+                    <a:lnB w="12700" cap="flat" cmpd="sng" algn="ctr">
+                      <a:solidFill>
+                        <a:schemeClr val="tx1"/>
+                      </a:solidFill>
+                      <a:prstDash val="solid"/>
+                      <a:round/>
+                      <a:headEnd type="none" w="med" len="med"/>
+                      <a:tailEnd type="none" w="med" len="med"/>
+                    </a:lnB>
+                  </a:tcPr>
+                </a:tc>
+              </a:tr>
+            </a:tbl>
           </a:graphicData>
         </a:graphic>
       </p:graphicFrame>
+      <p:sp>
+        <p:nvSpPr>
+          <p:cNvPr id="4" name="投影片編號版面配置區 3"/>
+          <p:cNvSpPr>
+            <a:spLocks noGrp="1"/>
+          </p:cNvSpPr>
+          <p:nvPr>
+            <p:ph type="sldNum" sz="quarter" idx="12"/>
+          </p:nvPr>
+        </p:nvSpPr>
+        <p:spPr/>
+        <p:txBody>
+          <a:bodyPr/>
+          <a:lstStyle/>
+          <a:p>
+            <a:fld id="{B523725E-FDDB-480E-8C18-9D919B659407}" type="slidenum">
+              <a:rPr lang="zh-TW" altLang="en-US" smtClean="0"/>
+              <a:pPr/>
+              <a:t>9</a:t>
+            </a:fld>
+            <a:endParaRPr lang="zh-TW" altLang="en-US"/>
+          </a:p>
+        </p:txBody>
+      </p:sp>
+      <p:sp>
+        <p:nvSpPr>
+          <p:cNvPr id="6" name="文字方塊 5"/>
+          <p:cNvSpPr txBox="1"/>
+          <p:nvPr/>
+        </p:nvSpPr>
+        <p:spPr>
+          <a:xfrm>
+            <a:off x="428596" y="1142984"/>
+            <a:ext cx="1958700" cy="646331"/>
+          </a:xfrm>
+          <a:prstGeom prst="rect">
+            <a:avLst/>
+          </a:prstGeom>
+          <a:solidFill>
+            <a:srgbClr val="92D050"/>
+          </a:solidFill>
+        </p:spPr>
+        <p:txBody>
+          <a:bodyPr wrap="square" rtlCol="0">
+            <a:spAutoFit/>
+          </a:bodyPr>
+          <a:lstStyle/>
+          <a:p>
+            <a:r>
+              <a:rPr lang="en-US" altLang="zh-TW" dirty="0" smtClean="0"/>
+              <a:t>Grid Cell 82</a:t>
+            </a:r>
+          </a:p>
+          <a:p>
+            <a:r>
+              <a:rPr lang="en-US" altLang="zh-TW" dirty="0" smtClean="0"/>
+              <a:t>RSSI Profiles</a:t>
+            </a:r>
+            <a:endParaRPr lang="zh-TW" altLang="en-US" dirty="0"/>
+          </a:p>
+        </p:txBody>
+      </p:sp>
+      <p:graphicFrame>
+        <p:nvGraphicFramePr>
+          <p:cNvPr id="7" name="內容版面配置區 4"/>
+          <p:cNvGraphicFramePr>
+            <a:graphicFrameLocks/>
+          </p:cNvGraphicFramePr>
+          <p:nvPr/>
+        </p:nvGraphicFramePr>
+        <p:xfrm>
+          <a:off x="428596" y="3500438"/>
+          <a:ext cx="8215371" cy="2194560"/>
+        </p:xfrm>
+        <a:graphic>
+          <a:graphicData uri="http://schemas.openxmlformats.org/drawingml/2006/table">
+            <a:tbl>
+              <a:tblPr firstRow="1" bandRow="1">
+                <a:tableStyleId>{2D5ABB26-0587-4C30-8999-92F81FD0307C}</a:tableStyleId>
+              </a:tblPr>
+              <a:tblGrid>
+                <a:gridCol w="1043823"/>
+                <a:gridCol w="2087643"/>
+                <a:gridCol w="1016781"/>
+                <a:gridCol w="1016781"/>
+                <a:gridCol w="1016781"/>
+                <a:gridCol w="1016781"/>
+                <a:gridCol w="1016781"/>
+              </a:tblGrid>
+              <a:tr h="347255">
+                <a:tc rowSpan="6">
+                  <a:txBody>
+                    <a:bodyPr/>
+                    <a:lstStyle/>
+                    <a:p>
+                      <a:pPr algn="ctr"/>
+                      <a:endParaRPr lang="en-US" altLang="zh-TW" dirty="0" smtClean="0">
+                        <a:solidFill>
+                          <a:sysClr val="windowText" lastClr="000000"/>
+                        </a:solidFill>
+                      </a:endParaRPr>
+                    </a:p>
+                    <a:p>
+                      <a:pPr algn="ctr"/>
+                      <a:endParaRPr lang="en-US" altLang="zh-TW" dirty="0" smtClean="0">
+                        <a:solidFill>
+                          <a:sysClr val="windowText" lastClr="000000"/>
+                        </a:solidFill>
+                      </a:endParaRPr>
+                    </a:p>
+                    <a:p>
+                      <a:pPr algn="ctr"/>
+                      <a:endParaRPr lang="en-US" altLang="zh-TW" dirty="0" smtClean="0">
+                        <a:solidFill>
+                          <a:sysClr val="windowText" lastClr="000000"/>
+                        </a:solidFill>
+                      </a:endParaRPr>
+                    </a:p>
+                    <a:p>
+                      <a:pPr algn="ctr"/>
+                      <a:endParaRPr lang="en-US" altLang="zh-TW" dirty="0" smtClean="0">
+                        <a:solidFill>
+                          <a:sysClr val="windowText" lastClr="000000"/>
+                        </a:solidFill>
+                      </a:endParaRPr>
+                    </a:p>
+                    <a:p>
+                      <a:pPr algn="ctr"/>
+                      <a:r>
+                        <a:rPr lang="en-US" altLang="zh-TW" dirty="0" smtClean="0">
+                          <a:solidFill>
+                            <a:sysClr val="windowText" lastClr="000000"/>
+                          </a:solidFill>
+                        </a:rPr>
+                        <a:t>Mac</a:t>
+                      </a:r>
+                      <a:r>
+                        <a:rPr lang="en-US" altLang="zh-TW" baseline="0" dirty="0" smtClean="0">
+                          <a:solidFill>
+                            <a:sysClr val="windowText" lastClr="000000"/>
+                          </a:solidFill>
+                        </a:rPr>
+                        <a:t> Address</a:t>
+                      </a:r>
+                      <a:endParaRPr lang="zh-TW" altLang="en-US" dirty="0">
+                        <a:solidFill>
+                          <a:sysClr val="windowText" lastClr="000000"/>
+                        </a:solidFill>
+                      </a:endParaRPr>
+                    </a:p>
+                  </a:txBody>
+                  <a:tcPr>
+                    <a:lnL w="12700" cap="flat" cmpd="sng" algn="ctr">
+                      <a:solidFill>
+                        <a:schemeClr val="tx1"/>
+                      </a:solidFill>
+                      <a:prstDash val="solid"/>
+                      <a:round/>
+                      <a:headEnd type="none" w="med" len="med"/>
+                      <a:tailEnd type="none" w="med" len="med"/>
+                    </a:lnL>
+                    <a:lnR w="12700" cap="flat" cmpd="sng" algn="ctr">
+                      <a:solidFill>
+                        <a:schemeClr val="tx1"/>
+                      </a:solidFill>
+                      <a:prstDash val="solid"/>
+                      <a:round/>
+                      <a:headEnd type="none" w="med" len="med"/>
+                      <a:tailEnd type="none" w="med" len="med"/>
+                    </a:lnR>
+                    <a:lnT w="12700" cap="flat" cmpd="sng" algn="ctr">
+                      <a:solidFill>
+                        <a:schemeClr val="tx1"/>
+                      </a:solidFill>
+                      <a:prstDash val="solid"/>
+                      <a:round/>
+                      <a:headEnd type="none" w="med" len="med"/>
+                      <a:tailEnd type="none" w="med" len="med"/>
+                    </a:lnT>
+                    <a:lnB w="12700" cap="flat" cmpd="sng" algn="ctr">
+                      <a:solidFill>
+                        <a:schemeClr val="tx1"/>
+                      </a:solidFill>
+                      <a:prstDash val="solid"/>
+                      <a:round/>
+                      <a:headEnd type="none" w="med" len="med"/>
+                      <a:tailEnd type="none" w="med" len="med"/>
+                    </a:lnB>
+                  </a:tcPr>
+                </a:tc>
+                <a:tc>
+                  <a:txBody>
+                    <a:bodyPr/>
+                    <a:lstStyle/>
+                    <a:p>
+                      <a:pPr algn="ctr"/>
+                      <a:endParaRPr lang="zh-TW" altLang="en-US" dirty="0">
+                        <a:solidFill>
+                          <a:sysClr val="windowText" lastClr="000000"/>
+                        </a:solidFill>
+                      </a:endParaRPr>
+                    </a:p>
+                  </a:txBody>
+                  <a:tcPr>
+                    <a:lnL w="12700" cap="flat" cmpd="sng" algn="ctr">
+                      <a:solidFill>
+                        <a:schemeClr val="tx1"/>
+                      </a:solidFill>
+                      <a:prstDash val="solid"/>
+                      <a:round/>
+                      <a:headEnd type="none" w="med" len="med"/>
+                      <a:tailEnd type="none" w="med" len="med"/>
+                    </a:lnL>
+                    <a:lnT w="12700" cap="flat" cmpd="sng" algn="ctr">
+                      <a:solidFill>
+                        <a:schemeClr val="tx1"/>
+                      </a:solidFill>
+                      <a:prstDash val="solid"/>
+                      <a:round/>
+                      <a:headEnd type="none" w="med" len="med"/>
+                      <a:tailEnd type="none" w="med" len="med"/>
+                    </a:lnT>
+                    <a:lnB w="12700" cap="flat" cmpd="sng" algn="ctr">
+                      <a:solidFill>
+                        <a:schemeClr val="tx1"/>
+                      </a:solidFill>
+                      <a:prstDash val="solid"/>
+                      <a:round/>
+                      <a:headEnd type="none" w="med" len="med"/>
+                      <a:tailEnd type="none" w="med" len="med"/>
+                    </a:lnB>
+                  </a:tcPr>
+                </a:tc>
+                <a:tc gridSpan="5">
+                  <a:txBody>
+                    <a:bodyPr/>
+                    <a:lstStyle/>
+                    <a:p>
+                      <a:pPr marL="0" marR="0" indent="0" algn="ctr" defTabSz="914400" rtl="0" eaLnBrk="1" fontAlgn="auto" latinLnBrk="0" hangingPunct="1">
+                        <a:lnSpc>
+                          <a:spcPct val="100000"/>
+                        </a:lnSpc>
+                        <a:spcBef>
+                          <a:spcPts val="0"/>
+                        </a:spcBef>
+                        <a:spcAft>
+                          <a:spcPts val="0"/>
+                        </a:spcAft>
+                        <a:buClrTx/>
+                        <a:buSzTx/>
+                        <a:buFontTx/>
+                        <a:buNone/>
+                        <a:tabLst/>
+                        <a:defRPr/>
+                      </a:pPr>
+                      <a:r>
+                        <a:rPr lang="en-US" altLang="zh-TW" dirty="0" smtClean="0">
+                          <a:solidFill>
+                            <a:sysClr val="windowText" lastClr="000000"/>
+                          </a:solidFill>
+                        </a:rPr>
+                        <a:t>RSSI probability</a:t>
+                      </a:r>
+                      <a:endParaRPr lang="zh-TW" altLang="en-US" dirty="0" smtClean="0">
+                        <a:solidFill>
+                          <a:sysClr val="windowText" lastClr="000000"/>
+                        </a:solidFill>
+                      </a:endParaRPr>
+                    </a:p>
+                  </a:txBody>
+                  <a:tcPr>
+                    <a:lnR w="12700" cap="flat" cmpd="sng" algn="ctr">
+                      <a:solidFill>
+                        <a:schemeClr val="tx1"/>
+                      </a:solidFill>
+                      <a:prstDash val="solid"/>
+                      <a:round/>
+                      <a:headEnd type="none" w="med" len="med"/>
+                      <a:tailEnd type="none" w="med" len="med"/>
+                    </a:lnR>
+                    <a:lnT w="12700" cap="flat" cmpd="sng" algn="ctr">
+                      <a:solidFill>
+                        <a:schemeClr val="tx1"/>
+                      </a:solidFill>
+                      <a:prstDash val="solid"/>
+                      <a:round/>
+                      <a:headEnd type="none" w="med" len="med"/>
+                      <a:tailEnd type="none" w="med" len="med"/>
+                    </a:lnT>
+                    <a:lnB w="12700" cap="flat" cmpd="sng" algn="ctr">
+                      <a:solidFill>
+                        <a:schemeClr val="tx1"/>
+                      </a:solidFill>
+                      <a:prstDash val="solid"/>
+                      <a:round/>
+                      <a:headEnd type="none" w="med" len="med"/>
+                      <a:tailEnd type="none" w="med" len="med"/>
+                    </a:lnB>
+                  </a:tcPr>
+                </a:tc>
+                <a:tc hMerge="1">
+                  <a:txBody>
+                    <a:bodyPr/>
+                    <a:lstStyle/>
+                    <a:p>
+                      <a:endParaRPr lang="zh-TW" altLang="en-US" dirty="0"/>
+                    </a:p>
+                  </a:txBody>
+                  <a:tcPr/>
+                </a:tc>
+                <a:tc hMerge="1">
+                  <a:txBody>
+                    <a:bodyPr/>
+                    <a:lstStyle/>
+                    <a:p>
+                      <a:endParaRPr lang="zh-TW" altLang="en-US" dirty="0"/>
+                    </a:p>
+                  </a:txBody>
+                  <a:tcPr/>
+                </a:tc>
+                <a:tc hMerge="1">
+                  <a:txBody>
+                    <a:bodyPr/>
+                    <a:lstStyle/>
+                    <a:p>
+                      <a:endParaRPr lang="zh-TW" altLang="en-US" dirty="0"/>
+                    </a:p>
+                  </a:txBody>
+                  <a:tcPr/>
+                </a:tc>
+                <a:tc hMerge="1">
+                  <a:txBody>
+                    <a:bodyPr/>
+                    <a:lstStyle/>
+                    <a:p>
+                      <a:endParaRPr lang="zh-TW" altLang="en-US" dirty="0"/>
+                    </a:p>
+                  </a:txBody>
+                  <a:tcPr/>
+                </a:tc>
+              </a:tr>
+              <a:tr h="360000">
+                <a:tc vMerge="1">
+                  <a:txBody>
+                    <a:bodyPr/>
+                    <a:lstStyle/>
+                    <a:p>
+                      <a:endParaRPr lang="zh-TW" altLang="en-US"/>
+                    </a:p>
+                  </a:txBody>
+                  <a:tcPr/>
+                </a:tc>
+                <a:tc>
+                  <a:txBody>
+                    <a:bodyPr/>
+                    <a:lstStyle/>
+                    <a:p>
+                      <a:pPr algn="ctr"/>
+                      <a:endParaRPr lang="zh-TW" altLang="en-US" dirty="0">
+                        <a:solidFill>
+                          <a:sysClr val="windowText" lastClr="000000"/>
+                        </a:solidFill>
+                      </a:endParaRPr>
+                    </a:p>
+                  </a:txBody>
+                  <a:tcPr>
+                    <a:lnL w="12700" cap="flat" cmpd="sng" algn="ctr">
+                      <a:solidFill>
+                        <a:schemeClr val="tx1"/>
+                      </a:solidFill>
+                      <a:prstDash val="solid"/>
+                      <a:round/>
+                      <a:headEnd type="none" w="med" len="med"/>
+                      <a:tailEnd type="none" w="med" len="med"/>
+                    </a:lnL>
+                    <a:lnT w="12700" cap="flat" cmpd="sng" algn="ctr">
+                      <a:solidFill>
+                        <a:schemeClr val="tx1"/>
+                      </a:solidFill>
+                      <a:prstDash val="solid"/>
+                      <a:round/>
+                      <a:headEnd type="none" w="med" len="med"/>
+                      <a:tailEnd type="none" w="med" len="med"/>
+                    </a:lnT>
+                  </a:tcPr>
+                </a:tc>
+                <a:tc>
+                  <a:txBody>
+                    <a:bodyPr/>
+                    <a:lstStyle/>
+                    <a:p>
+                      <a:pPr marL="0" marR="0" indent="0" algn="ctr" defTabSz="914400" rtl="0" eaLnBrk="1" fontAlgn="auto" latinLnBrk="0" hangingPunct="1">
+                        <a:lnSpc>
+                          <a:spcPct val="100000"/>
+                        </a:lnSpc>
+                        <a:spcBef>
+                          <a:spcPts val="0"/>
+                        </a:spcBef>
+                        <a:spcAft>
+                          <a:spcPts val="0"/>
+                        </a:spcAft>
+                        <a:buClrTx/>
+                        <a:buSzTx/>
+                        <a:buFontTx/>
+                        <a:buNone/>
+                        <a:tabLst/>
+                        <a:defRPr/>
+                      </a:pPr>
+                      <a:r>
+                        <a:rPr lang="en-US" altLang="zh-TW" dirty="0" smtClean="0">
+                          <a:solidFill>
+                            <a:sysClr val="windowText" lastClr="000000"/>
+                          </a:solidFill>
+                        </a:rPr>
+                        <a:t>-60</a:t>
+                      </a:r>
+                      <a:endParaRPr lang="zh-TW" altLang="en-US" dirty="0" smtClean="0">
+                        <a:solidFill>
+                          <a:sysClr val="windowText" lastClr="000000"/>
+                        </a:solidFill>
+                      </a:endParaRPr>
+                    </a:p>
+                  </a:txBody>
+                  <a:tcPr>
+                    <a:lnT w="12700" cap="flat" cmpd="sng" algn="ctr">
+                      <a:solidFill>
+                        <a:schemeClr val="tx1"/>
+                      </a:solidFill>
+                      <a:prstDash val="solid"/>
+                      <a:round/>
+                      <a:headEnd type="none" w="med" len="med"/>
+                      <a:tailEnd type="none" w="med" len="med"/>
+                    </a:lnT>
+                  </a:tcPr>
+                </a:tc>
+                <a:tc>
+                  <a:txBody>
+                    <a:bodyPr/>
+                    <a:lstStyle/>
+                    <a:p>
+                      <a:pPr marL="0" marR="0" indent="0" algn="ctr" defTabSz="914400" rtl="0" eaLnBrk="1" fontAlgn="auto" latinLnBrk="0" hangingPunct="1">
+                        <a:lnSpc>
+                          <a:spcPct val="100000"/>
+                        </a:lnSpc>
+                        <a:spcBef>
+                          <a:spcPts val="0"/>
+                        </a:spcBef>
+                        <a:spcAft>
+                          <a:spcPts val="0"/>
+                        </a:spcAft>
+                        <a:buClrTx/>
+                        <a:buSzTx/>
+                        <a:buFontTx/>
+                        <a:buNone/>
+                        <a:tabLst/>
+                        <a:defRPr/>
+                      </a:pPr>
+                      <a:r>
+                        <a:rPr lang="en-US" altLang="zh-TW" dirty="0" smtClean="0">
+                          <a:solidFill>
+                            <a:sysClr val="windowText" lastClr="000000"/>
+                          </a:solidFill>
+                        </a:rPr>
+                        <a:t>-58</a:t>
+                      </a:r>
+                      <a:endParaRPr lang="zh-TW" altLang="en-US" dirty="0" smtClean="0">
+                        <a:solidFill>
+                          <a:sysClr val="windowText" lastClr="000000"/>
+                        </a:solidFill>
+                      </a:endParaRPr>
+                    </a:p>
+                  </a:txBody>
+                  <a:tcPr>
+                    <a:lnT w="12700" cap="flat" cmpd="sng" algn="ctr">
+                      <a:solidFill>
+                        <a:schemeClr val="tx1"/>
+                      </a:solidFill>
+                      <a:prstDash val="solid"/>
+                      <a:round/>
+                      <a:headEnd type="none" w="med" len="med"/>
+                      <a:tailEnd type="none" w="med" len="med"/>
+                    </a:lnT>
+                  </a:tcPr>
+                </a:tc>
+                <a:tc>
+                  <a:txBody>
+                    <a:bodyPr/>
+                    <a:lstStyle/>
+                    <a:p>
+                      <a:pPr marL="0" marR="0" indent="0" algn="ctr" defTabSz="914400" rtl="0" eaLnBrk="1" fontAlgn="auto" latinLnBrk="0" hangingPunct="1">
+                        <a:lnSpc>
+                          <a:spcPct val="100000"/>
+                        </a:lnSpc>
+                        <a:spcBef>
+                          <a:spcPts val="0"/>
+                        </a:spcBef>
+                        <a:spcAft>
+                          <a:spcPts val="0"/>
+                        </a:spcAft>
+                        <a:buClrTx/>
+                        <a:buSzTx/>
+                        <a:buFontTx/>
+                        <a:buNone/>
+                        <a:tabLst/>
+                        <a:defRPr/>
+                      </a:pPr>
+                      <a:r>
+                        <a:rPr lang="en-US" altLang="zh-TW" dirty="0" smtClean="0">
+                          <a:solidFill>
+                            <a:sysClr val="windowText" lastClr="000000"/>
+                          </a:solidFill>
+                        </a:rPr>
+                        <a:t>-56</a:t>
+                      </a:r>
+                      <a:endParaRPr lang="zh-TW" altLang="en-US" dirty="0" smtClean="0">
+                        <a:solidFill>
+                          <a:sysClr val="windowText" lastClr="000000"/>
+                        </a:solidFill>
+                      </a:endParaRPr>
+                    </a:p>
+                  </a:txBody>
+                  <a:tcPr>
+                    <a:lnT w="12700" cap="flat" cmpd="sng" algn="ctr">
+                      <a:solidFill>
+                        <a:schemeClr val="tx1"/>
+                      </a:solidFill>
+                      <a:prstDash val="solid"/>
+                      <a:round/>
+                      <a:headEnd type="none" w="med" len="med"/>
+                      <a:tailEnd type="none" w="med" len="med"/>
+                    </a:lnT>
+                  </a:tcPr>
+                </a:tc>
+                <a:tc>
+                  <a:txBody>
+                    <a:bodyPr/>
+                    <a:lstStyle/>
+                    <a:p>
+                      <a:pPr marL="0" marR="0" indent="0" algn="ctr" defTabSz="914400" rtl="0" eaLnBrk="1" fontAlgn="auto" latinLnBrk="0" hangingPunct="1">
+                        <a:lnSpc>
+                          <a:spcPct val="100000"/>
+                        </a:lnSpc>
+                        <a:spcBef>
+                          <a:spcPts val="0"/>
+                        </a:spcBef>
+                        <a:spcAft>
+                          <a:spcPts val="0"/>
+                        </a:spcAft>
+                        <a:buClrTx/>
+                        <a:buSzTx/>
+                        <a:buFontTx/>
+                        <a:buNone/>
+                        <a:tabLst/>
+                        <a:defRPr/>
+                      </a:pPr>
+                      <a:r>
+                        <a:rPr lang="en-US" altLang="zh-TW" dirty="0" smtClean="0">
+                          <a:solidFill>
+                            <a:sysClr val="windowText" lastClr="000000"/>
+                          </a:solidFill>
+                        </a:rPr>
+                        <a:t>-54</a:t>
+                      </a:r>
+                      <a:endParaRPr lang="zh-TW" altLang="en-US" dirty="0" smtClean="0">
+                        <a:solidFill>
+                          <a:sysClr val="windowText" lastClr="000000"/>
+                        </a:solidFill>
+                      </a:endParaRPr>
+                    </a:p>
+                  </a:txBody>
+                  <a:tcPr>
+                    <a:lnT w="12700" cap="flat" cmpd="sng" algn="ctr">
+                      <a:solidFill>
+                        <a:schemeClr val="tx1"/>
+                      </a:solidFill>
+                      <a:prstDash val="solid"/>
+                      <a:round/>
+                      <a:headEnd type="none" w="med" len="med"/>
+                      <a:tailEnd type="none" w="med" len="med"/>
+                    </a:lnT>
+                  </a:tcPr>
+                </a:tc>
+                <a:tc>
+                  <a:txBody>
+                    <a:bodyPr/>
+                    <a:lstStyle/>
+                    <a:p>
+                      <a:pPr marL="0" marR="0" indent="0" algn="ctr" defTabSz="914400" rtl="0" eaLnBrk="1" fontAlgn="auto" latinLnBrk="0" hangingPunct="1">
+                        <a:lnSpc>
+                          <a:spcPct val="100000"/>
+                        </a:lnSpc>
+                        <a:spcBef>
+                          <a:spcPts val="0"/>
+                        </a:spcBef>
+                        <a:spcAft>
+                          <a:spcPts val="0"/>
+                        </a:spcAft>
+                        <a:buClrTx/>
+                        <a:buSzTx/>
+                        <a:buFontTx/>
+                        <a:buNone/>
+                        <a:tabLst/>
+                        <a:defRPr/>
+                      </a:pPr>
+                      <a:r>
+                        <a:rPr lang="en-US" altLang="zh-TW" dirty="0" smtClean="0">
+                          <a:solidFill>
+                            <a:sysClr val="windowText" lastClr="000000"/>
+                          </a:solidFill>
+                        </a:rPr>
+                        <a:t>……</a:t>
+                      </a:r>
+                      <a:endParaRPr lang="zh-TW" altLang="en-US" dirty="0" smtClean="0">
+                        <a:solidFill>
+                          <a:sysClr val="windowText" lastClr="000000"/>
+                        </a:solidFill>
+                      </a:endParaRPr>
+                    </a:p>
+                  </a:txBody>
+                  <a:tcPr>
+                    <a:lnR w="12700" cap="flat" cmpd="sng" algn="ctr">
+                      <a:solidFill>
+                        <a:schemeClr val="tx1"/>
+                      </a:solidFill>
+                      <a:prstDash val="solid"/>
+                      <a:round/>
+                      <a:headEnd type="none" w="med" len="med"/>
+                      <a:tailEnd type="none" w="med" len="med"/>
+                    </a:lnR>
+                    <a:lnT w="12700" cap="flat" cmpd="sng" algn="ctr">
+                      <a:solidFill>
+                        <a:schemeClr val="tx1"/>
+                      </a:solidFill>
+                      <a:prstDash val="solid"/>
+                      <a:round/>
+                      <a:headEnd type="none" w="med" len="med"/>
+                      <a:tailEnd type="none" w="med" len="med"/>
+                    </a:lnT>
+                  </a:tcPr>
+                </a:tc>
+              </a:tr>
+              <a:tr h="360000">
+                <a:tc vMerge="1">
+                  <a:txBody>
+                    <a:bodyPr/>
+                    <a:lstStyle/>
+                    <a:p>
+                      <a:endParaRPr lang="zh-TW" altLang="en-US" dirty="0"/>
+                    </a:p>
+                  </a:txBody>
+                  <a:tcPr/>
+                </a:tc>
+                <a:tc>
+                  <a:txBody>
+                    <a:bodyPr/>
+                    <a:lstStyle/>
+                    <a:p>
+                      <a:pPr algn="ctr"/>
+                      <a:r>
+                        <a:rPr lang="en-US" altLang="en-US" dirty="0" smtClean="0">
+                          <a:solidFill>
+                            <a:sysClr val="windowText" lastClr="000000"/>
+                          </a:solidFill>
+                        </a:rPr>
+                        <a:t>00:23:EB:0B:4F:F5</a:t>
+                      </a:r>
+                      <a:endParaRPr lang="zh-TW" altLang="en-US" dirty="0">
+                        <a:solidFill>
+                          <a:sysClr val="windowText" lastClr="000000"/>
+                        </a:solidFill>
+                      </a:endParaRPr>
+                    </a:p>
+                  </a:txBody>
+                  <a:tcPr>
+                    <a:lnL w="12700" cap="flat" cmpd="sng" algn="ctr">
+                      <a:solidFill>
+                        <a:schemeClr val="tx1"/>
+                      </a:solidFill>
+                      <a:prstDash val="solid"/>
+                      <a:round/>
+                      <a:headEnd type="none" w="med" len="med"/>
+                      <a:tailEnd type="none" w="med" len="med"/>
+                    </a:lnL>
+                  </a:tcPr>
+                </a:tc>
+                <a:tc>
+                  <a:txBody>
+                    <a:bodyPr/>
+                    <a:lstStyle/>
+                    <a:p>
+                      <a:pPr algn="ctr"/>
+                      <a:r>
+                        <a:rPr lang="en-US" altLang="zh-TW" dirty="0" smtClean="0">
+                          <a:solidFill>
+                            <a:sysClr val="windowText" lastClr="000000"/>
+                          </a:solidFill>
+                        </a:rPr>
+                        <a:t>0.20</a:t>
+                      </a:r>
+                      <a:endParaRPr lang="zh-TW" altLang="en-US" dirty="0">
+                        <a:solidFill>
+                          <a:sysClr val="windowText" lastClr="000000"/>
+                        </a:solidFill>
+                      </a:endParaRPr>
+                    </a:p>
+                  </a:txBody>
+                  <a:tcPr/>
+                </a:tc>
+                <a:tc>
+                  <a:txBody>
+                    <a:bodyPr/>
+                    <a:lstStyle/>
+                    <a:p>
+                      <a:pPr algn="ctr"/>
+                      <a:r>
+                        <a:rPr lang="en-US" altLang="zh-TW" dirty="0" smtClean="0">
+                          <a:solidFill>
+                            <a:sysClr val="windowText" lastClr="000000"/>
+                          </a:solidFill>
+                        </a:rPr>
+                        <a:t>0.24</a:t>
+                      </a:r>
+                      <a:endParaRPr lang="zh-TW" altLang="en-US" dirty="0">
+                        <a:solidFill>
+                          <a:sysClr val="windowText" lastClr="000000"/>
+                        </a:solidFill>
+                      </a:endParaRPr>
+                    </a:p>
+                  </a:txBody>
+                  <a:tcPr/>
+                </a:tc>
+                <a:tc>
+                  <a:txBody>
+                    <a:bodyPr/>
+                    <a:lstStyle/>
+                    <a:p>
+                      <a:pPr algn="ctr"/>
+                      <a:r>
+                        <a:rPr lang="en-US" altLang="zh-TW" dirty="0" smtClean="0">
+                          <a:solidFill>
+                            <a:sysClr val="windowText" lastClr="000000"/>
+                          </a:solidFill>
+                        </a:rPr>
+                        <a:t>0.10</a:t>
+                      </a:r>
+                      <a:endParaRPr lang="zh-TW" altLang="en-US" dirty="0">
+                        <a:solidFill>
+                          <a:sysClr val="windowText" lastClr="000000"/>
+                        </a:solidFill>
+                      </a:endParaRPr>
+                    </a:p>
+                  </a:txBody>
+                  <a:tcPr/>
+                </a:tc>
+                <a:tc>
+                  <a:txBody>
+                    <a:bodyPr/>
+                    <a:lstStyle/>
+                    <a:p>
+                      <a:pPr algn="ctr"/>
+                      <a:r>
+                        <a:rPr lang="en-US" altLang="zh-TW" dirty="0" smtClean="0">
+                          <a:solidFill>
+                            <a:sysClr val="windowText" lastClr="000000"/>
+                          </a:solidFill>
+                        </a:rPr>
+                        <a:t>0.03</a:t>
+                      </a:r>
+                      <a:endParaRPr lang="zh-TW" altLang="en-US" dirty="0">
+                        <a:solidFill>
+                          <a:sysClr val="windowText" lastClr="000000"/>
+                        </a:solidFill>
+                      </a:endParaRPr>
+                    </a:p>
+                  </a:txBody>
+                  <a:tcPr/>
+                </a:tc>
+                <a:tc>
+                  <a:txBody>
+                    <a:bodyPr/>
+                    <a:lstStyle/>
+                    <a:p>
+                      <a:pPr algn="ctr"/>
+                      <a:r>
+                        <a:rPr lang="en-US" altLang="zh-TW" dirty="0" smtClean="0">
+                          <a:solidFill>
+                            <a:sysClr val="windowText" lastClr="000000"/>
+                          </a:solidFill>
+                        </a:rPr>
+                        <a:t>……</a:t>
+                      </a:r>
+                      <a:endParaRPr lang="zh-TW" altLang="en-US" dirty="0">
+                        <a:solidFill>
+                          <a:sysClr val="windowText" lastClr="000000"/>
+                        </a:solidFill>
+                      </a:endParaRPr>
+                    </a:p>
+                  </a:txBody>
+                  <a:tcPr>
+                    <a:lnR w="12700" cap="flat" cmpd="sng" algn="ctr">
+                      <a:solidFill>
+                        <a:schemeClr val="tx1"/>
+                      </a:solidFill>
+                      <a:prstDash val="solid"/>
+                      <a:round/>
+                      <a:headEnd type="none" w="med" len="med"/>
+                      <a:tailEnd type="none" w="med" len="med"/>
+                    </a:lnR>
+                  </a:tcPr>
+                </a:tc>
+              </a:tr>
+              <a:tr h="360000">
+                <a:tc vMerge="1">
+                  <a:txBody>
+                    <a:bodyPr/>
+                    <a:lstStyle/>
+                    <a:p>
+                      <a:endParaRPr lang="zh-TW" altLang="en-US" dirty="0"/>
+                    </a:p>
+                  </a:txBody>
+                  <a:tcPr/>
+                </a:tc>
+                <a:tc>
+                  <a:txBody>
+                    <a:bodyPr/>
+                    <a:lstStyle/>
+                    <a:p>
+                      <a:pPr algn="ctr"/>
+                      <a:r>
+                        <a:rPr lang="en-US" altLang="en-US" dirty="0" smtClean="0">
+                          <a:solidFill>
+                            <a:sysClr val="windowText" lastClr="000000"/>
+                          </a:solidFill>
+                        </a:rPr>
+                        <a:t>00:23:EB:3A:12:20 </a:t>
+                      </a:r>
+                      <a:endParaRPr lang="zh-TW" altLang="en-US" dirty="0">
+                        <a:solidFill>
+                          <a:sysClr val="windowText" lastClr="000000"/>
+                        </a:solidFill>
+                      </a:endParaRPr>
+                    </a:p>
+                  </a:txBody>
+                  <a:tcPr>
+                    <a:lnL w="12700" cap="flat" cmpd="sng" algn="ctr">
+                      <a:solidFill>
+                        <a:schemeClr val="tx1"/>
+                      </a:solidFill>
+                      <a:prstDash val="solid"/>
+                      <a:round/>
+                      <a:headEnd type="none" w="med" len="med"/>
+                      <a:tailEnd type="none" w="med" len="med"/>
+                    </a:lnL>
+                  </a:tcPr>
+                </a:tc>
+                <a:tc>
+                  <a:txBody>
+                    <a:bodyPr/>
+                    <a:lstStyle/>
+                    <a:p>
+                      <a:pPr algn="ctr"/>
+                      <a:r>
+                        <a:rPr lang="en-US" altLang="zh-TW" dirty="0" smtClean="0">
+                          <a:solidFill>
+                            <a:sysClr val="windowText" lastClr="000000"/>
+                          </a:solidFill>
+                        </a:rPr>
+                        <a:t>0.00</a:t>
+                      </a:r>
+                      <a:endParaRPr lang="zh-TW" altLang="en-US" dirty="0">
+                        <a:solidFill>
+                          <a:sysClr val="windowText" lastClr="000000"/>
+                        </a:solidFill>
+                      </a:endParaRPr>
+                    </a:p>
+                  </a:txBody>
+                  <a:tcPr/>
+                </a:tc>
+                <a:tc>
+                  <a:txBody>
+                    <a:bodyPr/>
+                    <a:lstStyle/>
+                    <a:p>
+                      <a:pPr algn="ctr"/>
+                      <a:r>
+                        <a:rPr lang="en-US" altLang="zh-TW" dirty="0" smtClean="0">
+                          <a:solidFill>
+                            <a:sysClr val="windowText" lastClr="000000"/>
+                          </a:solidFill>
+                        </a:rPr>
+                        <a:t>0.00</a:t>
+                      </a:r>
+                      <a:endParaRPr lang="zh-TW" altLang="en-US" dirty="0">
+                        <a:solidFill>
+                          <a:sysClr val="windowText" lastClr="000000"/>
+                        </a:solidFill>
+                      </a:endParaRPr>
+                    </a:p>
+                  </a:txBody>
+                  <a:tcPr/>
+                </a:tc>
+                <a:tc>
+                  <a:txBody>
+                    <a:bodyPr/>
+                    <a:lstStyle/>
+                    <a:p>
+                      <a:pPr algn="ctr"/>
+                      <a:r>
+                        <a:rPr lang="en-US" altLang="zh-TW" dirty="0" smtClean="0">
+                          <a:solidFill>
+                            <a:sysClr val="windowText" lastClr="000000"/>
+                          </a:solidFill>
+                        </a:rPr>
+                        <a:t>0.05</a:t>
+                      </a:r>
+                      <a:endParaRPr lang="zh-TW" altLang="en-US" dirty="0">
+                        <a:solidFill>
+                          <a:sysClr val="windowText" lastClr="000000"/>
+                        </a:solidFill>
+                      </a:endParaRPr>
+                    </a:p>
+                  </a:txBody>
+                  <a:tcPr/>
+                </a:tc>
+                <a:tc>
+                  <a:txBody>
+                    <a:bodyPr/>
+                    <a:lstStyle/>
+                    <a:p>
+                      <a:pPr algn="ctr"/>
+                      <a:r>
+                        <a:rPr lang="en-US" altLang="zh-TW" dirty="0" smtClean="0">
+                          <a:solidFill>
+                            <a:sysClr val="windowText" lastClr="000000"/>
+                          </a:solidFill>
+                        </a:rPr>
+                        <a:t>0.08</a:t>
+                      </a:r>
+                      <a:endParaRPr lang="zh-TW" altLang="en-US" dirty="0">
+                        <a:solidFill>
+                          <a:sysClr val="windowText" lastClr="000000"/>
+                        </a:solidFill>
+                      </a:endParaRPr>
+                    </a:p>
+                  </a:txBody>
+                  <a:tcPr/>
+                </a:tc>
+                <a:tc>
+                  <a:txBody>
+                    <a:bodyPr/>
+                    <a:lstStyle/>
+                    <a:p>
+                      <a:pPr algn="ctr"/>
+                      <a:r>
+                        <a:rPr lang="en-US" altLang="zh-TW" dirty="0" smtClean="0">
+                          <a:solidFill>
+                            <a:sysClr val="windowText" lastClr="000000"/>
+                          </a:solidFill>
+                        </a:rPr>
+                        <a:t>……</a:t>
+                      </a:r>
+                      <a:endParaRPr lang="zh-TW" altLang="en-US" dirty="0">
+                        <a:solidFill>
+                          <a:sysClr val="windowText" lastClr="000000"/>
+                        </a:solidFill>
+                      </a:endParaRPr>
+                    </a:p>
+                  </a:txBody>
+                  <a:tcPr>
+                    <a:lnR w="12700" cap="flat" cmpd="sng" algn="ctr">
+                      <a:solidFill>
+                        <a:schemeClr val="tx1"/>
+                      </a:solidFill>
+                      <a:prstDash val="solid"/>
+                      <a:round/>
+                      <a:headEnd type="none" w="med" len="med"/>
+                      <a:tailEnd type="none" w="med" len="med"/>
+                    </a:lnR>
+                  </a:tcPr>
+                </a:tc>
+              </a:tr>
+              <a:tr h="360000">
+                <a:tc vMerge="1">
+                  <a:txBody>
+                    <a:bodyPr/>
+                    <a:lstStyle/>
+                    <a:p>
+                      <a:endParaRPr lang="zh-TW" altLang="en-US" dirty="0"/>
+                    </a:p>
+                  </a:txBody>
+                  <a:tcPr/>
+                </a:tc>
+                <a:tc>
+                  <a:txBody>
+                    <a:bodyPr/>
+                    <a:lstStyle/>
+                    <a:p>
+                      <a:pPr algn="ctr"/>
+                      <a:r>
+                        <a:rPr lang="en-US" altLang="en-US" dirty="0" smtClean="0">
+                          <a:solidFill>
+                            <a:sysClr val="windowText" lastClr="000000"/>
+                          </a:solidFill>
+                        </a:rPr>
+                        <a:t>00:17:DF:AA:9E:C1</a:t>
+                      </a:r>
+                      <a:endParaRPr lang="zh-TW" altLang="en-US" dirty="0">
+                        <a:solidFill>
+                          <a:sysClr val="windowText" lastClr="000000"/>
+                        </a:solidFill>
+                      </a:endParaRPr>
+                    </a:p>
+                  </a:txBody>
+                  <a:tcPr>
+                    <a:lnL w="12700" cap="flat" cmpd="sng" algn="ctr">
+                      <a:solidFill>
+                        <a:schemeClr val="tx1"/>
+                      </a:solidFill>
+                      <a:prstDash val="solid"/>
+                      <a:round/>
+                      <a:headEnd type="none" w="med" len="med"/>
+                      <a:tailEnd type="none" w="med" len="med"/>
+                    </a:lnL>
+                  </a:tcPr>
+                </a:tc>
+                <a:tc>
+                  <a:txBody>
+                    <a:bodyPr/>
+                    <a:lstStyle/>
+                    <a:p>
+                      <a:pPr algn="ctr"/>
+                      <a:r>
+                        <a:rPr lang="en-US" altLang="zh-TW" dirty="0" smtClean="0">
+                          <a:solidFill>
+                            <a:sysClr val="windowText" lastClr="000000"/>
+                          </a:solidFill>
+                        </a:rPr>
+                        <a:t>0.01</a:t>
+                      </a:r>
+                      <a:endParaRPr lang="zh-TW" altLang="en-US" dirty="0">
+                        <a:solidFill>
+                          <a:sysClr val="windowText" lastClr="000000"/>
+                        </a:solidFill>
+                      </a:endParaRPr>
+                    </a:p>
+                  </a:txBody>
+                  <a:tcPr/>
+                </a:tc>
+                <a:tc>
+                  <a:txBody>
+                    <a:bodyPr/>
+                    <a:lstStyle/>
+                    <a:p>
+                      <a:pPr algn="ctr"/>
+                      <a:r>
+                        <a:rPr lang="en-US" altLang="zh-TW" dirty="0" smtClean="0">
+                          <a:solidFill>
+                            <a:sysClr val="windowText" lastClr="000000"/>
+                          </a:solidFill>
+                        </a:rPr>
+                        <a:t>0.02</a:t>
+                      </a:r>
+                      <a:endParaRPr lang="zh-TW" altLang="en-US" dirty="0">
+                        <a:solidFill>
+                          <a:sysClr val="windowText" lastClr="000000"/>
+                        </a:solidFill>
+                      </a:endParaRPr>
+                    </a:p>
+                  </a:txBody>
+                  <a:tcPr/>
+                </a:tc>
+                <a:tc>
+                  <a:txBody>
+                    <a:bodyPr/>
+                    <a:lstStyle/>
+                    <a:p>
+                      <a:pPr algn="ctr"/>
+                      <a:r>
+                        <a:rPr lang="en-US" altLang="zh-TW" dirty="0" smtClean="0">
+                          <a:solidFill>
+                            <a:sysClr val="windowText" lastClr="000000"/>
+                          </a:solidFill>
+                        </a:rPr>
+                        <a:t>0.13</a:t>
+                      </a:r>
+                      <a:endParaRPr lang="zh-TW" altLang="en-US" dirty="0">
+                        <a:solidFill>
+                          <a:sysClr val="windowText" lastClr="000000"/>
+                        </a:solidFill>
+                      </a:endParaRPr>
+                    </a:p>
+                  </a:txBody>
+                  <a:tcPr/>
+                </a:tc>
+                <a:tc>
+                  <a:txBody>
+                    <a:bodyPr/>
+                    <a:lstStyle/>
+                    <a:p>
+                      <a:pPr algn="ctr"/>
+                      <a:r>
+                        <a:rPr lang="en-US" altLang="zh-TW" dirty="0" smtClean="0">
+                          <a:solidFill>
+                            <a:sysClr val="windowText" lastClr="000000"/>
+                          </a:solidFill>
+                        </a:rPr>
+                        <a:t>0.18</a:t>
+                      </a:r>
+                      <a:endParaRPr lang="zh-TW" altLang="en-US" dirty="0">
+                        <a:solidFill>
+                          <a:sysClr val="windowText" lastClr="000000"/>
+                        </a:solidFill>
+                      </a:endParaRPr>
+                    </a:p>
+                  </a:txBody>
+                  <a:tcPr/>
+                </a:tc>
+                <a:tc>
+                  <a:txBody>
+                    <a:bodyPr/>
+                    <a:lstStyle/>
+                    <a:p>
+                      <a:pPr algn="ctr"/>
+                      <a:r>
+                        <a:rPr lang="en-US" altLang="zh-TW" dirty="0" smtClean="0">
+                          <a:solidFill>
+                            <a:sysClr val="windowText" lastClr="000000"/>
+                          </a:solidFill>
+                        </a:rPr>
+                        <a:t>……</a:t>
+                      </a:r>
+                      <a:endParaRPr lang="zh-TW" altLang="en-US" dirty="0">
+                        <a:solidFill>
+                          <a:sysClr val="windowText" lastClr="000000"/>
+                        </a:solidFill>
+                      </a:endParaRPr>
+                    </a:p>
+                  </a:txBody>
+                  <a:tcPr>
+                    <a:lnR w="12700" cap="flat" cmpd="sng" algn="ctr">
+                      <a:solidFill>
+                        <a:schemeClr val="tx1"/>
+                      </a:solidFill>
+                      <a:prstDash val="solid"/>
+                      <a:round/>
+                      <a:headEnd type="none" w="med" len="med"/>
+                      <a:tailEnd type="none" w="med" len="med"/>
+                    </a:lnR>
+                  </a:tcPr>
+                </a:tc>
+              </a:tr>
+              <a:tr h="360000">
+                <a:tc vMerge="1">
+                  <a:txBody>
+                    <a:bodyPr/>
+                    <a:lstStyle/>
+                    <a:p>
+                      <a:endParaRPr lang="zh-TW" altLang="en-US" dirty="0"/>
+                    </a:p>
+                  </a:txBody>
+                  <a:tcPr/>
+                </a:tc>
+                <a:tc>
+                  <a:txBody>
+                    <a:bodyPr/>
+                    <a:lstStyle/>
+                    <a:p>
+                      <a:pPr algn="ctr"/>
+                      <a:r>
+                        <a:rPr lang="en-US" altLang="en-US" dirty="0" smtClean="0">
+                          <a:solidFill>
+                            <a:sysClr val="windowText" lastClr="000000"/>
+                          </a:solidFill>
+                        </a:rPr>
+                        <a:t>……</a:t>
+                      </a:r>
+                      <a:endParaRPr lang="zh-TW" altLang="en-US" dirty="0">
+                        <a:solidFill>
+                          <a:sysClr val="windowText" lastClr="000000"/>
+                        </a:solidFill>
+                      </a:endParaRPr>
+                    </a:p>
+                  </a:txBody>
+                  <a:tcPr>
+                    <a:lnL w="12700" cap="flat" cmpd="sng" algn="ctr">
+                      <a:solidFill>
+                        <a:schemeClr val="tx1"/>
+                      </a:solidFill>
+                      <a:prstDash val="solid"/>
+                      <a:round/>
+                      <a:headEnd type="none" w="med" len="med"/>
+                      <a:tailEnd type="none" w="med" len="med"/>
+                    </a:lnL>
+                    <a:lnB w="12700" cap="flat" cmpd="sng" algn="ctr">
+                      <a:solidFill>
+                        <a:schemeClr val="tx1"/>
+                      </a:solidFill>
+                      <a:prstDash val="solid"/>
+                      <a:round/>
+                      <a:headEnd type="none" w="med" len="med"/>
+                      <a:tailEnd type="none" w="med" len="med"/>
+                    </a:lnB>
+                  </a:tcPr>
+                </a:tc>
+                <a:tc>
+                  <a:txBody>
+                    <a:bodyPr/>
+                    <a:lstStyle/>
+                    <a:p>
+                      <a:pPr marL="0" marR="0" indent="0" algn="ctr" defTabSz="914400" rtl="0" eaLnBrk="1" fontAlgn="auto" latinLnBrk="0" hangingPunct="1">
+                        <a:lnSpc>
+                          <a:spcPct val="100000"/>
+                        </a:lnSpc>
+                        <a:spcBef>
+                          <a:spcPts val="0"/>
+                        </a:spcBef>
+                        <a:spcAft>
+                          <a:spcPts val="0"/>
+                        </a:spcAft>
+                        <a:buClrTx/>
+                        <a:buSzTx/>
+                        <a:buFontTx/>
+                        <a:buNone/>
+                        <a:tabLst/>
+                        <a:defRPr/>
+                      </a:pPr>
+                      <a:r>
+                        <a:rPr lang="en-US" altLang="en-US" dirty="0" smtClean="0">
+                          <a:solidFill>
+                            <a:sysClr val="windowText" lastClr="000000"/>
+                          </a:solidFill>
+                        </a:rPr>
+                        <a:t>……</a:t>
+                      </a:r>
+                      <a:endParaRPr lang="zh-TW" altLang="en-US" dirty="0" smtClean="0">
+                        <a:solidFill>
+                          <a:sysClr val="windowText" lastClr="000000"/>
+                        </a:solidFill>
+                      </a:endParaRPr>
+                    </a:p>
+                  </a:txBody>
+                  <a:tcPr>
+                    <a:lnB w="12700" cap="flat" cmpd="sng" algn="ctr">
+                      <a:solidFill>
+                        <a:schemeClr val="tx1"/>
+                      </a:solidFill>
+                      <a:prstDash val="solid"/>
+                      <a:round/>
+                      <a:headEnd type="none" w="med" len="med"/>
+                      <a:tailEnd type="none" w="med" len="med"/>
+                    </a:lnB>
+                  </a:tcPr>
+                </a:tc>
+                <a:tc>
+                  <a:txBody>
+                    <a:bodyPr/>
+                    <a:lstStyle/>
+                    <a:p>
+                      <a:pPr marL="0" marR="0" indent="0" algn="ctr" defTabSz="914400" rtl="0" eaLnBrk="1" fontAlgn="auto" latinLnBrk="0" hangingPunct="1">
+                        <a:lnSpc>
+                          <a:spcPct val="100000"/>
+                        </a:lnSpc>
+                        <a:spcBef>
+                          <a:spcPts val="0"/>
+                        </a:spcBef>
+                        <a:spcAft>
+                          <a:spcPts val="0"/>
+                        </a:spcAft>
+                        <a:buClrTx/>
+                        <a:buSzTx/>
+                        <a:buFontTx/>
+                        <a:buNone/>
+                        <a:tabLst/>
+                        <a:defRPr/>
+                      </a:pPr>
+                      <a:r>
+                        <a:rPr lang="en-US" altLang="en-US" dirty="0" smtClean="0">
+                          <a:solidFill>
+                            <a:sysClr val="windowText" lastClr="000000"/>
+                          </a:solidFill>
+                        </a:rPr>
+                        <a:t>……</a:t>
+                      </a:r>
+                      <a:endParaRPr lang="zh-TW" altLang="en-US" dirty="0" smtClean="0">
+                        <a:solidFill>
+                          <a:sysClr val="windowText" lastClr="000000"/>
+                        </a:solidFill>
+                      </a:endParaRPr>
+                    </a:p>
+                  </a:txBody>
+                  <a:tcPr>
+                    <a:lnB w="12700" cap="flat" cmpd="sng" algn="ctr">
+                      <a:solidFill>
+                        <a:schemeClr val="tx1"/>
+                      </a:solidFill>
+                      <a:prstDash val="solid"/>
+                      <a:round/>
+                      <a:headEnd type="none" w="med" len="med"/>
+                      <a:tailEnd type="none" w="med" len="med"/>
+                    </a:lnB>
+                  </a:tcPr>
+                </a:tc>
+                <a:tc>
+                  <a:txBody>
+                    <a:bodyPr/>
+                    <a:lstStyle/>
+                    <a:p>
+                      <a:pPr marL="0" marR="0" indent="0" algn="ctr" defTabSz="914400" rtl="0" eaLnBrk="1" fontAlgn="auto" latinLnBrk="0" hangingPunct="1">
+                        <a:lnSpc>
+                          <a:spcPct val="100000"/>
+                        </a:lnSpc>
+                        <a:spcBef>
+                          <a:spcPts val="0"/>
+                        </a:spcBef>
+                        <a:spcAft>
+                          <a:spcPts val="0"/>
+                        </a:spcAft>
+                        <a:buClrTx/>
+                        <a:buSzTx/>
+                        <a:buFontTx/>
+                        <a:buNone/>
+                        <a:tabLst/>
+                        <a:defRPr/>
+                      </a:pPr>
+                      <a:r>
+                        <a:rPr lang="en-US" altLang="en-US" dirty="0" smtClean="0">
+                          <a:solidFill>
+                            <a:sysClr val="windowText" lastClr="000000"/>
+                          </a:solidFill>
+                        </a:rPr>
+                        <a:t>……</a:t>
+                      </a:r>
+                      <a:endParaRPr lang="zh-TW" altLang="en-US" dirty="0" smtClean="0">
+                        <a:solidFill>
+                          <a:sysClr val="windowText" lastClr="000000"/>
+                        </a:solidFill>
+                      </a:endParaRPr>
+                    </a:p>
+                  </a:txBody>
+                  <a:tcPr>
+                    <a:lnB w="12700" cap="flat" cmpd="sng" algn="ctr">
+                      <a:solidFill>
+                        <a:schemeClr val="tx1"/>
+                      </a:solidFill>
+                      <a:prstDash val="solid"/>
+                      <a:round/>
+                      <a:headEnd type="none" w="med" len="med"/>
+                      <a:tailEnd type="none" w="med" len="med"/>
+                    </a:lnB>
+                  </a:tcPr>
+                </a:tc>
+                <a:tc>
+                  <a:txBody>
+                    <a:bodyPr/>
+                    <a:lstStyle/>
+                    <a:p>
+                      <a:pPr marL="0" marR="0" indent="0" algn="ctr" defTabSz="914400" rtl="0" eaLnBrk="1" fontAlgn="auto" latinLnBrk="0" hangingPunct="1">
+                        <a:lnSpc>
+                          <a:spcPct val="100000"/>
+                        </a:lnSpc>
+                        <a:spcBef>
+                          <a:spcPts val="0"/>
+                        </a:spcBef>
+                        <a:spcAft>
+                          <a:spcPts val="0"/>
+                        </a:spcAft>
+                        <a:buClrTx/>
+                        <a:buSzTx/>
+                        <a:buFontTx/>
+                        <a:buNone/>
+                        <a:tabLst/>
+                        <a:defRPr/>
+                      </a:pPr>
+                      <a:r>
+                        <a:rPr lang="en-US" altLang="en-US" dirty="0" smtClean="0">
+                          <a:solidFill>
+                            <a:sysClr val="windowText" lastClr="000000"/>
+                          </a:solidFill>
+                        </a:rPr>
+                        <a:t>……</a:t>
+                      </a:r>
+                      <a:endParaRPr lang="zh-TW" altLang="en-US" dirty="0" smtClean="0">
+                        <a:solidFill>
+                          <a:sysClr val="windowText" lastClr="000000"/>
+                        </a:solidFill>
+                      </a:endParaRPr>
+                    </a:p>
+                  </a:txBody>
+                  <a:tcPr>
+                    <a:lnB w="12700" cap="flat" cmpd="sng" algn="ctr">
+                      <a:solidFill>
+                        <a:schemeClr val="tx1"/>
+                      </a:solidFill>
+                      <a:prstDash val="solid"/>
+                      <a:round/>
+                      <a:headEnd type="none" w="med" len="med"/>
+                      <a:tailEnd type="none" w="med" len="med"/>
+                    </a:lnB>
+                  </a:tcPr>
+                </a:tc>
+                <a:tc>
+                  <a:txBody>
+                    <a:bodyPr/>
+                    <a:lstStyle/>
+                    <a:p>
+                      <a:pPr marL="0" marR="0" indent="0" algn="ctr" defTabSz="914400" rtl="0" eaLnBrk="1" fontAlgn="auto" latinLnBrk="0" hangingPunct="1">
+                        <a:lnSpc>
+                          <a:spcPct val="100000"/>
+                        </a:lnSpc>
+                        <a:spcBef>
+                          <a:spcPts val="0"/>
+                        </a:spcBef>
+                        <a:spcAft>
+                          <a:spcPts val="0"/>
+                        </a:spcAft>
+                        <a:buClrTx/>
+                        <a:buSzTx/>
+                        <a:buFontTx/>
+                        <a:buNone/>
+                        <a:tabLst/>
+                        <a:defRPr/>
+                      </a:pPr>
+                      <a:r>
+                        <a:rPr lang="en-US" altLang="en-US" dirty="0" smtClean="0">
+                          <a:solidFill>
+                            <a:sysClr val="windowText" lastClr="000000"/>
+                          </a:solidFill>
+                        </a:rPr>
+                        <a:t>……</a:t>
+                      </a:r>
+                      <a:endParaRPr lang="zh-TW" altLang="en-US" dirty="0" smtClean="0">
+                        <a:solidFill>
+                          <a:sysClr val="windowText" lastClr="000000"/>
+                        </a:solidFill>
+                      </a:endParaRPr>
+                    </a:p>
+                  </a:txBody>
+                  <a:tcPr>
+                    <a:lnR w="12700" cap="flat" cmpd="sng" algn="ctr">
+                      <a:solidFill>
+                        <a:schemeClr val="tx1"/>
+                      </a:solidFill>
+                      <a:prstDash val="solid"/>
+                      <a:round/>
+                      <a:headEnd type="none" w="med" len="med"/>
+                      <a:tailEnd type="none" w="med" len="med"/>
+                    </a:lnR>
+                    <a:lnB w="12700" cap="flat" cmpd="sng" algn="ctr">
+                      <a:solidFill>
+                        <a:schemeClr val="tx1"/>
+                      </a:solidFill>
+                      <a:prstDash val="solid"/>
+                      <a:round/>
+                      <a:headEnd type="none" w="med" len="med"/>
+                      <a:tailEnd type="none" w="med" len="med"/>
+                    </a:lnB>
+                  </a:tcPr>
+                </a:tc>
+              </a:tr>
+            </a:tbl>
+          </a:graphicData>
+        </a:graphic>
+      </p:graphicFrame>
+      <p:sp>
+        <p:nvSpPr>
+          <p:cNvPr id="8" name="文字方塊 7"/>
+          <p:cNvSpPr txBox="1"/>
+          <p:nvPr/>
+        </p:nvSpPr>
+        <p:spPr>
+          <a:xfrm>
+            <a:off x="428596" y="3500438"/>
+            <a:ext cx="1928826" cy="646331"/>
+          </a:xfrm>
+          <a:prstGeom prst="rect">
+            <a:avLst/>
+          </a:prstGeom>
+          <a:solidFill>
+            <a:srgbClr val="92D050"/>
+          </a:solidFill>
+        </p:spPr>
+        <p:txBody>
+          <a:bodyPr wrap="square" rtlCol="0">
+            <a:spAutoFit/>
+          </a:bodyPr>
+          <a:lstStyle/>
+          <a:p>
+            <a:r>
+              <a:rPr lang="en-US" altLang="zh-TW" dirty="0" smtClean="0"/>
+              <a:t>Grid Cell 83</a:t>
+            </a:r>
+          </a:p>
+          <a:p>
+            <a:r>
+              <a:rPr lang="en-US" altLang="zh-TW" dirty="0" smtClean="0"/>
+              <a:t>RSSI Profiles</a:t>
+            </a:r>
+            <a:endParaRPr lang="zh-TW" altLang="en-US" dirty="0"/>
+          </a:p>
+        </p:txBody>
+      </p:sp>
+      <p:grpSp>
+        <p:nvGrpSpPr>
+          <p:cNvPr id="9" name="群組 8"/>
+          <p:cNvGrpSpPr/>
+          <p:nvPr/>
+        </p:nvGrpSpPr>
+        <p:grpSpPr>
+          <a:xfrm>
+            <a:off x="714348" y="6000768"/>
+            <a:ext cx="71438" cy="536628"/>
+            <a:chOff x="1500166" y="5786454"/>
+            <a:chExt cx="108000" cy="679504"/>
+          </a:xfrm>
+        </p:grpSpPr>
+        <p:sp>
+          <p:nvSpPr>
+            <p:cNvPr id="10" name="橢圓 9"/>
+            <p:cNvSpPr/>
+            <p:nvPr/>
+          </p:nvSpPr>
+          <p:spPr>
+            <a:xfrm>
+              <a:off x="1500166" y="5786454"/>
+              <a:ext cx="108000" cy="108000"/>
+            </a:xfrm>
+            <a:prstGeom prst="ellipse">
+              <a:avLst/>
+            </a:prstGeom>
+            <a:solidFill>
+              <a:schemeClr val="tx1"/>
+            </a:solidFill>
+            <a:ln>
+              <a:noFill/>
+            </a:ln>
+          </p:spPr>
+          <p:style>
+            <a:lnRef idx="2">
+              <a:schemeClr val="accent1">
+                <a:shade val="50000"/>
+              </a:schemeClr>
+            </a:lnRef>
+            <a:fillRef idx="1">
+              <a:schemeClr val="accent1"/>
+            </a:fillRef>
+            <a:effectRef idx="0">
+              <a:schemeClr val="accent1"/>
+            </a:effectRef>
+            <a:fontRef idx="minor">
+              <a:schemeClr val="lt1"/>
+            </a:fontRef>
+          </p:style>
+          <p:txBody>
+            <a:bodyPr rtlCol="0" anchor="ctr"/>
+            <a:lstStyle/>
+            <a:p>
+              <a:pPr algn="ctr"/>
+              <a:endParaRPr lang="zh-TW" altLang="en-US"/>
+            </a:p>
+          </p:txBody>
+        </p:sp>
+        <p:sp>
+          <p:nvSpPr>
+            <p:cNvPr id="11" name="橢圓 10"/>
+            <p:cNvSpPr/>
+            <p:nvPr/>
+          </p:nvSpPr>
+          <p:spPr>
+            <a:xfrm>
+              <a:off x="1500166" y="6072206"/>
+              <a:ext cx="108000" cy="108000"/>
+            </a:xfrm>
+            <a:prstGeom prst="ellipse">
+              <a:avLst/>
+            </a:prstGeom>
+            <a:solidFill>
+              <a:schemeClr val="tx1"/>
+            </a:solidFill>
+            <a:ln>
+              <a:noFill/>
+            </a:ln>
+          </p:spPr>
+          <p:style>
+            <a:lnRef idx="2">
+              <a:schemeClr val="accent1">
+                <a:shade val="50000"/>
+              </a:schemeClr>
+            </a:lnRef>
+            <a:fillRef idx="1">
+              <a:schemeClr val="accent1"/>
+            </a:fillRef>
+            <a:effectRef idx="0">
+              <a:schemeClr val="accent1"/>
+            </a:effectRef>
+            <a:fontRef idx="minor">
+              <a:schemeClr val="lt1"/>
+            </a:fontRef>
+          </p:style>
+          <p:txBody>
+            <a:bodyPr rtlCol="0" anchor="ctr"/>
+            <a:lstStyle/>
+            <a:p>
+              <a:pPr algn="ctr"/>
+              <a:endParaRPr lang="zh-TW" altLang="en-US"/>
+            </a:p>
+          </p:txBody>
+        </p:sp>
+        <p:sp>
+          <p:nvSpPr>
+            <p:cNvPr id="12" name="橢圓 11"/>
+            <p:cNvSpPr/>
+            <p:nvPr/>
+          </p:nvSpPr>
+          <p:spPr>
+            <a:xfrm>
+              <a:off x="1500166" y="6357958"/>
+              <a:ext cx="108000" cy="108000"/>
+            </a:xfrm>
+            <a:prstGeom prst="ellipse">
+              <a:avLst/>
+            </a:prstGeom>
+            <a:solidFill>
+              <a:schemeClr val="tx1"/>
+            </a:solidFill>
+            <a:ln>
+              <a:noFill/>
+            </a:ln>
+          </p:spPr>
+          <p:style>
+            <a:lnRef idx="2">
+              <a:schemeClr val="accent1">
+                <a:shade val="50000"/>
+              </a:schemeClr>
+            </a:lnRef>
+            <a:fillRef idx="1">
+              <a:schemeClr val="accent1"/>
+            </a:fillRef>
+            <a:effectRef idx="0">
+              <a:schemeClr val="accent1"/>
+            </a:effectRef>
+            <a:fontRef idx="minor">
+              <a:schemeClr val="lt1"/>
+            </a:fontRef>
+          </p:style>
+          <p:txBody>
+            <a:bodyPr rtlCol="0" anchor="ctr"/>
+            <a:lstStyle/>
+            <a:p>
+              <a:pPr algn="ctr"/>
+              <a:endParaRPr lang="zh-TW" altLang="en-US"/>
+            </a:p>
+          </p:txBody>
+        </p:sp>
+      </p:grpSp>
+      <p:pic>
+        <p:nvPicPr>
+          <p:cNvPr id="16" name="圖片 15" descr="bayesian-v3.bmp"/>
+          <p:cNvPicPr>
+            <a:picLocks noChangeAspect="1"/>
+          </p:cNvPicPr>
+          <p:nvPr/>
+        </p:nvPicPr>
+        <p:blipFill>
+          <a:blip r:embed="rId2" cstate="print"/>
+          <a:stretch>
+            <a:fillRect/>
+          </a:stretch>
+        </p:blipFill>
+        <p:spPr>
+          <a:xfrm>
+            <a:off x="1857356" y="6000768"/>
+            <a:ext cx="6500826" cy="508568"/>
+          </a:xfrm>
+          <a:prstGeom prst="rect">
+            <a:avLst/>
+          </a:prstGeom>
+          <a:ln>
+            <a:solidFill>
+              <a:schemeClr val="tx1"/>
+            </a:solidFill>
+          </a:ln>
+        </p:spPr>
+      </p:pic>
+      <p:sp>
+        <p:nvSpPr>
+          <p:cNvPr id="18" name="標題 1"/>
+          <p:cNvSpPr txBox="1">
+            <a:spLocks/>
+          </p:cNvSpPr>
+          <p:nvPr/>
+        </p:nvSpPr>
+        <p:spPr>
+          <a:xfrm>
+            <a:off x="142844" y="142852"/>
+            <a:ext cx="4572000" cy="785818"/>
+          </a:xfrm>
+          <a:prstGeom prst="rect">
+            <a:avLst/>
+          </a:prstGeom>
+        </p:spPr>
+        <p:style>
+          <a:lnRef idx="1">
+            <a:schemeClr val="accent1"/>
+          </a:lnRef>
+          <a:fillRef idx="2">
+            <a:schemeClr val="accent1"/>
+          </a:fillRef>
+          <a:effectRef idx="1">
+            <a:schemeClr val="accent1"/>
+          </a:effectRef>
+          <a:fontRef idx="minor">
+            <a:schemeClr val="dk1"/>
+          </a:fontRef>
+        </p:style>
+        <p:txBody>
+          <a:bodyPr vert="horz" lIns="91440" tIns="45720" rIns="91440" bIns="45720" rtlCol="0" anchor="ctr">
+            <a:noAutofit/>
+          </a:bodyPr>
+          <a:lstStyle/>
+          <a:p>
+            <a:pPr marL="0" marR="0" lvl="0" indent="0" algn="l" defTabSz="914400" rtl="0" eaLnBrk="1" fontAlgn="auto" latinLnBrk="0" hangingPunct="1">
+              <a:lnSpc>
+                <a:spcPct val="100000"/>
+              </a:lnSpc>
+              <a:spcBef>
+                <a:spcPct val="0"/>
+              </a:spcBef>
+              <a:spcAft>
+                <a:spcPts val="0"/>
+              </a:spcAft>
+              <a:buClrTx/>
+              <a:buSzTx/>
+              <a:buFontTx/>
+              <a:buNone/>
+              <a:tabLst/>
+              <a:defRPr/>
+            </a:pPr>
+            <a:endParaRPr lang="en-US" altLang="zh-TW" sz="4000" dirty="0" smtClean="0">
+              <a:solidFill>
+                <a:schemeClr val="tx1"/>
+              </a:solidFill>
+              <a:latin typeface="+mj-lt"/>
+              <a:ea typeface="+mj-ea"/>
+              <a:cs typeface="+mj-cs"/>
+            </a:endParaRPr>
+          </a:p>
+          <a:p>
+            <a:pPr marL="0" marR="0" lvl="0" indent="0" algn="l" defTabSz="914400" rtl="0" eaLnBrk="1" fontAlgn="auto" latinLnBrk="0" hangingPunct="1">
+              <a:lnSpc>
+                <a:spcPct val="100000"/>
+              </a:lnSpc>
+              <a:spcBef>
+                <a:spcPct val="0"/>
+              </a:spcBef>
+              <a:spcAft>
+                <a:spcPts val="0"/>
+              </a:spcAft>
+              <a:buClrTx/>
+              <a:buSzTx/>
+              <a:buFontTx/>
+              <a:buNone/>
+              <a:tabLst/>
+              <a:defRPr/>
+            </a:pPr>
+            <a:endParaRPr kumimoji="0" lang="en-US" altLang="zh-TW" sz="4000" b="0" i="0" u="none" strike="noStrike" kern="1200" cap="none" spc="0" normalizeH="0" baseline="0" noProof="0" dirty="0" smtClean="0">
+              <a:ln>
+                <a:noFill/>
+              </a:ln>
+              <a:solidFill>
+                <a:schemeClr val="tx1"/>
+              </a:solidFill>
+              <a:effectLst/>
+              <a:uLnTx/>
+              <a:uFillTx/>
+              <a:latin typeface="+mj-lt"/>
+              <a:ea typeface="+mj-ea"/>
+              <a:cs typeface="+mj-cs"/>
+            </a:endParaRPr>
+          </a:p>
+          <a:p>
+            <a:pPr marL="0" marR="0" lvl="0" indent="0" algn="l" defTabSz="914400" rtl="0" eaLnBrk="1" fontAlgn="auto" latinLnBrk="0" hangingPunct="1">
+              <a:lnSpc>
+                <a:spcPct val="100000"/>
+              </a:lnSpc>
+              <a:spcBef>
+                <a:spcPct val="0"/>
+              </a:spcBef>
+              <a:spcAft>
+                <a:spcPts val="0"/>
+              </a:spcAft>
+              <a:buClrTx/>
+              <a:buSzTx/>
+              <a:buFontTx/>
+              <a:buNone/>
+              <a:tabLst/>
+              <a:defRPr/>
+            </a:pPr>
+            <a:r>
+              <a:rPr kumimoji="0" lang="en-US" altLang="zh-TW" sz="4000" b="0" i="0" u="none" strike="noStrike" kern="1200" cap="none" spc="0" normalizeH="0" baseline="0" noProof="0" dirty="0" smtClean="0">
+                <a:ln>
+                  <a:noFill/>
+                </a:ln>
+                <a:solidFill>
+                  <a:schemeClr val="tx1"/>
+                </a:solidFill>
+                <a:effectLst/>
+                <a:uLnTx/>
+                <a:uFillTx/>
+                <a:latin typeface="+mj-lt"/>
+                <a:ea typeface="+mj-ea"/>
+                <a:cs typeface="+mj-cs"/>
+              </a:rPr>
+              <a:t>Bayesian Probability </a:t>
+            </a:r>
+            <a:r>
+              <a:rPr kumimoji="0" lang="zh-TW" altLang="en-US" sz="4000" b="0" i="0" u="none" strike="noStrike" kern="1200" cap="none" spc="0" normalizeH="0" baseline="0" noProof="0" dirty="0" smtClean="0">
+                <a:ln>
+                  <a:noFill/>
+                </a:ln>
+                <a:solidFill>
+                  <a:schemeClr val="tx1"/>
+                </a:solidFill>
+                <a:effectLst/>
+                <a:uLnTx/>
+                <a:uFillTx/>
+                <a:latin typeface="+mj-lt"/>
+                <a:ea typeface="+mj-ea"/>
+                <a:cs typeface="+mj-cs"/>
+              </a:rPr>
+              <a:t/>
+            </a:r>
+            <a:br>
+              <a:rPr kumimoji="0" lang="zh-TW" altLang="en-US" sz="4000" b="0" i="0" u="none" strike="noStrike" kern="1200" cap="none" spc="0" normalizeH="0" baseline="0" noProof="0" dirty="0" smtClean="0">
+                <a:ln>
+                  <a:noFill/>
+                </a:ln>
+                <a:solidFill>
+                  <a:schemeClr val="tx1"/>
+                </a:solidFill>
+                <a:effectLst/>
+                <a:uLnTx/>
+                <a:uFillTx/>
+                <a:latin typeface="+mj-lt"/>
+                <a:ea typeface="+mj-ea"/>
+                <a:cs typeface="+mj-cs"/>
+              </a:rPr>
+            </a:br>
+            <a:r>
+              <a:rPr kumimoji="0" lang="en-US" altLang="zh-TW" sz="4000" b="0" i="0" u="none" strike="noStrike" kern="1200" cap="none" spc="0" normalizeH="0" baseline="0" noProof="0" dirty="0" smtClean="0">
+                <a:ln>
+                  <a:noFill/>
+                </a:ln>
+                <a:solidFill>
+                  <a:schemeClr val="tx1"/>
+                </a:solidFill>
+                <a:effectLst/>
+                <a:uLnTx/>
+                <a:uFillTx/>
+                <a:latin typeface="+mj-lt"/>
+                <a:ea typeface="+mj-ea"/>
+                <a:cs typeface="+mj-cs"/>
+              </a:rPr>
+              <a:t/>
+            </a:r>
+            <a:br>
+              <a:rPr kumimoji="0" lang="en-US" altLang="zh-TW" sz="4000" b="0" i="0" u="none" strike="noStrike" kern="1200" cap="none" spc="0" normalizeH="0" baseline="0" noProof="0" dirty="0" smtClean="0">
+                <a:ln>
+                  <a:noFill/>
+                </a:ln>
+                <a:solidFill>
+                  <a:schemeClr val="tx1"/>
+                </a:solidFill>
+                <a:effectLst/>
+                <a:uLnTx/>
+                <a:uFillTx/>
+                <a:latin typeface="+mj-lt"/>
+                <a:ea typeface="+mj-ea"/>
+                <a:cs typeface="+mj-cs"/>
+              </a:rPr>
+            </a:br>
+            <a:endParaRPr kumimoji="0" lang="zh-TW" altLang="en-US" sz="4000" b="0" i="0" u="none" strike="noStrike" kern="1200" cap="none" spc="0" normalizeH="0" baseline="0" noProof="0" dirty="0">
+              <a:ln>
+                <a:noFill/>
+              </a:ln>
+              <a:solidFill>
+                <a:schemeClr val="tx1"/>
+              </a:solidFill>
+              <a:effectLst/>
+              <a:uLnTx/>
+              <a:uFillTx/>
+              <a:latin typeface="+mj-lt"/>
+              <a:ea typeface="+mj-ea"/>
+              <a:cs typeface="+mj-cs"/>
+            </a:endParaRPr>
+          </a:p>
+        </p:txBody>
+      </p:sp>
     </p:spTree>
   </p:cSld>
   <p:clrMapOvr>
